--- a/doc/glslang study.pptx
+++ b/doc/glslang study.pptx
@@ -5,23 +5,27 @@
     <p:sldMasterId id="2147483648" r:id="rId1"/>
   </p:sldMasterIdLst>
   <p:notesMasterIdLst>
-    <p:notesMasterId r:id="rId14"/>
+    <p:notesMasterId r:id="rId18"/>
   </p:notesMasterIdLst>
   <p:handoutMasterIdLst>
-    <p:handoutMasterId r:id="rId15"/>
+    <p:handoutMasterId r:id="rId19"/>
   </p:handoutMasterIdLst>
   <p:sldIdLst>
     <p:sldId id="2053" r:id="rId3"/>
     <p:sldId id="2054" r:id="rId4"/>
     <p:sldId id="2055" r:id="rId5"/>
     <p:sldId id="2062" r:id="rId6"/>
-    <p:sldId id="2069" r:id="rId7"/>
-    <p:sldId id="2056" r:id="rId8"/>
-    <p:sldId id="2057" r:id="rId9"/>
-    <p:sldId id="2058" r:id="rId10"/>
-    <p:sldId id="2059" r:id="rId11"/>
-    <p:sldId id="2060" r:id="rId12"/>
-    <p:sldId id="2061" r:id="rId13"/>
+    <p:sldId id="2078" r:id="rId7"/>
+    <p:sldId id="2069" r:id="rId8"/>
+    <p:sldId id="2056" r:id="rId9"/>
+    <p:sldId id="2057" r:id="rId10"/>
+    <p:sldId id="2058" r:id="rId11"/>
+    <p:sldId id="2059" r:id="rId12"/>
+    <p:sldId id="2060" r:id="rId13"/>
+    <p:sldId id="2061" r:id="rId14"/>
+    <p:sldId id="2076" r:id="rId15"/>
+    <p:sldId id="2077" r:id="rId16"/>
+    <p:sldId id="2079" r:id="rId17"/>
   </p:sldIdLst>
   <p:sldSz cx="12188825" cy="6858000"/>
   <p:notesSz cx="6858000" cy="4819650"/>
@@ -159,12 +163,16 @@
             <p14:sldId id="2054"/>
             <p14:sldId id="2055"/>
             <p14:sldId id="2062"/>
+            <p14:sldId id="2078"/>
             <p14:sldId id="2069"/>
             <p14:sldId id="2056"/>
             <p14:sldId id="2057"/>
             <p14:sldId id="2058"/>
             <p14:sldId id="2059"/>
             <p14:sldId id="2060"/>
+            <p14:sldId id="2076"/>
+            <p14:sldId id="2077"/>
+            <p14:sldId id="2079"/>
             <p14:sldId id="2061"/>
           </p14:sldIdLst>
         </p14:section>
@@ -1808,7 +1816,14 @@
                 <a:latin typeface="+mn-ea"/>
                 <a:sym typeface="+mn-ea"/>
               </a:rPr>
-              <a:t>遍历语法树</a:t>
+              <a:t>节点</a:t>
+            </a:r>
+            <a:r>
+              <a:rPr lang="zh-CN" altLang="en-US" sz="2800" b="1">
+                <a:latin typeface="+mn-ea"/>
+                <a:sym typeface="+mn-ea"/>
+              </a:rPr>
+              <a:t>相关函数</a:t>
             </a:r>
             <a:r>
               <a:rPr lang="zh-CN" altLang="en-US" sz="2800" b="1">
@@ -1825,16 +1840,25 @@
               <a:buSzTx/>
             </a:pPr>
             <a:r>
-              <a:rPr lang="en-US" altLang="zh-CN" sz="2400">
-                <a:latin typeface="+mn-ea"/>
-              </a:rPr>
-              <a:t>glslang</a:t>
-            </a:r>
-            <a:r>
               <a:rPr lang="zh-CN" altLang="en-US" sz="2400">
                 <a:latin typeface="+mn-ea"/>
               </a:rPr>
-              <a:t>用输出语法树作为遍历语法树的示例</a:t>
+              <a:t>语法数相关的工具函数在</a:t>
+            </a:r>
+            <a:r>
+              <a:rPr lang="zh-CN" altLang="en-US" sz="2400" b="1">
+                <a:solidFill>
+                  <a:srgbClr val="00B0F0"/>
+                </a:solidFill>
+                <a:latin typeface="+mn-ea"/>
+              </a:rPr>
+              <a:t>TIntermediate</a:t>
+            </a:r>
+            <a:r>
+              <a:rPr lang="zh-CN" altLang="en-US" sz="2400">
+                <a:latin typeface="+mn-ea"/>
+              </a:rPr>
+              <a:t>类中，定义在\glslang\MachineIndependent\localintermediate.h 和 \glslang\MachineIndependent\Intermediate.cpp 文件中</a:t>
             </a:r>
             <a:endParaRPr lang="zh-CN" altLang="en-US" sz="2400">
               <a:latin typeface="+mn-ea"/>
@@ -1848,66 +1872,24 @@
               <a:rPr lang="zh-CN" altLang="en-US" sz="2000">
                 <a:latin typeface="+mn-ea"/>
               </a:rPr>
-              <a:t>遍历器的</a:t>
+              <a:t>包含一个用于输出的成员变量：TInfoSink&amp; </a:t>
+            </a:r>
+            <a:r>
+              <a:rPr lang="zh-CN" altLang="en-US" sz="2000" b="1">
+                <a:solidFill>
+                  <a:srgbClr val="00B050"/>
+                </a:solidFill>
+                <a:latin typeface="+mn-ea"/>
+              </a:rPr>
+              <a:t>infoSink</a:t>
             </a:r>
             <a:r>
               <a:rPr lang="zh-CN" altLang="en-US" sz="2000">
                 <a:latin typeface="+mn-ea"/>
               </a:rPr>
-              <a:t>数据结构为</a:t>
-            </a:r>
-            <a:r>
-              <a:rPr lang="zh-CN" altLang="en-US" sz="2000" b="1">
-                <a:solidFill>
-                  <a:srgbClr val="00B0F0"/>
-                </a:solidFill>
-                <a:latin typeface="+mn-ea"/>
-              </a:rPr>
-              <a:t>TIntermTraverser</a:t>
-            </a:r>
-            <a:r>
-              <a:rPr lang="zh-CN" altLang="en-US" sz="2000">
-                <a:latin typeface="+mn-ea"/>
-              </a:rPr>
-              <a:t>定义在\glslang\Include\intermediate.h中</a:t>
+              <a:t>;</a:t>
             </a:r>
             <a:endParaRPr lang="zh-CN" altLang="en-US" sz="2000">
-              <a:latin typeface="+mn-ea"/>
-            </a:endParaRPr>
-          </a:p>
-          <a:p>
-            <a:pPr lvl="3" algn="l">
-              <a:buSzTx/>
-            </a:pPr>
-            <a:r>
-              <a:rPr lang="zh-CN" altLang="en-US">
-                <a:solidFill>
-                  <a:schemeClr val="bg1"/>
-                </a:solidFill>
-                <a:latin typeface="+mn-ea"/>
-                <a:sym typeface="+mn-ea"/>
-              </a:rPr>
-              <a:t>TIntermTraverser定义了一组函数指针，用于在遍历到各个节点类型时，所执行的函数。</a:t>
-            </a:r>
-            <a:endParaRPr lang="zh-CN" altLang="en-US">
-              <a:solidFill>
-                <a:schemeClr val="bg1"/>
-              </a:solidFill>
-              <a:latin typeface="+mn-ea"/>
-              <a:sym typeface="+mn-ea"/>
-            </a:endParaRPr>
-          </a:p>
-          <a:p>
-            <a:pPr lvl="3" algn="l">
-              <a:buSzTx/>
-            </a:pPr>
-            <a:r>
-              <a:rPr lang="zh-CN" altLang="en-US" sz="1635">
-                <a:latin typeface="+mn-ea"/>
-              </a:rPr>
-              <a:t>这组指针包括所有的节点类型，参见语法树相关类型定义的</a:t>
-            </a:r>
-            <a:endParaRPr lang="zh-CN" altLang="en-US" sz="1635">
               <a:latin typeface="+mn-ea"/>
             </a:endParaRPr>
           </a:p>
@@ -1919,7 +1901,7 @@
               <a:rPr lang="zh-CN" altLang="en-US" sz="2000">
                 <a:latin typeface="+mn-ea"/>
               </a:rPr>
-              <a:t>输出语法树的函数为TIntermediate::</a:t>
+              <a:t>包含两类函数：一个是输出树函数</a:t>
             </a:r>
             <a:r>
               <a:rPr lang="zh-CN" altLang="en-US" sz="2000" b="1">
@@ -1931,26 +1913,27 @@
               <a:t>outputTree</a:t>
             </a:r>
             <a:r>
+              <a:rPr lang="en-US" altLang="zh-CN" sz="2000" b="1">
+                <a:solidFill>
+                  <a:schemeClr val="accent1"/>
+                </a:solidFill>
+                <a:latin typeface="+mn-ea"/>
+              </a:rPr>
+              <a:t>()</a:t>
+            </a:r>
+            <a:r>
+              <a:rPr lang="en-US" altLang="zh-CN" sz="2000">
+                <a:latin typeface="+mn-ea"/>
+              </a:rPr>
+              <a:t>,</a:t>
+            </a:r>
+            <a:r>
               <a:rPr lang="zh-CN" altLang="en-US" sz="2000">
                 <a:latin typeface="+mn-ea"/>
               </a:rPr>
-              <a:t>(TIntermNode* root)，定义在\glslang\MachineIndependent\intermOut.cpp 文件中</a:t>
+              <a:t>作为遍历树的示例。</a:t>
             </a:r>
             <a:endParaRPr lang="zh-CN" altLang="en-US" sz="2000">
-              <a:latin typeface="+mn-ea"/>
-            </a:endParaRPr>
-          </a:p>
-          <a:p>
-            <a:pPr lvl="1" algn="l">
-              <a:buSzTx/>
-            </a:pPr>
-            <a:r>
-              <a:rPr lang="zh-CN" altLang="en-US" sz="2400">
-                <a:latin typeface="+mn-ea"/>
-              </a:rPr>
-              <a:t>使用方法：</a:t>
-            </a:r>
-            <a:endParaRPr lang="zh-CN" altLang="en-US" sz="2400">
               <a:latin typeface="+mn-ea"/>
             </a:endParaRPr>
           </a:p>
@@ -1959,21 +1942,64 @@
               <a:buSzTx/>
             </a:pPr>
             <a:r>
-              <a:rPr lang="zh-CN" altLang="en-US" sz="2030">
-                <a:latin typeface="+mn-ea"/>
-              </a:rPr>
-              <a:t>用户定义自己的遍历器，继承自</a:t>
-            </a:r>
-            <a:r>
-              <a:rPr lang="zh-CN" altLang="en-US" sz="2030">
-                <a:latin typeface="+mn-ea"/>
-                <a:sym typeface="+mn-ea"/>
-              </a:rPr>
-              <a:t>TIntermTraverser。</a:t>
-            </a:r>
-            <a:endParaRPr lang="zh-CN" altLang="en-US" sz="2030">
-              <a:latin typeface="+mn-ea"/>
-              <a:sym typeface="+mn-ea"/>
+              <a:rPr lang="zh-CN" altLang="en-US" sz="2000">
+                <a:latin typeface="+mn-ea"/>
+              </a:rPr>
+              <a:t>还有一类是新建各种节点如下函数：如</a:t>
+            </a:r>
+            <a:r>
+              <a:rPr lang="zh-CN" altLang="en-US" sz="2000" b="1">
+                <a:solidFill>
+                  <a:schemeClr val="accent1"/>
+                </a:solidFill>
+                <a:latin typeface="+mn-ea"/>
+              </a:rPr>
+              <a:t>addSymbol</a:t>
+            </a:r>
+            <a:r>
+              <a:rPr lang="en-US" altLang="zh-CN" sz="2000">
+                <a:latin typeface="+mn-ea"/>
+              </a:rPr>
+              <a:t>(),</a:t>
+            </a:r>
+            <a:r>
+              <a:rPr lang="en-US" altLang="zh-CN" sz="2000" b="1">
+                <a:solidFill>
+                  <a:schemeClr val="accent1"/>
+                </a:solidFill>
+                <a:latin typeface="+mn-ea"/>
+              </a:rPr>
+              <a:t>addBinaryMath</a:t>
+            </a:r>
+            <a:r>
+              <a:rPr lang="en-US" altLang="zh-CN" sz="2000">
+                <a:latin typeface="+mn-ea"/>
+              </a:rPr>
+              <a:t>(),</a:t>
+            </a:r>
+            <a:r>
+              <a:rPr lang="en-US" altLang="zh-CN" sz="2000" b="1">
+                <a:solidFill>
+                  <a:schemeClr val="accent1"/>
+                </a:solidFill>
+                <a:latin typeface="+mn-ea"/>
+              </a:rPr>
+              <a:t>growAggregate</a:t>
+            </a:r>
+            <a:r>
+              <a:rPr lang="en-US" altLang="zh-CN" sz="2000">
+                <a:latin typeface="+mn-ea"/>
+              </a:rPr>
+              <a:t>()</a:t>
+            </a:r>
+            <a:r>
+              <a:rPr lang="zh-CN" altLang="en-US" sz="2000">
+                <a:latin typeface="+mn-ea"/>
+              </a:rPr>
+              <a:t>等</a:t>
+            </a:r>
+            <a:endParaRPr lang="zh-CN" altLang="en-US" sz="2000">
+              <a:latin typeface="+mn-ea"/>
             </a:endParaRPr>
           </a:p>
           <a:p>
@@ -1981,98 +2007,24 @@
               <a:buSzTx/>
             </a:pPr>
             <a:r>
-              <a:rPr lang="zh-CN" altLang="en-US" sz="2030">
-                <a:latin typeface="+mn-ea"/>
-                <a:sym typeface="+mn-ea"/>
-              </a:rPr>
-              <a:t>用户需要为自己的遍历器实现各个类型的节点，需要执行的函数。如</a:t>
-            </a:r>
-            <a:r>
-              <a:rPr lang="en-US" altLang="zh-CN" sz="2030">
-                <a:latin typeface="+mn-ea"/>
-                <a:sym typeface="+mn-ea"/>
-              </a:rPr>
-              <a:t>MyVisiteBinary(),MyVisiteUnary()</a:t>
-            </a:r>
-            <a:r>
-              <a:rPr lang="zh-CN" altLang="en-US" sz="2030">
-                <a:latin typeface="+mn-ea"/>
-                <a:sym typeface="+mn-ea"/>
-              </a:rPr>
-              <a:t>等，并将这些函数付给</a:t>
-            </a:r>
-            <a:r>
-              <a:rPr lang="zh-CN" altLang="en-US" sz="2025">
-                <a:latin typeface="+mn-ea"/>
-                <a:sym typeface="+mn-ea"/>
-              </a:rPr>
-              <a:t>TIntermTraverser的函数指针。</a:t>
-            </a:r>
-            <a:endParaRPr lang="zh-CN" altLang="en-US" sz="2025">
-              <a:latin typeface="+mn-ea"/>
-              <a:sym typeface="+mn-ea"/>
-            </a:endParaRPr>
-          </a:p>
-          <a:p>
-            <a:pPr lvl="2" algn="l">
-              <a:buSzTx/>
-            </a:pPr>
-            <a:r>
-              <a:rPr lang="zh-CN" altLang="en-US" sz="2025">
-                <a:latin typeface="+mn-ea"/>
-                <a:sym typeface="+mn-ea"/>
-              </a:rPr>
-              <a:t>调用树的根节点的</a:t>
-            </a:r>
-            <a:r>
-              <a:rPr lang="en-US" altLang="zh-CN" sz="2025">
-                <a:latin typeface="+mn-ea"/>
-                <a:sym typeface="+mn-ea"/>
-              </a:rPr>
-              <a:t>root-&gt;</a:t>
-            </a:r>
-            <a:r>
-              <a:rPr lang="en-US" altLang="zh-CN" sz="2025" b="1">
-                <a:solidFill>
-                  <a:schemeClr val="accent1"/>
-                </a:solidFill>
-                <a:latin typeface="+mn-ea"/>
-                <a:sym typeface="+mn-ea"/>
-              </a:rPr>
-              <a:t>traverse</a:t>
-            </a:r>
-            <a:r>
-              <a:rPr lang="en-US" altLang="zh-CN" sz="2025">
-                <a:latin typeface="+mn-ea"/>
-                <a:sym typeface="+mn-ea"/>
-              </a:rPr>
-              <a:t>(MyIt)</a:t>
-            </a:r>
-            <a:r>
-              <a:rPr lang="zh-CN" altLang="en-US" sz="2025">
-                <a:latin typeface="+mn-ea"/>
-                <a:sym typeface="+mn-ea"/>
-              </a:rPr>
-              <a:t>，并传递自己定义的遍历器</a:t>
-            </a:r>
-            <a:endParaRPr lang="zh-CN" altLang="en-US" sz="2030">
-              <a:latin typeface="+mn-ea"/>
-              <a:sym typeface="+mn-ea"/>
-            </a:endParaRPr>
-          </a:p>
-          <a:p>
-            <a:pPr lvl="2" algn="l">
-              <a:buSzTx/>
-            </a:pPr>
-            <a:endParaRPr lang="zh-CN" altLang="en-US" sz="2030">
-              <a:latin typeface="+mn-ea"/>
-            </a:endParaRPr>
-          </a:p>
-          <a:p>
-            <a:pPr lvl="1" algn="l">
-              <a:buSzTx/>
-            </a:pPr>
-            <a:endParaRPr lang="zh-CN" altLang="en-US" sz="2400" dirty="0">
+              <a:rPr lang="zh-CN" altLang="en-US" dirty="0">
+                <a:latin typeface="+mn-ea"/>
+              </a:rPr>
+              <a:t>新建节点的函数会被用在</a:t>
+            </a:r>
+            <a:r>
+              <a:rPr lang="en-US" altLang="zh-CN" dirty="0">
+                <a:latin typeface="+mn-ea"/>
+              </a:rPr>
+              <a:t>.y</a:t>
+            </a:r>
+            <a:r>
+              <a:rPr lang="zh-CN" altLang="en-US" dirty="0">
+                <a:latin typeface="+mn-ea"/>
+              </a:rPr>
+              <a:t>文件中</a:t>
+            </a:r>
+            <a:endParaRPr lang="zh-CN" altLang="en-US" dirty="0">
               <a:latin typeface="+mn-ea"/>
             </a:endParaRPr>
           </a:p>
@@ -2181,6 +2133,13 @@
               <a:t>遍历语法树</a:t>
             </a:r>
             <a:r>
+              <a:rPr lang="en-US" altLang="zh-CN" sz="2800" b="1">
+                <a:latin typeface="+mn-ea"/>
+                <a:sym typeface="+mn-ea"/>
+              </a:rPr>
+              <a:t>1</a:t>
+            </a:r>
+            <a:r>
               <a:rPr lang="zh-CN" altLang="en-US" sz="2800" b="1">
                 <a:latin typeface="+mn-ea"/>
               </a:rPr>
@@ -2195,25 +2154,16 @@
               <a:buSzTx/>
             </a:pPr>
             <a:r>
+              <a:rPr lang="en-US" altLang="zh-CN" sz="2400">
+                <a:latin typeface="+mn-ea"/>
+              </a:rPr>
+              <a:t>glslang</a:t>
+            </a:r>
+            <a:r>
               <a:rPr lang="zh-CN" altLang="en-US" sz="2400">
                 <a:latin typeface="+mn-ea"/>
               </a:rPr>
-              <a:t>遍历器的数据结构为</a:t>
-            </a:r>
-            <a:r>
-              <a:rPr lang="zh-CN" altLang="en-US" sz="2400" b="1">
-                <a:solidFill>
-                  <a:srgbClr val="00B0F0"/>
-                </a:solidFill>
-                <a:latin typeface="+mn-ea"/>
-              </a:rPr>
-              <a:t>TIntermTraverser</a:t>
-            </a:r>
-            <a:r>
-              <a:rPr lang="zh-CN" altLang="en-US" sz="2400">
-                <a:latin typeface="+mn-ea"/>
-              </a:rPr>
-              <a:t>定义在\glslang\Include\intermediate.h中</a:t>
+              <a:t>用输出语法树作为遍历语法树的示例</a:t>
             </a:r>
             <a:endParaRPr lang="zh-CN" altLang="en-US" sz="2400">
               <a:latin typeface="+mn-ea"/>
@@ -2225,85 +2175,50 @@
             </a:pPr>
             <a:r>
               <a:rPr lang="zh-CN" altLang="en-US" sz="2000">
+                <a:latin typeface="+mn-ea"/>
+              </a:rPr>
+              <a:t>遍历器的</a:t>
+            </a:r>
+            <a:r>
+              <a:rPr lang="zh-CN" altLang="en-US" sz="2000">
+                <a:latin typeface="+mn-ea"/>
+              </a:rPr>
+              <a:t>数据结构为</a:t>
+            </a:r>
+            <a:r>
+              <a:rPr lang="zh-CN" altLang="en-US" sz="2000" b="1">
+                <a:solidFill>
+                  <a:srgbClr val="00B0F0"/>
+                </a:solidFill>
+                <a:latin typeface="+mn-ea"/>
+              </a:rPr>
+              <a:t>TIntermTraverser</a:t>
+            </a:r>
+            <a:r>
+              <a:rPr lang="zh-CN" altLang="en-US" sz="2000">
+                <a:latin typeface="+mn-ea"/>
+              </a:rPr>
+              <a:t>定义在\glslang\Include\intermediate.h中</a:t>
+            </a:r>
+            <a:endParaRPr lang="zh-CN" altLang="en-US" sz="2000">
+              <a:latin typeface="+mn-ea"/>
+            </a:endParaRPr>
+          </a:p>
+          <a:p>
+            <a:pPr lvl="3" algn="l">
+              <a:buSzTx/>
+            </a:pPr>
+            <a:r>
+              <a:rPr lang="zh-CN" altLang="en-US">
                 <a:solidFill>
                   <a:schemeClr val="bg1"/>
                 </a:solidFill>
                 <a:latin typeface="+mn-ea"/>
                 <a:sym typeface="+mn-ea"/>
               </a:rPr>
-              <a:t>TIntermTraverser定义了一组函数指针，如</a:t>
-            </a:r>
-            <a:r>
-              <a:rPr lang="zh-CN" altLang="en-US" sz="2000" b="1">
-                <a:solidFill>
-                  <a:srgbClr val="00B050"/>
-                </a:solidFill>
-                <a:latin typeface="+mn-ea"/>
-                <a:sym typeface="+mn-ea"/>
-              </a:rPr>
-              <a:t>visitBinary</a:t>
-            </a:r>
-            <a:r>
-              <a:rPr lang="en-US" altLang="zh-CN" sz="2000">
-                <a:solidFill>
-                  <a:schemeClr val="bg1"/>
-                </a:solidFill>
-                <a:latin typeface="+mn-ea"/>
-                <a:sym typeface="+mn-ea"/>
-              </a:rPr>
-              <a:t>, </a:t>
-            </a:r>
-            <a:r>
-              <a:rPr lang="en-US" altLang="zh-CN" sz="2000" b="1">
-                <a:solidFill>
-                  <a:srgbClr val="00B050"/>
-                </a:solidFill>
-                <a:latin typeface="+mn-ea"/>
-                <a:sym typeface="+mn-ea"/>
-              </a:rPr>
-              <a:t>visitAggregate</a:t>
-            </a:r>
-            <a:r>
-              <a:rPr lang="en-US" altLang="zh-CN" sz="2000">
-                <a:solidFill>
-                  <a:schemeClr val="bg1"/>
-                </a:solidFill>
-                <a:latin typeface="+mn-ea"/>
-                <a:sym typeface="+mn-ea"/>
-              </a:rPr>
-              <a:t>, </a:t>
-            </a:r>
-            <a:r>
-              <a:rPr lang="en-US" altLang="zh-CN" sz="2000" b="1">
-                <a:solidFill>
-                  <a:srgbClr val="00B050"/>
-                </a:solidFill>
-                <a:latin typeface="+mn-ea"/>
-                <a:sym typeface="+mn-ea"/>
-              </a:rPr>
-              <a:t>visitBranch</a:t>
-            </a:r>
-            <a:r>
-              <a:rPr lang="zh-CN" altLang="en-US" sz="2000">
-                <a:solidFill>
-                  <a:schemeClr val="bg1"/>
-                </a:solidFill>
-                <a:latin typeface="+mn-ea"/>
-                <a:sym typeface="+mn-ea"/>
-              </a:rPr>
-              <a:t>等</a:t>
-            </a:r>
-            <a:r>
-              <a:rPr lang="zh-CN" altLang="en-US" sz="2000">
-                <a:solidFill>
-                  <a:schemeClr val="bg1"/>
-                </a:solidFill>
-                <a:latin typeface="+mn-ea"/>
-                <a:sym typeface="+mn-ea"/>
-              </a:rPr>
-              <a:t>用于在遍历到各个节点类型时，所执行的函数。</a:t>
-            </a:r>
-            <a:endParaRPr lang="zh-CN" altLang="en-US" sz="2000">
+              <a:t>TIntermTraverser定义了一组函数指针，用于在遍历到各个节点类型时，所执行的函数。</a:t>
+            </a:r>
+            <a:endParaRPr lang="zh-CN" altLang="en-US">
               <a:solidFill>
                 <a:schemeClr val="bg1"/>
               </a:solidFill>
@@ -2312,6 +2227,20 @@
             </a:endParaRPr>
           </a:p>
           <a:p>
+            <a:pPr lvl="3" algn="l">
+              <a:buSzTx/>
+            </a:pPr>
+            <a:r>
+              <a:rPr lang="zh-CN" altLang="en-US" sz="1635">
+                <a:latin typeface="+mn-ea"/>
+              </a:rPr>
+              <a:t>这组指针包括所有的节点类型，参见语法树相关类型定义的</a:t>
+            </a:r>
+            <a:endParaRPr lang="zh-CN" altLang="en-US" sz="1635">
+              <a:latin typeface="+mn-ea"/>
+            </a:endParaRPr>
+          </a:p>
+          <a:p>
             <a:pPr lvl="2" algn="l">
               <a:buSzTx/>
             </a:pPr>
@@ -2319,9 +2248,38 @@
               <a:rPr lang="zh-CN" altLang="en-US" sz="2000">
                 <a:latin typeface="+mn-ea"/>
               </a:rPr>
-              <a:t>这组指针包括所有的节点类型，参见语法树相关类型定义</a:t>
+              <a:t>输出语法树的函数为TIntermediate::</a:t>
+            </a:r>
+            <a:r>
+              <a:rPr lang="zh-CN" altLang="en-US" sz="2000" b="1">
+                <a:solidFill>
+                  <a:schemeClr val="accent1"/>
+                </a:solidFill>
+                <a:latin typeface="+mn-ea"/>
+              </a:rPr>
+              <a:t>outputTree</a:t>
+            </a:r>
+            <a:r>
+              <a:rPr lang="zh-CN" altLang="en-US" sz="2000">
+                <a:latin typeface="+mn-ea"/>
+              </a:rPr>
+              <a:t>(TIntermNode* root)，定义在\glslang\MachineIndependent\intermOut.cpp 文件中</a:t>
             </a:r>
             <a:endParaRPr lang="zh-CN" altLang="en-US" sz="2000">
+              <a:latin typeface="+mn-ea"/>
+            </a:endParaRPr>
+          </a:p>
+          <a:p>
+            <a:pPr lvl="1" algn="l">
+              <a:buSzTx/>
+            </a:pPr>
+            <a:r>
+              <a:rPr lang="zh-CN" altLang="en-US" sz="2400">
+                <a:latin typeface="+mn-ea"/>
+              </a:rPr>
+              <a:t>使用方法：</a:t>
+            </a:r>
+            <a:endParaRPr lang="zh-CN" altLang="en-US" sz="2400">
               <a:latin typeface="+mn-ea"/>
             </a:endParaRPr>
           </a:p>
@@ -2330,46 +2288,19 @@
               <a:buSzTx/>
             </a:pPr>
             <a:r>
-              <a:rPr lang="zh-CN" altLang="en-US" sz="2000">
-                <a:latin typeface="+mn-ea"/>
-              </a:rPr>
-              <a:t>节点基础类型</a:t>
-            </a:r>
-            <a:r>
-              <a:rPr lang="zh-CN" altLang="en-US" sz="2000" b="1">
-                <a:solidFill>
-                  <a:srgbClr val="00B0F0"/>
-                </a:solidFill>
-                <a:latin typeface="+mn-ea"/>
-                <a:sym typeface="+mn-ea"/>
-              </a:rPr>
-              <a:t>TIntermNode</a:t>
-            </a:r>
-            <a:r>
-              <a:rPr lang="zh-CN" altLang="en-US" sz="2000">
-                <a:latin typeface="+mn-ea"/>
-                <a:sym typeface="+mn-ea"/>
-              </a:rPr>
-              <a:t>定义了节点的遍历虚函数</a:t>
-            </a:r>
-            <a:r>
-              <a:rPr lang="zh-CN" altLang="en-US" sz="2000" b="1">
-                <a:solidFill>
-                  <a:schemeClr val="accent1"/>
-                </a:solidFill>
-                <a:latin typeface="+mn-ea"/>
-                <a:sym typeface="+mn-ea"/>
-              </a:rPr>
-              <a:t>traverse</a:t>
-            </a:r>
-            <a:r>
-              <a:rPr lang="zh-CN" altLang="en-US" sz="2000">
-                <a:latin typeface="+mn-ea"/>
-                <a:sym typeface="+mn-ea"/>
-              </a:rPr>
-              <a:t>(TIntermTraverser*)，传入需要的遍历器</a:t>
-            </a:r>
-            <a:endParaRPr lang="zh-CN" altLang="en-US" sz="2000">
+              <a:rPr lang="zh-CN" altLang="en-US" sz="2030">
+                <a:latin typeface="+mn-ea"/>
+              </a:rPr>
+              <a:t>用户定义自己的遍历器，继承自</a:t>
+            </a:r>
+            <a:r>
+              <a:rPr lang="zh-CN" altLang="en-US" sz="2030">
+                <a:latin typeface="+mn-ea"/>
+                <a:sym typeface="+mn-ea"/>
+              </a:rPr>
+              <a:t>TIntermTraverser。</a:t>
+            </a:r>
+            <a:endParaRPr lang="zh-CN" altLang="en-US" sz="2030">
               <a:latin typeface="+mn-ea"/>
               <a:sym typeface="+mn-ea"/>
             </a:endParaRPr>
@@ -2379,27 +2310,34 @@
               <a:buSzTx/>
             </a:pPr>
             <a:r>
-              <a:rPr lang="zh-CN" altLang="en-US" sz="2000">
-                <a:latin typeface="+mn-ea"/>
-                <a:sym typeface="+mn-ea"/>
-              </a:rPr>
-              <a:t>所有节点类型实现了自己的遍历函数</a:t>
-            </a:r>
-            <a:r>
-              <a:rPr lang="en-US" altLang="zh-CN" sz="2000">
-                <a:latin typeface="+mn-ea"/>
-                <a:sym typeface="+mn-ea"/>
-              </a:rPr>
-              <a:t>traverse()</a:t>
-            </a:r>
-            <a:r>
-              <a:rPr lang="zh-CN" altLang="en-US" sz="2000">
-                <a:latin typeface="+mn-ea"/>
-                <a:sym typeface="+mn-ea"/>
-              </a:rPr>
-              <a:t>。比如TIntermBinary::traverse(TIntermTraverser* it)，TIntermAggregate::traverse(TIntermTraverser* it)等，这些函数定义在\glslang\MachineIndependent\IntermTraverse.cpp 文件中</a:t>
-            </a:r>
-            <a:endParaRPr lang="zh-CN" altLang="en-US" sz="2000">
+              <a:rPr lang="zh-CN" altLang="en-US" sz="2030">
+                <a:latin typeface="+mn-ea"/>
+                <a:sym typeface="+mn-ea"/>
+              </a:rPr>
+              <a:t>用户需要为自己的遍历器实现各个类型的节点，需要执行的函数。如</a:t>
+            </a:r>
+            <a:r>
+              <a:rPr lang="en-US" altLang="zh-CN" sz="2030">
+                <a:latin typeface="+mn-ea"/>
+                <a:sym typeface="+mn-ea"/>
+              </a:rPr>
+              <a:t>MyVisiteBinary(),MyVisiteUnary()</a:t>
+            </a:r>
+            <a:r>
+              <a:rPr lang="zh-CN" altLang="en-US" sz="2030">
+                <a:latin typeface="+mn-ea"/>
+                <a:sym typeface="+mn-ea"/>
+              </a:rPr>
+              <a:t>等，并将这些函数付给</a:t>
+            </a:r>
+            <a:r>
+              <a:rPr lang="zh-CN" altLang="en-US" sz="2025">
+                <a:latin typeface="+mn-ea"/>
+                <a:sym typeface="+mn-ea"/>
+              </a:rPr>
+              <a:t>TIntermTraverser的函数指针。</a:t>
+            </a:r>
+            <a:endParaRPr lang="zh-CN" altLang="en-US" sz="2025">
               <a:latin typeface="+mn-ea"/>
               <a:sym typeface="+mn-ea"/>
             </a:endParaRPr>
@@ -2409,71 +2347,44 @@
               <a:buSzTx/>
             </a:pPr>
             <a:r>
-              <a:rPr lang="zh-CN" altLang="en-US" sz="2000">
-                <a:latin typeface="+mn-ea"/>
-                <a:sym typeface="+mn-ea"/>
-              </a:rPr>
-              <a:t>在每种节点的</a:t>
-            </a:r>
-            <a:r>
-              <a:rPr lang="en-US" altLang="zh-CN" sz="2000">
-                <a:latin typeface="+mn-ea"/>
-                <a:sym typeface="+mn-ea"/>
-              </a:rPr>
-              <a:t>traverse()</a:t>
-            </a:r>
-            <a:r>
-              <a:rPr lang="zh-CN" altLang="en-US" sz="2000">
-                <a:latin typeface="+mn-ea"/>
-                <a:sym typeface="+mn-ea"/>
-              </a:rPr>
-              <a:t>函数中，会调用传入的遍历器的</a:t>
-            </a:r>
-            <a:r>
-              <a:rPr lang="en-US" altLang="zh-CN" sz="2000">
-                <a:latin typeface="+mn-ea"/>
-                <a:sym typeface="+mn-ea"/>
-              </a:rPr>
-              <a:t>visitXxxx</a:t>
-            </a:r>
-            <a:r>
-              <a:rPr lang="zh-CN" altLang="en-US" sz="2000">
-                <a:latin typeface="+mn-ea"/>
-                <a:sym typeface="+mn-ea"/>
-              </a:rPr>
-              <a:t>函数，这些函数就是用户自己定义的函数</a:t>
-            </a:r>
-            <a:endParaRPr lang="zh-CN" altLang="en-US" sz="2000">
-              <a:latin typeface="+mn-ea"/>
-              <a:sym typeface="+mn-ea"/>
-            </a:endParaRPr>
-          </a:p>
-          <a:p>
-            <a:pPr lvl="2" algn="l">
-              <a:buSzTx/>
-            </a:pPr>
-            <a:r>
-              <a:rPr lang="zh-CN" altLang="en-US" sz="2000">
-                <a:latin typeface="+mn-ea"/>
-                <a:sym typeface="+mn-ea"/>
-              </a:rPr>
-              <a:t>所以遍历树的方法就是调用根节点的</a:t>
-            </a:r>
-            <a:r>
-              <a:rPr lang="en-US" altLang="zh-CN" sz="2000">
-                <a:latin typeface="+mn-ea"/>
-                <a:sym typeface="+mn-ea"/>
-              </a:rPr>
-              <a:t>travers()</a:t>
-            </a:r>
-            <a:r>
-              <a:rPr lang="zh-CN" altLang="en-US" sz="2000">
-                <a:latin typeface="+mn-ea"/>
-                <a:sym typeface="+mn-ea"/>
-              </a:rPr>
-              <a:t>函数，并将自己定义的遍历器传入。</a:t>
-            </a:r>
-            <a:endParaRPr lang="zh-CN" altLang="en-US" sz="2000">
+              <a:rPr lang="zh-CN" altLang="en-US" sz="2025">
+                <a:latin typeface="+mn-ea"/>
+                <a:sym typeface="+mn-ea"/>
+              </a:rPr>
+              <a:t>调用树的根节点的</a:t>
+            </a:r>
+            <a:r>
+              <a:rPr lang="en-US" altLang="zh-CN" sz="2025">
+                <a:latin typeface="+mn-ea"/>
+                <a:sym typeface="+mn-ea"/>
+              </a:rPr>
+              <a:t>root-&gt;</a:t>
+            </a:r>
+            <a:r>
+              <a:rPr lang="en-US" altLang="zh-CN" sz="2025" b="1">
+                <a:solidFill>
+                  <a:schemeClr val="accent1"/>
+                </a:solidFill>
+                <a:latin typeface="+mn-ea"/>
+                <a:sym typeface="+mn-ea"/>
+              </a:rPr>
+              <a:t>traverse</a:t>
+            </a:r>
+            <a:r>
+              <a:rPr lang="en-US" altLang="zh-CN" sz="2025">
+                <a:latin typeface="+mn-ea"/>
+                <a:sym typeface="+mn-ea"/>
+              </a:rPr>
+              <a:t>(MyIt)</a:t>
+            </a:r>
+            <a:r>
+              <a:rPr lang="zh-CN" altLang="en-US" sz="2025">
+                <a:latin typeface="+mn-ea"/>
+                <a:sym typeface="+mn-ea"/>
+              </a:rPr>
+              <a:t>，并传递自己定义的遍历器</a:t>
+            </a:r>
+            <a:endParaRPr lang="zh-CN" altLang="en-US" sz="2030">
               <a:latin typeface="+mn-ea"/>
               <a:sym typeface="+mn-ea"/>
             </a:endParaRPr>
@@ -2541,6 +2452,2086 @@
             <a:r>
               <a:rPr lang="zh-CN" altLang="en-US" dirty="0"/>
               <a:t>语法树</a:t>
+            </a:r>
+            <a:endParaRPr lang="zh-CN" altLang="en-US" dirty="0"/>
+          </a:p>
+        </p:txBody>
+      </p:sp>
+    </p:spTree>
+  </p:cSld>
+  <p:clrMapOvr>
+    <a:masterClrMapping/>
+  </p:clrMapOvr>
+</p:sld>
+</file>
+
+<file path=ppt/slides/slide12.xml><?xml version="1.0" encoding="utf-8"?>
+<p:sld xmlns:a="http://schemas.openxmlformats.org/drawingml/2006/main" xmlns:r="http://schemas.openxmlformats.org/officeDocument/2006/relationships" xmlns:p="http://schemas.openxmlformats.org/presentationml/2006/main">
+  <p:cSld>
+    <p:spTree>
+      <p:nvGrpSpPr>
+        <p:cNvPr id="1" name=""/>
+        <p:cNvGrpSpPr/>
+        <p:nvPr/>
+      </p:nvGrpSpPr>
+      <p:grpSpPr>
+        <a:xfrm>
+          <a:off x="0" y="0"/>
+          <a:ext cx="0" cy="0"/>
+          <a:chOff x="0" y="0"/>
+          <a:chExt cx="0" cy="0"/>
+        </a:xfrm>
+      </p:grpSpPr>
+      <p:sp>
+        <p:nvSpPr>
+          <p:cNvPr id="2" name="Content Placeholder 1"/>
+          <p:cNvSpPr>
+            <a:spLocks noGrp="1"/>
+          </p:cNvSpPr>
+          <p:nvPr>
+            <p:ph idx="1"/>
+          </p:nvPr>
+        </p:nvSpPr>
+        <p:spPr>
+          <a:xfrm>
+            <a:off x="313245" y="1038224"/>
+            <a:ext cx="11338560" cy="5280659"/>
+          </a:xfrm>
+        </p:spPr>
+        <p:txBody>
+          <a:bodyPr/>
+          <a:lstStyle/>
+          <a:p>
+            <a:r>
+              <a:rPr lang="zh-CN" altLang="en-US" sz="2800" b="1">
+                <a:latin typeface="+mn-ea"/>
+                <a:sym typeface="+mn-ea"/>
+              </a:rPr>
+              <a:t>遍历语法树</a:t>
+            </a:r>
+            <a:r>
+              <a:rPr lang="en-US" altLang="zh-CN" sz="2800" b="1">
+                <a:latin typeface="+mn-ea"/>
+                <a:sym typeface="+mn-ea"/>
+              </a:rPr>
+              <a:t>2</a:t>
+            </a:r>
+            <a:r>
+              <a:rPr lang="zh-CN" altLang="en-US" sz="2800" b="1">
+                <a:latin typeface="+mn-ea"/>
+              </a:rPr>
+              <a:t>：</a:t>
+            </a:r>
+            <a:endParaRPr lang="zh-CN" altLang="en-US" sz="2800" b="1">
+              <a:latin typeface="+mn-ea"/>
+            </a:endParaRPr>
+          </a:p>
+          <a:p>
+            <a:pPr lvl="1" algn="l">
+              <a:buSzTx/>
+            </a:pPr>
+            <a:r>
+              <a:rPr lang="zh-CN" altLang="en-US" sz="2400">
+                <a:latin typeface="+mn-ea"/>
+              </a:rPr>
+              <a:t>遍历器的数据结构为</a:t>
+            </a:r>
+            <a:r>
+              <a:rPr lang="zh-CN" altLang="en-US" sz="2400" b="1">
+                <a:solidFill>
+                  <a:srgbClr val="00B0F0"/>
+                </a:solidFill>
+                <a:latin typeface="+mn-ea"/>
+              </a:rPr>
+              <a:t>TIntermTraverser</a:t>
+            </a:r>
+            <a:r>
+              <a:rPr lang="zh-CN" altLang="en-US" sz="2400">
+                <a:latin typeface="+mn-ea"/>
+              </a:rPr>
+              <a:t>定义在\glslang\Include\intermediate.h中</a:t>
+            </a:r>
+            <a:endParaRPr lang="zh-CN" altLang="en-US" sz="2400">
+              <a:latin typeface="+mn-ea"/>
+            </a:endParaRPr>
+          </a:p>
+          <a:p>
+            <a:pPr lvl="2" algn="l">
+              <a:buSzTx/>
+            </a:pPr>
+            <a:r>
+              <a:rPr lang="zh-CN" altLang="en-US" sz="2000">
+                <a:solidFill>
+                  <a:schemeClr val="bg1"/>
+                </a:solidFill>
+                <a:latin typeface="+mn-ea"/>
+                <a:sym typeface="+mn-ea"/>
+              </a:rPr>
+              <a:t>TIntermTraverser定义了一组函数指针，如</a:t>
+            </a:r>
+            <a:r>
+              <a:rPr lang="zh-CN" altLang="en-US" sz="2000" b="1">
+                <a:solidFill>
+                  <a:srgbClr val="00B050"/>
+                </a:solidFill>
+                <a:latin typeface="+mn-ea"/>
+                <a:sym typeface="+mn-ea"/>
+              </a:rPr>
+              <a:t>visitBinary</a:t>
+            </a:r>
+            <a:r>
+              <a:rPr lang="en-US" altLang="zh-CN" sz="2000">
+                <a:solidFill>
+                  <a:schemeClr val="bg1"/>
+                </a:solidFill>
+                <a:latin typeface="+mn-ea"/>
+                <a:sym typeface="+mn-ea"/>
+              </a:rPr>
+              <a:t>, </a:t>
+            </a:r>
+            <a:r>
+              <a:rPr lang="en-US" altLang="zh-CN" sz="2000" b="1">
+                <a:solidFill>
+                  <a:srgbClr val="00B050"/>
+                </a:solidFill>
+                <a:latin typeface="+mn-ea"/>
+                <a:sym typeface="+mn-ea"/>
+              </a:rPr>
+              <a:t>visitAggregate</a:t>
+            </a:r>
+            <a:r>
+              <a:rPr lang="en-US" altLang="zh-CN" sz="2000">
+                <a:solidFill>
+                  <a:schemeClr val="bg1"/>
+                </a:solidFill>
+                <a:latin typeface="+mn-ea"/>
+                <a:sym typeface="+mn-ea"/>
+              </a:rPr>
+              <a:t>, </a:t>
+            </a:r>
+            <a:r>
+              <a:rPr lang="en-US" altLang="zh-CN" sz="2000" b="1">
+                <a:solidFill>
+                  <a:srgbClr val="00B050"/>
+                </a:solidFill>
+                <a:latin typeface="+mn-ea"/>
+                <a:sym typeface="+mn-ea"/>
+              </a:rPr>
+              <a:t>visitBranch</a:t>
+            </a:r>
+            <a:r>
+              <a:rPr lang="zh-CN" altLang="en-US" sz="2000">
+                <a:solidFill>
+                  <a:schemeClr val="bg1"/>
+                </a:solidFill>
+                <a:latin typeface="+mn-ea"/>
+                <a:sym typeface="+mn-ea"/>
+              </a:rPr>
+              <a:t>等</a:t>
+            </a:r>
+            <a:r>
+              <a:rPr lang="zh-CN" altLang="en-US" sz="2000">
+                <a:solidFill>
+                  <a:schemeClr val="bg1"/>
+                </a:solidFill>
+                <a:latin typeface="+mn-ea"/>
+                <a:sym typeface="+mn-ea"/>
+              </a:rPr>
+              <a:t>用于在遍历到各个节点类型时，所执行的函数。</a:t>
+            </a:r>
+            <a:endParaRPr lang="zh-CN" altLang="en-US" sz="2000">
+              <a:solidFill>
+                <a:schemeClr val="bg1"/>
+              </a:solidFill>
+              <a:latin typeface="+mn-ea"/>
+              <a:sym typeface="+mn-ea"/>
+            </a:endParaRPr>
+          </a:p>
+          <a:p>
+            <a:pPr lvl="2" algn="l">
+              <a:buSzTx/>
+            </a:pPr>
+            <a:r>
+              <a:rPr lang="zh-CN" altLang="en-US" sz="2000">
+                <a:latin typeface="+mn-ea"/>
+              </a:rPr>
+              <a:t>这组指针包括所有的节点类型，参见语法树相关类型定义</a:t>
+            </a:r>
+            <a:endParaRPr lang="zh-CN" altLang="en-US" sz="2000">
+              <a:latin typeface="+mn-ea"/>
+            </a:endParaRPr>
+          </a:p>
+          <a:p>
+            <a:pPr lvl="2" algn="l">
+              <a:buSzTx/>
+            </a:pPr>
+            <a:r>
+              <a:rPr lang="zh-CN" altLang="en-US" sz="2000">
+                <a:latin typeface="+mn-ea"/>
+              </a:rPr>
+              <a:t>节点基础类型</a:t>
+            </a:r>
+            <a:r>
+              <a:rPr lang="zh-CN" altLang="en-US" sz="2000" b="1">
+                <a:solidFill>
+                  <a:srgbClr val="00B0F0"/>
+                </a:solidFill>
+                <a:latin typeface="+mn-ea"/>
+                <a:sym typeface="+mn-ea"/>
+              </a:rPr>
+              <a:t>TIntermNode</a:t>
+            </a:r>
+            <a:r>
+              <a:rPr lang="zh-CN" altLang="en-US" sz="2000">
+                <a:latin typeface="+mn-ea"/>
+                <a:sym typeface="+mn-ea"/>
+              </a:rPr>
+              <a:t>定义了节点的遍历虚函数</a:t>
+            </a:r>
+            <a:r>
+              <a:rPr lang="zh-CN" altLang="en-US" sz="2000" b="1">
+                <a:solidFill>
+                  <a:schemeClr val="accent1"/>
+                </a:solidFill>
+                <a:latin typeface="+mn-ea"/>
+                <a:sym typeface="+mn-ea"/>
+              </a:rPr>
+              <a:t>traverse</a:t>
+            </a:r>
+            <a:r>
+              <a:rPr lang="zh-CN" altLang="en-US" sz="2000">
+                <a:latin typeface="+mn-ea"/>
+                <a:sym typeface="+mn-ea"/>
+              </a:rPr>
+              <a:t>(TIntermTraverser*)，传入需要的遍历器</a:t>
+            </a:r>
+            <a:endParaRPr lang="zh-CN" altLang="en-US" sz="2000">
+              <a:latin typeface="+mn-ea"/>
+              <a:sym typeface="+mn-ea"/>
+            </a:endParaRPr>
+          </a:p>
+          <a:p>
+            <a:pPr lvl="2" algn="l">
+              <a:buSzTx/>
+            </a:pPr>
+            <a:r>
+              <a:rPr lang="zh-CN" altLang="en-US" sz="2000">
+                <a:latin typeface="+mn-ea"/>
+                <a:sym typeface="+mn-ea"/>
+              </a:rPr>
+              <a:t>所有节点类型实现了自己的遍历函数</a:t>
+            </a:r>
+            <a:r>
+              <a:rPr lang="en-US" altLang="zh-CN" sz="2000">
+                <a:latin typeface="+mn-ea"/>
+                <a:sym typeface="+mn-ea"/>
+              </a:rPr>
+              <a:t>traverse()</a:t>
+            </a:r>
+            <a:r>
+              <a:rPr lang="zh-CN" altLang="en-US" sz="2000">
+                <a:latin typeface="+mn-ea"/>
+                <a:sym typeface="+mn-ea"/>
+              </a:rPr>
+              <a:t>。比如TIntermBinary::traverse(TIntermTraverser* it)，TIntermAggregate::traverse(TIntermTraverser* it)等，这些函数定义在\glslang\MachineIndependent\IntermTraverse.cpp 文件中</a:t>
+            </a:r>
+            <a:endParaRPr lang="zh-CN" altLang="en-US" sz="2000">
+              <a:latin typeface="+mn-ea"/>
+              <a:sym typeface="+mn-ea"/>
+            </a:endParaRPr>
+          </a:p>
+          <a:p>
+            <a:pPr lvl="2" algn="l">
+              <a:buSzTx/>
+            </a:pPr>
+            <a:r>
+              <a:rPr lang="zh-CN" altLang="en-US" sz="2000">
+                <a:latin typeface="+mn-ea"/>
+                <a:sym typeface="+mn-ea"/>
+              </a:rPr>
+              <a:t>在每种节点的</a:t>
+            </a:r>
+            <a:r>
+              <a:rPr lang="en-US" altLang="zh-CN" sz="2000">
+                <a:latin typeface="+mn-ea"/>
+                <a:sym typeface="+mn-ea"/>
+              </a:rPr>
+              <a:t>traverse()</a:t>
+            </a:r>
+            <a:r>
+              <a:rPr lang="zh-CN" altLang="en-US" sz="2000">
+                <a:latin typeface="+mn-ea"/>
+                <a:sym typeface="+mn-ea"/>
+              </a:rPr>
+              <a:t>函数中，会调用传入的遍历器的</a:t>
+            </a:r>
+            <a:r>
+              <a:rPr lang="en-US" altLang="zh-CN" sz="2000">
+                <a:latin typeface="+mn-ea"/>
+                <a:sym typeface="+mn-ea"/>
+              </a:rPr>
+              <a:t>visitXxxx</a:t>
+            </a:r>
+            <a:r>
+              <a:rPr lang="zh-CN" altLang="en-US" sz="2000">
+                <a:latin typeface="+mn-ea"/>
+                <a:sym typeface="+mn-ea"/>
+              </a:rPr>
+              <a:t>函数，这些函数就是用户自己定义的函数</a:t>
+            </a:r>
+            <a:endParaRPr lang="zh-CN" altLang="en-US" sz="2000">
+              <a:latin typeface="+mn-ea"/>
+              <a:sym typeface="+mn-ea"/>
+            </a:endParaRPr>
+          </a:p>
+          <a:p>
+            <a:pPr lvl="2" algn="l">
+              <a:buSzTx/>
+            </a:pPr>
+            <a:r>
+              <a:rPr lang="zh-CN" altLang="en-US" sz="2000">
+                <a:latin typeface="+mn-ea"/>
+                <a:sym typeface="+mn-ea"/>
+              </a:rPr>
+              <a:t>所以遍历树的方法就是调用根节点的</a:t>
+            </a:r>
+            <a:r>
+              <a:rPr lang="en-US" altLang="zh-CN" sz="2000">
+                <a:latin typeface="+mn-ea"/>
+                <a:sym typeface="+mn-ea"/>
+              </a:rPr>
+              <a:t>travers()</a:t>
+            </a:r>
+            <a:r>
+              <a:rPr lang="zh-CN" altLang="en-US" sz="2000">
+                <a:latin typeface="+mn-ea"/>
+                <a:sym typeface="+mn-ea"/>
+              </a:rPr>
+              <a:t>函数，并将自己定义的遍历器传入。</a:t>
+            </a:r>
+            <a:endParaRPr lang="zh-CN" altLang="en-US" sz="2000">
+              <a:latin typeface="+mn-ea"/>
+              <a:sym typeface="+mn-ea"/>
+            </a:endParaRPr>
+          </a:p>
+          <a:p>
+            <a:pPr lvl="2" algn="l">
+              <a:buSzTx/>
+            </a:pPr>
+            <a:endParaRPr lang="zh-CN" altLang="en-US" sz="2030">
+              <a:latin typeface="+mn-ea"/>
+            </a:endParaRPr>
+          </a:p>
+          <a:p>
+            <a:pPr lvl="1" algn="l">
+              <a:buSzTx/>
+            </a:pPr>
+            <a:endParaRPr lang="zh-CN" altLang="en-US" sz="2400" dirty="0">
+              <a:latin typeface="+mn-ea"/>
+            </a:endParaRPr>
+          </a:p>
+        </p:txBody>
+      </p:sp>
+      <p:sp>
+        <p:nvSpPr>
+          <p:cNvPr id="3" name="Title 2"/>
+          <p:cNvSpPr>
+            <a:spLocks noGrp="1"/>
+          </p:cNvSpPr>
+          <p:nvPr>
+            <p:ph type="title"/>
+          </p:nvPr>
+        </p:nvSpPr>
+        <p:spPr/>
+        <p:txBody>
+          <a:bodyPr/>
+          <a:lstStyle/>
+          <a:p>
+            <a:r>
+              <a:rPr lang="en-US" altLang="zh-CN" dirty="0" err="1"/>
+              <a:t>glslang</a:t>
+            </a:r>
+            <a:r>
+              <a:rPr lang="en-US" altLang="zh-CN" dirty="0"/>
+              <a:t> </a:t>
+            </a:r>
+            <a:endParaRPr lang="en-US" dirty="0"/>
+          </a:p>
+        </p:txBody>
+      </p:sp>
+      <p:sp>
+        <p:nvSpPr>
+          <p:cNvPr id="4" name="Text Placeholder 3"/>
+          <p:cNvSpPr>
+            <a:spLocks noGrp="1"/>
+          </p:cNvSpPr>
+          <p:nvPr>
+            <p:ph type="body" sz="quarter" idx="10"/>
+          </p:nvPr>
+        </p:nvSpPr>
+        <p:spPr/>
+        <p:txBody>
+          <a:bodyPr/>
+          <a:lstStyle/>
+          <a:p>
+            <a:r>
+              <a:rPr lang="zh-CN" altLang="en-US" dirty="0"/>
+              <a:t>语法树</a:t>
+            </a:r>
+            <a:endParaRPr lang="zh-CN" altLang="en-US" dirty="0"/>
+          </a:p>
+        </p:txBody>
+      </p:sp>
+    </p:spTree>
+  </p:cSld>
+  <p:clrMapOvr>
+    <a:masterClrMapping/>
+  </p:clrMapOvr>
+</p:sld>
+</file>
+
+<file path=ppt/slides/slide13.xml><?xml version="1.0" encoding="utf-8"?>
+<p:sld xmlns:a="http://schemas.openxmlformats.org/drawingml/2006/main" xmlns:r="http://schemas.openxmlformats.org/officeDocument/2006/relationships" xmlns:p="http://schemas.openxmlformats.org/presentationml/2006/main">
+  <p:cSld>
+    <p:spTree>
+      <p:nvGrpSpPr>
+        <p:cNvPr id="1" name=""/>
+        <p:cNvGrpSpPr/>
+        <p:nvPr/>
+      </p:nvGrpSpPr>
+      <p:grpSpPr>
+        <a:xfrm>
+          <a:off x="0" y="0"/>
+          <a:ext cx="0" cy="0"/>
+          <a:chOff x="0" y="0"/>
+          <a:chExt cx="0" cy="0"/>
+        </a:xfrm>
+      </p:grpSpPr>
+      <p:sp>
+        <p:nvSpPr>
+          <p:cNvPr id="2" name="Content Placeholder 1"/>
+          <p:cNvSpPr>
+            <a:spLocks noGrp="1"/>
+          </p:cNvSpPr>
+          <p:nvPr>
+            <p:ph idx="1"/>
+          </p:nvPr>
+        </p:nvSpPr>
+        <p:spPr>
+          <a:xfrm>
+            <a:off x="313245" y="1038224"/>
+            <a:ext cx="11338560" cy="5280659"/>
+          </a:xfrm>
+        </p:spPr>
+        <p:txBody>
+          <a:bodyPr/>
+          <a:lstStyle/>
+          <a:p>
+            <a:r>
+              <a:rPr lang="zh-CN" altLang="en-US" sz="2800" b="1">
+                <a:latin typeface="+mn-ea"/>
+                <a:sym typeface="+mn-ea"/>
+              </a:rPr>
+              <a:t>数据结构</a:t>
+            </a:r>
+            <a:r>
+              <a:rPr lang="en-US" altLang="zh-CN" sz="2800" b="1">
+                <a:latin typeface="+mn-ea"/>
+                <a:sym typeface="+mn-ea"/>
+              </a:rPr>
+              <a:t>1</a:t>
+            </a:r>
+            <a:r>
+              <a:rPr lang="zh-CN" altLang="en-US" sz="2800" b="1">
+                <a:latin typeface="+mn-ea"/>
+              </a:rPr>
+              <a:t>：</a:t>
+            </a:r>
+            <a:endParaRPr lang="zh-CN" altLang="en-US" sz="2800" b="1">
+              <a:latin typeface="+mn-ea"/>
+            </a:endParaRPr>
+          </a:p>
+          <a:p>
+            <a:pPr lvl="1" algn="l">
+              <a:buSzTx/>
+            </a:pPr>
+            <a:r>
+              <a:rPr lang="zh-CN" altLang="en-US" sz="2400">
+                <a:latin typeface="+mn-ea"/>
+              </a:rPr>
+              <a:t>符号的基类为遍历器的数据结构为</a:t>
+            </a:r>
+            <a:r>
+              <a:rPr lang="zh-CN" altLang="en-US" sz="2400" b="1">
+                <a:solidFill>
+                  <a:srgbClr val="00B0F0"/>
+                </a:solidFill>
+                <a:latin typeface="+mn-ea"/>
+              </a:rPr>
+              <a:t>TSymbol</a:t>
+            </a:r>
+            <a:r>
+              <a:rPr lang="zh-CN" altLang="en-US" sz="2400">
+                <a:latin typeface="+mn-ea"/>
+              </a:rPr>
+              <a:t>定义在\glslang\MachineIndependent\SymbolTable.h中</a:t>
+            </a:r>
+            <a:endParaRPr lang="zh-CN" altLang="en-US" sz="2400">
+              <a:latin typeface="+mn-ea"/>
+            </a:endParaRPr>
+          </a:p>
+          <a:p>
+            <a:pPr lvl="1" algn="l">
+              <a:buSzTx/>
+            </a:pPr>
+            <a:r>
+              <a:rPr lang="en-US" altLang="zh-CN" sz="2400">
+                <a:latin typeface="+mn-ea"/>
+                <a:sym typeface="+mn-ea"/>
+              </a:rPr>
+              <a:t>TSymbol</a:t>
+            </a:r>
+            <a:r>
+              <a:rPr lang="zh-CN" altLang="en-US" sz="2400">
+                <a:latin typeface="+mn-ea"/>
+                <a:sym typeface="+mn-ea"/>
+              </a:rPr>
+              <a:t>包含两个成员：符号名</a:t>
+            </a:r>
+            <a:r>
+              <a:rPr lang="en-US" altLang="zh-CN" sz="2400">
+                <a:latin typeface="+mn-ea"/>
+                <a:sym typeface="+mn-ea"/>
+              </a:rPr>
+              <a:t>TString *</a:t>
+            </a:r>
+            <a:r>
+              <a:rPr lang="en-US" altLang="zh-CN" sz="2400" b="1">
+                <a:solidFill>
+                  <a:srgbClr val="00B050"/>
+                </a:solidFill>
+                <a:latin typeface="+mn-ea"/>
+                <a:sym typeface="+mn-ea"/>
+              </a:rPr>
+              <a:t>name</a:t>
+            </a:r>
+            <a:r>
+              <a:rPr lang="zh-CN" altLang="en-US" sz="2400">
+                <a:latin typeface="+mn-ea"/>
+                <a:sym typeface="+mn-ea"/>
+              </a:rPr>
+              <a:t>和符号</a:t>
+            </a:r>
+            <a:r>
+              <a:rPr lang="en-US" altLang="zh-CN" sz="2400">
+                <a:latin typeface="+mn-ea"/>
+                <a:sym typeface="+mn-ea"/>
+              </a:rPr>
+              <a:t>id: </a:t>
+            </a:r>
+            <a:r>
+              <a:rPr lang="zh-CN" altLang="en-US" sz="2400">
+                <a:latin typeface="+mn-ea"/>
+                <a:sym typeface="+mn-ea"/>
+              </a:rPr>
+              <a:t>int </a:t>
+            </a:r>
+            <a:r>
+              <a:rPr lang="zh-CN" altLang="en-US" sz="2400" b="1">
+                <a:solidFill>
+                  <a:srgbClr val="00B050"/>
+                </a:solidFill>
+                <a:latin typeface="+mn-ea"/>
+                <a:sym typeface="+mn-ea"/>
+              </a:rPr>
+              <a:t>uniqueId</a:t>
+            </a:r>
+            <a:r>
+              <a:rPr lang="zh-CN" altLang="en-US" sz="2400">
+                <a:latin typeface="+mn-ea"/>
+                <a:sym typeface="+mn-ea"/>
+              </a:rPr>
+              <a:t>;</a:t>
+            </a:r>
+            <a:endParaRPr lang="zh-CN" altLang="en-US" sz="2400">
+              <a:latin typeface="+mn-ea"/>
+              <a:sym typeface="+mn-ea"/>
+            </a:endParaRPr>
+          </a:p>
+          <a:p>
+            <a:pPr lvl="1" algn="l">
+              <a:buSzTx/>
+            </a:pPr>
+            <a:r>
+              <a:rPr lang="zh-CN" altLang="en-US" sz="2400">
+                <a:latin typeface="+mn-ea"/>
+                <a:sym typeface="+mn-ea"/>
+              </a:rPr>
+              <a:t>使用的符号继承自</a:t>
+            </a:r>
+            <a:r>
+              <a:rPr lang="en-US" altLang="zh-CN" sz="2400">
+                <a:latin typeface="+mn-ea"/>
+                <a:sym typeface="+mn-ea"/>
+              </a:rPr>
+              <a:t>TSymbol</a:t>
+            </a:r>
+            <a:r>
+              <a:rPr lang="zh-CN" altLang="en-US" sz="2400">
+                <a:latin typeface="+mn-ea"/>
+                <a:sym typeface="+mn-ea"/>
+              </a:rPr>
+              <a:t>，包括：</a:t>
+            </a:r>
+            <a:endParaRPr lang="zh-CN" altLang="en-US" sz="2400">
+              <a:latin typeface="+mn-ea"/>
+              <a:sym typeface="+mn-ea"/>
+            </a:endParaRPr>
+          </a:p>
+          <a:p>
+            <a:pPr lvl="2" algn="l">
+              <a:buSzTx/>
+            </a:pPr>
+            <a:r>
+              <a:rPr lang="zh-CN" altLang="en-US" sz="2000" b="1">
+                <a:solidFill>
+                  <a:srgbClr val="00B0F0"/>
+                </a:solidFill>
+                <a:latin typeface="+mn-ea"/>
+                <a:sym typeface="+mn-ea"/>
+              </a:rPr>
+              <a:t>TVariable</a:t>
+            </a:r>
+            <a:r>
+              <a:rPr lang="zh-CN" altLang="en-US" sz="2000">
+                <a:latin typeface="+mn-ea"/>
+                <a:sym typeface="+mn-ea"/>
+              </a:rPr>
+              <a:t>：变量。成员包括变量类型：TType </a:t>
+            </a:r>
+            <a:r>
+              <a:rPr lang="zh-CN" altLang="en-US" sz="2000" b="1">
+                <a:solidFill>
+                  <a:srgbClr val="00B050"/>
+                </a:solidFill>
+                <a:latin typeface="+mn-ea"/>
+                <a:sym typeface="+mn-ea"/>
+              </a:rPr>
+              <a:t>type</a:t>
+            </a:r>
+            <a:endParaRPr lang="zh-CN" altLang="en-US" sz="2000">
+              <a:latin typeface="+mn-ea"/>
+              <a:sym typeface="+mn-ea"/>
+            </a:endParaRPr>
+          </a:p>
+          <a:p>
+            <a:pPr lvl="2" algn="l">
+              <a:buSzTx/>
+            </a:pPr>
+            <a:r>
+              <a:rPr lang="zh-CN" altLang="en-US" sz="2000" b="1">
+                <a:solidFill>
+                  <a:srgbClr val="00B0F0"/>
+                </a:solidFill>
+                <a:latin typeface="+mn-ea"/>
+                <a:sym typeface="+mn-ea"/>
+              </a:rPr>
+              <a:t>TFunction</a:t>
+            </a:r>
+            <a:r>
+              <a:rPr lang="zh-CN" altLang="en-US" sz="2000">
+                <a:latin typeface="+mn-ea"/>
+                <a:sym typeface="+mn-ea"/>
+              </a:rPr>
+              <a:t>：函数。包括如下成员：</a:t>
+            </a:r>
+            <a:endParaRPr lang="zh-CN" altLang="en-US" sz="2000">
+              <a:latin typeface="+mn-ea"/>
+              <a:sym typeface="+mn-ea"/>
+            </a:endParaRPr>
+          </a:p>
+          <a:p>
+            <a:pPr lvl="3" algn="l">
+              <a:buSzTx/>
+            </a:pPr>
+            <a:r>
+              <a:rPr lang="zh-CN" altLang="en-US">
+                <a:latin typeface="+mn-ea"/>
+                <a:sym typeface="+mn-ea"/>
+              </a:rPr>
+              <a:t>TType </a:t>
+            </a:r>
+            <a:r>
+              <a:rPr lang="zh-CN" altLang="en-US" b="1">
+                <a:solidFill>
+                  <a:srgbClr val="00B050"/>
+                </a:solidFill>
+                <a:latin typeface="+mn-ea"/>
+                <a:sym typeface="+mn-ea"/>
+              </a:rPr>
+              <a:t>returnType</a:t>
+            </a:r>
+            <a:r>
+              <a:rPr lang="zh-CN" altLang="en-US">
+                <a:latin typeface="+mn-ea"/>
+                <a:sym typeface="+mn-ea"/>
+              </a:rPr>
+              <a:t>：</a:t>
+            </a:r>
+            <a:r>
+              <a:rPr lang="zh-CN" altLang="en-US">
+                <a:latin typeface="+mn-ea"/>
+                <a:sym typeface="+mn-ea"/>
+              </a:rPr>
+              <a:t>返</a:t>
+            </a:r>
+            <a:r>
+              <a:rPr lang="zh-CN" altLang="en-US">
+                <a:latin typeface="+mn-ea"/>
+                <a:sym typeface="+mn-ea"/>
+              </a:rPr>
+              <a:t>回类型</a:t>
+            </a:r>
+            <a:endParaRPr lang="zh-CN" altLang="en-US">
+              <a:latin typeface="+mn-ea"/>
+              <a:sym typeface="+mn-ea"/>
+            </a:endParaRPr>
+          </a:p>
+          <a:p>
+            <a:pPr lvl="3" algn="l">
+              <a:buSzTx/>
+            </a:pPr>
+            <a:r>
+              <a:rPr lang="zh-CN" altLang="en-US">
+                <a:latin typeface="+mn-ea"/>
+                <a:sym typeface="+mn-ea"/>
+              </a:rPr>
+              <a:t>TParamList </a:t>
+            </a:r>
+            <a:r>
+              <a:rPr lang="zh-CN" altLang="en-US" b="1">
+                <a:solidFill>
+                  <a:srgbClr val="00B050"/>
+                </a:solidFill>
+                <a:latin typeface="+mn-ea"/>
+                <a:sym typeface="+mn-ea"/>
+              </a:rPr>
+              <a:t>parameters</a:t>
+            </a:r>
+            <a:r>
+              <a:rPr lang="zh-CN" altLang="en-US">
+                <a:latin typeface="+mn-ea"/>
+                <a:sym typeface="+mn-ea"/>
+              </a:rPr>
+              <a:t>：参数列表</a:t>
+            </a:r>
+            <a:endParaRPr lang="zh-CN" altLang="en-US">
+              <a:latin typeface="+mn-ea"/>
+              <a:sym typeface="+mn-ea"/>
+            </a:endParaRPr>
+          </a:p>
+          <a:p>
+            <a:pPr lvl="3" algn="l">
+              <a:buSzTx/>
+            </a:pPr>
+            <a:r>
+              <a:rPr lang="zh-CN" altLang="en-US">
+                <a:latin typeface="+mn-ea"/>
+                <a:sym typeface="+mn-ea"/>
+              </a:rPr>
+              <a:t>TString </a:t>
+            </a:r>
+            <a:r>
+              <a:rPr lang="zh-CN" altLang="en-US" b="1">
+                <a:solidFill>
+                  <a:srgbClr val="00B050"/>
+                </a:solidFill>
+                <a:latin typeface="+mn-ea"/>
+                <a:sym typeface="+mn-ea"/>
+              </a:rPr>
+              <a:t>mangledName</a:t>
+            </a:r>
+            <a:r>
+              <a:rPr lang="zh-CN" altLang="en-US">
+                <a:latin typeface="+mn-ea"/>
+                <a:sym typeface="+mn-ea"/>
+              </a:rPr>
+              <a:t>：</a:t>
+            </a:r>
+            <a:endParaRPr lang="zh-CN" altLang="en-US">
+              <a:latin typeface="+mn-ea"/>
+              <a:sym typeface="+mn-ea"/>
+            </a:endParaRPr>
+          </a:p>
+          <a:p>
+            <a:pPr lvl="3" algn="l">
+              <a:buSzTx/>
+            </a:pPr>
+            <a:r>
+              <a:rPr lang="zh-CN" altLang="en-US">
+                <a:latin typeface="+mn-ea"/>
+                <a:sym typeface="+mn-ea"/>
+              </a:rPr>
+              <a:t>TOperator </a:t>
+            </a:r>
+            <a:r>
+              <a:rPr lang="zh-CN" altLang="en-US" b="1">
+                <a:solidFill>
+                  <a:srgbClr val="00B050"/>
+                </a:solidFill>
+                <a:latin typeface="+mn-ea"/>
+                <a:sym typeface="+mn-ea"/>
+              </a:rPr>
+              <a:t>op</a:t>
+            </a:r>
+            <a:r>
+              <a:rPr lang="zh-CN" altLang="en-US">
+                <a:latin typeface="+mn-ea"/>
+                <a:sym typeface="+mn-ea"/>
+              </a:rPr>
+              <a:t>：</a:t>
+            </a:r>
+            <a:endParaRPr lang="zh-CN" altLang="en-US">
+              <a:latin typeface="+mn-ea"/>
+              <a:sym typeface="+mn-ea"/>
+            </a:endParaRPr>
+          </a:p>
+          <a:p>
+            <a:pPr lvl="3" algn="l">
+              <a:buSzTx/>
+            </a:pPr>
+            <a:endParaRPr lang="zh-CN" altLang="en-US" sz="1630">
+              <a:latin typeface="+mn-ea"/>
+              <a:sym typeface="+mn-ea"/>
+            </a:endParaRPr>
+          </a:p>
+          <a:p>
+            <a:pPr lvl="2" algn="l">
+              <a:buSzTx/>
+            </a:pPr>
+            <a:endParaRPr lang="zh-CN" altLang="en-US" sz="2030">
+              <a:latin typeface="+mn-ea"/>
+            </a:endParaRPr>
+          </a:p>
+          <a:p>
+            <a:pPr lvl="1" algn="l">
+              <a:buSzTx/>
+            </a:pPr>
+            <a:endParaRPr lang="zh-CN" altLang="en-US" sz="2400" dirty="0">
+              <a:latin typeface="+mn-ea"/>
+            </a:endParaRPr>
+          </a:p>
+        </p:txBody>
+      </p:sp>
+      <p:sp>
+        <p:nvSpPr>
+          <p:cNvPr id="3" name="Title 2"/>
+          <p:cNvSpPr>
+            <a:spLocks noGrp="1"/>
+          </p:cNvSpPr>
+          <p:nvPr>
+            <p:ph type="title"/>
+          </p:nvPr>
+        </p:nvSpPr>
+        <p:spPr/>
+        <p:txBody>
+          <a:bodyPr/>
+          <a:lstStyle/>
+          <a:p>
+            <a:r>
+              <a:rPr lang="en-US" altLang="zh-CN" dirty="0" err="1"/>
+              <a:t>glslang</a:t>
+            </a:r>
+            <a:r>
+              <a:rPr lang="en-US" altLang="zh-CN" dirty="0"/>
+              <a:t> </a:t>
+            </a:r>
+            <a:endParaRPr lang="en-US" dirty="0"/>
+          </a:p>
+        </p:txBody>
+      </p:sp>
+      <p:sp>
+        <p:nvSpPr>
+          <p:cNvPr id="4" name="Text Placeholder 3"/>
+          <p:cNvSpPr>
+            <a:spLocks noGrp="1"/>
+          </p:cNvSpPr>
+          <p:nvPr>
+            <p:ph type="body" sz="quarter" idx="10"/>
+          </p:nvPr>
+        </p:nvSpPr>
+        <p:spPr/>
+        <p:txBody>
+          <a:bodyPr/>
+          <a:lstStyle/>
+          <a:p>
+            <a:r>
+              <a:rPr lang="zh-CN" altLang="en-US" dirty="0"/>
+              <a:t>符号表</a:t>
+            </a:r>
+            <a:endParaRPr lang="zh-CN" altLang="en-US" dirty="0"/>
+          </a:p>
+        </p:txBody>
+      </p:sp>
+    </p:spTree>
+  </p:cSld>
+  <p:clrMapOvr>
+    <a:masterClrMapping/>
+  </p:clrMapOvr>
+</p:sld>
+</file>
+
+<file path=ppt/slides/slide14.xml><?xml version="1.0" encoding="utf-8"?>
+<p:sld xmlns:a="http://schemas.openxmlformats.org/drawingml/2006/main" xmlns:r="http://schemas.openxmlformats.org/officeDocument/2006/relationships" xmlns:p="http://schemas.openxmlformats.org/presentationml/2006/main">
+  <p:cSld>
+    <p:spTree>
+      <p:nvGrpSpPr>
+        <p:cNvPr id="1" name=""/>
+        <p:cNvGrpSpPr/>
+        <p:nvPr/>
+      </p:nvGrpSpPr>
+      <p:grpSpPr>
+        <a:xfrm>
+          <a:off x="0" y="0"/>
+          <a:ext cx="0" cy="0"/>
+          <a:chOff x="0" y="0"/>
+          <a:chExt cx="0" cy="0"/>
+        </a:xfrm>
+      </p:grpSpPr>
+      <p:sp>
+        <p:nvSpPr>
+          <p:cNvPr id="2" name="Content Placeholder 1"/>
+          <p:cNvSpPr>
+            <a:spLocks noGrp="1"/>
+          </p:cNvSpPr>
+          <p:nvPr>
+            <p:ph idx="1"/>
+          </p:nvPr>
+        </p:nvSpPr>
+        <p:spPr>
+          <a:xfrm>
+            <a:off x="313245" y="1038224"/>
+            <a:ext cx="11338560" cy="5280659"/>
+          </a:xfrm>
+        </p:spPr>
+        <p:txBody>
+          <a:bodyPr/>
+          <a:lstStyle/>
+          <a:p>
+            <a:r>
+              <a:rPr lang="zh-CN" altLang="en-US" sz="2800" b="1">
+                <a:latin typeface="+mn-ea"/>
+                <a:sym typeface="+mn-ea"/>
+              </a:rPr>
+              <a:t>数据结构</a:t>
+            </a:r>
+            <a:r>
+              <a:rPr lang="en-US" altLang="zh-CN" sz="2800" b="1">
+                <a:latin typeface="+mn-ea"/>
+                <a:sym typeface="+mn-ea"/>
+              </a:rPr>
+              <a:t>2</a:t>
+            </a:r>
+            <a:r>
+              <a:rPr lang="zh-CN" altLang="en-US" sz="2800" b="1">
+                <a:latin typeface="+mn-ea"/>
+              </a:rPr>
+              <a:t>：</a:t>
+            </a:r>
+            <a:endParaRPr lang="zh-CN" altLang="en-US" sz="2800" b="1">
+              <a:latin typeface="+mn-ea"/>
+            </a:endParaRPr>
+          </a:p>
+          <a:p>
+            <a:pPr lvl="1" algn="l">
+              <a:buSzTx/>
+            </a:pPr>
+            <a:r>
+              <a:rPr lang="zh-CN" altLang="en-US" sz="2400">
+                <a:latin typeface="+mn-ea"/>
+                <a:sym typeface="+mn-ea"/>
+              </a:rPr>
+              <a:t>符号先按字母序组成符号表层级，</a:t>
+            </a:r>
+            <a:r>
+              <a:rPr lang="zh-CN" altLang="en-US" sz="2400" b="1">
+                <a:solidFill>
+                  <a:srgbClr val="00B0F0"/>
+                </a:solidFill>
+                <a:latin typeface="+mn-ea"/>
+                <a:sym typeface="+mn-ea"/>
+              </a:rPr>
+              <a:t>TSymbolTableLevel</a:t>
+            </a:r>
+            <a:r>
+              <a:rPr lang="zh-CN" altLang="en-US" sz="2400">
+                <a:latin typeface="+mn-ea"/>
+                <a:sym typeface="+mn-ea"/>
+              </a:rPr>
+              <a:t>，</a:t>
+            </a:r>
+            <a:endParaRPr lang="zh-CN" altLang="en-US" sz="2400">
+              <a:latin typeface="+mn-ea"/>
+              <a:sym typeface="+mn-ea"/>
+            </a:endParaRPr>
+          </a:p>
+          <a:p>
+            <a:pPr lvl="2" algn="l">
+              <a:buSzTx/>
+            </a:pPr>
+            <a:r>
+              <a:rPr lang="zh-CN" altLang="en-US" sz="2000">
+                <a:latin typeface="+mn-ea"/>
+                <a:sym typeface="+mn-ea"/>
+              </a:rPr>
+              <a:t>不同的层级表示不同的有效空间，比如</a:t>
+            </a:r>
+            <a:r>
+              <a:rPr lang="en-US" altLang="zh-CN" sz="2000">
+                <a:latin typeface="+mn-ea"/>
+                <a:sym typeface="+mn-ea"/>
+              </a:rPr>
+              <a:t>global</a:t>
+            </a:r>
+            <a:r>
+              <a:rPr lang="zh-CN" altLang="en-US" sz="2000">
+                <a:latin typeface="+mn-ea"/>
+                <a:sym typeface="+mn-ea"/>
+              </a:rPr>
+              <a:t>等，</a:t>
+            </a:r>
+            <a:endParaRPr lang="zh-CN" altLang="en-US" sz="2000">
+              <a:latin typeface="+mn-ea"/>
+              <a:sym typeface="+mn-ea"/>
+            </a:endParaRPr>
+          </a:p>
+          <a:p>
+            <a:pPr lvl="2" algn="l">
+              <a:buSzTx/>
+            </a:pPr>
+            <a:r>
+              <a:rPr lang="en-US" altLang="zh-CN" sz="2000">
+                <a:latin typeface="+mn-ea"/>
+                <a:sym typeface="+mn-ea"/>
+              </a:rPr>
+              <a:t>level[0/1]</a:t>
+            </a:r>
+            <a:r>
+              <a:rPr lang="zh-CN" altLang="en-US" sz="2000">
+                <a:latin typeface="+mn-ea"/>
+                <a:sym typeface="+mn-ea"/>
+              </a:rPr>
+              <a:t>为</a:t>
+            </a:r>
+            <a:r>
+              <a:rPr lang="en-US" altLang="zh-CN" sz="2000">
+                <a:latin typeface="+mn-ea"/>
+                <a:sym typeface="+mn-ea"/>
+              </a:rPr>
+              <a:t>built-in</a:t>
+            </a:r>
+            <a:r>
+              <a:rPr lang="zh-CN" altLang="en-US" sz="2000">
+                <a:latin typeface="+mn-ea"/>
+                <a:sym typeface="+mn-ea"/>
+              </a:rPr>
+              <a:t>，后面为用户定义的</a:t>
+            </a:r>
+            <a:endParaRPr lang="zh-CN" altLang="en-US" sz="2000">
+              <a:latin typeface="+mn-ea"/>
+              <a:sym typeface="+mn-ea"/>
+            </a:endParaRPr>
+          </a:p>
+          <a:p>
+            <a:pPr lvl="2" algn="l">
+              <a:buSzTx/>
+            </a:pPr>
+            <a:r>
+              <a:rPr lang="zh-CN" altLang="en-US" sz="2000">
+                <a:latin typeface="+mn-ea"/>
+                <a:sym typeface="+mn-ea"/>
+              </a:rPr>
+              <a:t>包含所有成员的表，tLevel </a:t>
+            </a:r>
+            <a:r>
+              <a:rPr lang="zh-CN" altLang="en-US" sz="2000" b="1">
+                <a:solidFill>
+                  <a:srgbClr val="00B050"/>
+                </a:solidFill>
+                <a:latin typeface="+mn-ea"/>
+                <a:sym typeface="+mn-ea"/>
+              </a:rPr>
+              <a:t>level</a:t>
+            </a:r>
+            <a:r>
+              <a:rPr lang="zh-CN" altLang="en-US" sz="2000">
+                <a:latin typeface="+mn-ea"/>
+                <a:sym typeface="+mn-ea"/>
+              </a:rPr>
+              <a:t>。</a:t>
+            </a:r>
+            <a:r>
+              <a:rPr lang="zh-CN" altLang="en-US" sz="2000" b="1">
+                <a:solidFill>
+                  <a:srgbClr val="00B0F0"/>
+                </a:solidFill>
+                <a:latin typeface="+mn-ea"/>
+                <a:sym typeface="+mn-ea"/>
+              </a:rPr>
+              <a:t>tLevel </a:t>
+            </a:r>
+            <a:r>
+              <a:rPr lang="zh-CN" altLang="en-US" sz="2000">
+                <a:latin typeface="+mn-ea"/>
+                <a:sym typeface="+mn-ea"/>
+              </a:rPr>
+              <a:t>是</a:t>
+            </a:r>
+            <a:r>
+              <a:rPr lang="en-US" altLang="zh-CN" sz="2000">
+                <a:latin typeface="+mn-ea"/>
+                <a:sym typeface="+mn-ea"/>
+              </a:rPr>
+              <a:t>&lt;</a:t>
+            </a:r>
+            <a:r>
+              <a:rPr lang="zh-CN" altLang="en-US" sz="2000">
+                <a:latin typeface="+mn-ea"/>
+                <a:sym typeface="+mn-ea"/>
+              </a:rPr>
+              <a:t>符号名，符号</a:t>
+            </a:r>
+            <a:r>
+              <a:rPr lang="en-US" altLang="zh-CN" sz="2000">
+                <a:latin typeface="+mn-ea"/>
+                <a:sym typeface="+mn-ea"/>
+              </a:rPr>
+              <a:t>&gt; </a:t>
+            </a:r>
+            <a:r>
+              <a:rPr lang="zh-CN" altLang="en-US" sz="2000">
+                <a:latin typeface="+mn-ea"/>
+                <a:sym typeface="+mn-ea"/>
+              </a:rPr>
+              <a:t>的</a:t>
+            </a:r>
+            <a:r>
+              <a:rPr lang="en-US" altLang="zh-CN" sz="2000">
+                <a:latin typeface="+mn-ea"/>
+                <a:sym typeface="+mn-ea"/>
+              </a:rPr>
+              <a:t>map</a:t>
+            </a:r>
+            <a:endParaRPr lang="zh-CN" altLang="en-US" sz="2000">
+              <a:latin typeface="+mn-ea"/>
+              <a:sym typeface="+mn-ea"/>
+            </a:endParaRPr>
+          </a:p>
+          <a:p>
+            <a:pPr lvl="1" algn="l">
+              <a:buSzTx/>
+            </a:pPr>
+            <a:r>
+              <a:rPr lang="zh-CN" altLang="en-US" sz="2400">
+                <a:latin typeface="+mn-ea"/>
+                <a:sym typeface="+mn-ea"/>
+              </a:rPr>
+              <a:t>符号层级组成最终的符号表，</a:t>
+            </a:r>
+            <a:r>
+              <a:rPr lang="zh-CN" altLang="en-US" sz="2400" b="1">
+                <a:solidFill>
+                  <a:srgbClr val="00B0F0"/>
+                </a:solidFill>
+                <a:latin typeface="+mn-ea"/>
+                <a:sym typeface="+mn-ea"/>
+              </a:rPr>
+              <a:t>TSymbolTable</a:t>
+            </a:r>
+            <a:r>
+              <a:rPr lang="zh-CN" altLang="en-US" sz="2400">
+                <a:latin typeface="+mn-ea"/>
+                <a:sym typeface="+mn-ea"/>
+              </a:rPr>
+              <a:t>，</a:t>
+            </a:r>
+            <a:endParaRPr lang="zh-CN" altLang="en-US" sz="2400">
+              <a:latin typeface="+mn-ea"/>
+              <a:sym typeface="+mn-ea"/>
+            </a:endParaRPr>
+          </a:p>
+          <a:p>
+            <a:pPr lvl="2" algn="l">
+              <a:buSzTx/>
+            </a:pPr>
+            <a:r>
+              <a:rPr lang="zh-CN" altLang="en-US" sz="2000">
+                <a:latin typeface="+mn-ea"/>
+                <a:sym typeface="+mn-ea"/>
+              </a:rPr>
+              <a:t>包含符号表层级的向量：vector&lt;TSymbolTableLevel*&gt; </a:t>
+            </a:r>
+            <a:r>
+              <a:rPr lang="zh-CN" altLang="en-US" sz="2000" b="1">
+                <a:solidFill>
+                  <a:srgbClr val="00B050"/>
+                </a:solidFill>
+                <a:latin typeface="+mn-ea"/>
+                <a:sym typeface="+mn-ea"/>
+              </a:rPr>
+              <a:t>table</a:t>
+            </a:r>
+            <a:r>
+              <a:rPr lang="zh-CN" altLang="en-US" sz="2000">
+                <a:latin typeface="+mn-ea"/>
+                <a:sym typeface="+mn-ea"/>
+              </a:rPr>
+              <a:t>;</a:t>
+            </a:r>
+            <a:endParaRPr lang="zh-CN" altLang="en-US" sz="2000">
+              <a:latin typeface="+mn-ea"/>
+              <a:sym typeface="+mn-ea"/>
+            </a:endParaRPr>
+          </a:p>
+          <a:p>
+            <a:pPr lvl="2" algn="l">
+              <a:buSzTx/>
+            </a:pPr>
+            <a:r>
+              <a:rPr lang="zh-CN" altLang="en-US" sz="2000">
+                <a:latin typeface="+mn-ea"/>
+                <a:sym typeface="+mn-ea"/>
+              </a:rPr>
+              <a:t>对于全局符号表，</a:t>
+            </a:r>
+            <a:r>
+              <a:rPr lang="zh-CN" altLang="en-US" sz="2000">
+                <a:latin typeface="+mn-ea"/>
+                <a:sym typeface="+mn-ea"/>
+              </a:rPr>
+              <a:t>不同的下标</a:t>
+            </a:r>
+            <a:r>
+              <a:rPr lang="zh-CN" altLang="en-US" sz="2000">
+                <a:latin typeface="+mn-ea"/>
+                <a:sym typeface="+mn-ea"/>
+              </a:rPr>
+              <a:t>表示不同的</a:t>
+            </a:r>
+            <a:r>
+              <a:rPr lang="en-US" altLang="zh-CN" sz="2000">
+                <a:latin typeface="+mn-ea"/>
+                <a:sym typeface="+mn-ea"/>
+              </a:rPr>
+              <a:t>shader</a:t>
+            </a:r>
+            <a:r>
+              <a:rPr lang="zh-CN" altLang="en-US" sz="2000">
+                <a:latin typeface="+mn-ea"/>
+                <a:sym typeface="+mn-ea"/>
+              </a:rPr>
+              <a:t>，比如</a:t>
+            </a:r>
+            <a:r>
+              <a:rPr lang="en-US" altLang="zh-CN" sz="2000">
+                <a:latin typeface="+mn-ea"/>
+                <a:sym typeface="+mn-ea"/>
+              </a:rPr>
+              <a:t>table[0]</a:t>
+            </a:r>
+            <a:r>
+              <a:rPr lang="zh-CN" altLang="en-US" sz="2000">
+                <a:latin typeface="+mn-ea"/>
+                <a:sym typeface="+mn-ea"/>
+              </a:rPr>
+              <a:t>表示EShLangVertex；</a:t>
+            </a:r>
+            <a:endParaRPr lang="zh-CN" altLang="en-US" sz="2000">
+              <a:latin typeface="+mn-ea"/>
+              <a:sym typeface="+mn-ea"/>
+            </a:endParaRPr>
+          </a:p>
+          <a:p>
+            <a:pPr lvl="2" algn="l">
+              <a:buSzTx/>
+            </a:pPr>
+            <a:r>
+              <a:rPr lang="zh-CN" altLang="en-US" sz="2000">
+                <a:latin typeface="+mn-ea"/>
+                <a:sym typeface="+mn-ea"/>
+              </a:rPr>
+              <a:t>对于</a:t>
+            </a:r>
+            <a:r>
+              <a:rPr lang="en-US" altLang="zh-CN" sz="2000">
+                <a:latin typeface="+mn-ea"/>
+                <a:sym typeface="+mn-ea"/>
+              </a:rPr>
+              <a:t>compiler</a:t>
+            </a:r>
+            <a:r>
+              <a:rPr lang="zh-CN" altLang="en-US" sz="2000">
+                <a:latin typeface="+mn-ea"/>
+                <a:sym typeface="+mn-ea"/>
+              </a:rPr>
+              <a:t>函数中的局部符号表，只拷贝当前</a:t>
+            </a:r>
+            <a:r>
+              <a:rPr lang="en-US" altLang="zh-CN" sz="2000">
+                <a:latin typeface="+mn-ea"/>
+                <a:sym typeface="+mn-ea"/>
+              </a:rPr>
+              <a:t>shader</a:t>
+            </a:r>
+            <a:r>
+              <a:rPr lang="zh-CN" altLang="en-US" sz="2000">
+                <a:latin typeface="+mn-ea"/>
+                <a:sym typeface="+mn-ea"/>
+              </a:rPr>
+              <a:t>的符号表，不同的下标表示不同的层次，比如</a:t>
+            </a:r>
+            <a:r>
+              <a:rPr lang="en-US" altLang="zh-CN" sz="2000">
+                <a:latin typeface="+mn-ea"/>
+                <a:sym typeface="+mn-ea"/>
+              </a:rPr>
+              <a:t>table[0]</a:t>
+            </a:r>
+            <a:r>
+              <a:rPr lang="zh-CN" altLang="en-US" sz="2000">
+                <a:latin typeface="+mn-ea"/>
+                <a:sym typeface="+mn-ea"/>
+              </a:rPr>
+              <a:t>表示</a:t>
+            </a:r>
+            <a:r>
+              <a:rPr lang="en-US" altLang="zh-CN" sz="2000">
+                <a:latin typeface="+mn-ea"/>
+                <a:sym typeface="+mn-ea"/>
+              </a:rPr>
+              <a:t>builtIn</a:t>
+            </a:r>
+            <a:r>
+              <a:rPr lang="zh-CN" altLang="en-US" sz="2000">
+                <a:latin typeface="+mn-ea"/>
+                <a:sym typeface="+mn-ea"/>
+              </a:rPr>
+              <a:t>，</a:t>
+            </a:r>
+            <a:r>
+              <a:rPr lang="en-US" altLang="zh-CN" sz="2000">
+                <a:latin typeface="+mn-ea"/>
+                <a:sym typeface="+mn-ea"/>
+              </a:rPr>
+              <a:t>table[1]</a:t>
+            </a:r>
+            <a:r>
+              <a:rPr lang="zh-CN" altLang="en-US" sz="2000">
+                <a:latin typeface="+mn-ea"/>
+                <a:sym typeface="+mn-ea"/>
+              </a:rPr>
+              <a:t>表示</a:t>
+            </a:r>
+            <a:r>
+              <a:rPr lang="en-US" altLang="zh-CN" sz="2000">
+                <a:latin typeface="+mn-ea"/>
+                <a:sym typeface="+mn-ea"/>
+              </a:rPr>
+              <a:t>resource</a:t>
+            </a:r>
+            <a:r>
+              <a:rPr lang="zh-CN" altLang="en-US" sz="2000">
+                <a:latin typeface="+mn-ea"/>
+                <a:sym typeface="+mn-ea"/>
+              </a:rPr>
+              <a:t>，</a:t>
+            </a:r>
+            <a:r>
+              <a:rPr lang="en-US" altLang="zh-CN" sz="2000">
+                <a:latin typeface="+mn-ea"/>
+                <a:sym typeface="+mn-ea"/>
+              </a:rPr>
+              <a:t>table[2]</a:t>
+            </a:r>
+            <a:r>
+              <a:rPr lang="zh-CN" altLang="en-US" sz="2000">
+                <a:latin typeface="+mn-ea"/>
+                <a:sym typeface="+mn-ea"/>
+              </a:rPr>
+              <a:t>表示用户程序中出现</a:t>
+            </a:r>
+            <a:r>
+              <a:rPr lang="zh-CN" altLang="en-US" sz="2000">
+                <a:latin typeface="+mn-ea"/>
+                <a:sym typeface="+mn-ea"/>
+              </a:rPr>
+              <a:t>的</a:t>
+            </a:r>
+            <a:endParaRPr lang="zh-CN" altLang="en-US" sz="2000">
+              <a:latin typeface="+mn-ea"/>
+              <a:sym typeface="+mn-ea"/>
+            </a:endParaRPr>
+          </a:p>
+          <a:p>
+            <a:pPr lvl="1" algn="l">
+              <a:buSzTx/>
+            </a:pPr>
+            <a:r>
+              <a:rPr lang="zh-CN" altLang="en-US" sz="2400">
+                <a:latin typeface="+mn-ea"/>
+                <a:sym typeface="+mn-ea"/>
+              </a:rPr>
+              <a:t>全局符号表为</a:t>
+            </a:r>
+            <a:r>
+              <a:rPr lang="zh-CN" altLang="en-US" sz="2400" b="1">
+                <a:solidFill>
+                  <a:srgbClr val="00B0F0"/>
+                </a:solidFill>
+                <a:latin typeface="+mn-ea"/>
+                <a:sym typeface="+mn-ea"/>
+              </a:rPr>
+              <a:t>TSymbolTable </a:t>
+            </a:r>
+            <a:r>
+              <a:rPr lang="zh-CN" altLang="en-US" sz="2400" b="1">
+                <a:solidFill>
+                  <a:srgbClr val="00B050"/>
+                </a:solidFill>
+                <a:latin typeface="+mn-ea"/>
+                <a:sym typeface="+mn-ea"/>
+              </a:rPr>
+              <a:t>SymbolTables</a:t>
+            </a:r>
+            <a:r>
+              <a:rPr lang="zh-CN" altLang="en-US" sz="2400">
+                <a:latin typeface="+mn-ea"/>
+                <a:sym typeface="+mn-ea"/>
+              </a:rPr>
+              <a:t>[</a:t>
+            </a:r>
+            <a:r>
+              <a:rPr lang="zh-CN" altLang="en-US" sz="2400" b="1">
+                <a:solidFill>
+                  <a:srgbClr val="7030A0"/>
+                </a:solidFill>
+                <a:latin typeface="+mn-ea"/>
+                <a:sym typeface="+mn-ea"/>
+              </a:rPr>
+              <a:t>EShLangCount</a:t>
+            </a:r>
+            <a:r>
+              <a:rPr lang="zh-CN" altLang="en-US" sz="2400">
+                <a:latin typeface="+mn-ea"/>
+                <a:sym typeface="+mn-ea"/>
+              </a:rPr>
+              <a:t>];为全局变量</a:t>
+            </a:r>
+            <a:endParaRPr lang="zh-CN" altLang="en-US" sz="2400">
+              <a:latin typeface="+mn-ea"/>
+              <a:sym typeface="+mn-ea"/>
+            </a:endParaRPr>
+          </a:p>
+          <a:p>
+            <a:pPr lvl="2" algn="l">
+              <a:buSzTx/>
+            </a:pPr>
+            <a:endParaRPr lang="zh-CN" altLang="en-US" sz="2030">
+              <a:latin typeface="+mn-ea"/>
+              <a:sym typeface="+mn-ea"/>
+            </a:endParaRPr>
+          </a:p>
+          <a:p>
+            <a:pPr lvl="2" algn="l">
+              <a:buSzTx/>
+            </a:pPr>
+            <a:endParaRPr lang="zh-CN" altLang="en-US" sz="2030">
+              <a:latin typeface="+mn-ea"/>
+            </a:endParaRPr>
+          </a:p>
+          <a:p>
+            <a:pPr lvl="1" algn="l">
+              <a:buSzTx/>
+            </a:pPr>
+            <a:endParaRPr lang="zh-CN" altLang="en-US" sz="2400" dirty="0">
+              <a:latin typeface="+mn-ea"/>
+            </a:endParaRPr>
+          </a:p>
+        </p:txBody>
+      </p:sp>
+      <p:sp>
+        <p:nvSpPr>
+          <p:cNvPr id="3" name="Title 2"/>
+          <p:cNvSpPr>
+            <a:spLocks noGrp="1"/>
+          </p:cNvSpPr>
+          <p:nvPr>
+            <p:ph type="title"/>
+          </p:nvPr>
+        </p:nvSpPr>
+        <p:spPr/>
+        <p:txBody>
+          <a:bodyPr/>
+          <a:lstStyle/>
+          <a:p>
+            <a:r>
+              <a:rPr lang="en-US" altLang="zh-CN" dirty="0" err="1"/>
+              <a:t>glslang</a:t>
+            </a:r>
+            <a:r>
+              <a:rPr lang="en-US" altLang="zh-CN" dirty="0"/>
+              <a:t> </a:t>
+            </a:r>
+            <a:endParaRPr lang="en-US" dirty="0"/>
+          </a:p>
+        </p:txBody>
+      </p:sp>
+      <p:sp>
+        <p:nvSpPr>
+          <p:cNvPr id="4" name="Text Placeholder 3"/>
+          <p:cNvSpPr>
+            <a:spLocks noGrp="1"/>
+          </p:cNvSpPr>
+          <p:nvPr>
+            <p:ph type="body" sz="quarter" idx="10"/>
+          </p:nvPr>
+        </p:nvSpPr>
+        <p:spPr/>
+        <p:txBody>
+          <a:bodyPr/>
+          <a:lstStyle/>
+          <a:p>
+            <a:r>
+              <a:rPr lang="zh-CN" altLang="en-US" dirty="0"/>
+              <a:t>符号表</a:t>
+            </a:r>
+            <a:endParaRPr lang="zh-CN" altLang="en-US" dirty="0"/>
+          </a:p>
+        </p:txBody>
+      </p:sp>
+    </p:spTree>
+  </p:cSld>
+  <p:clrMapOvr>
+    <a:masterClrMapping/>
+  </p:clrMapOvr>
+</p:sld>
+</file>
+
+<file path=ppt/slides/slide15.xml><?xml version="1.0" encoding="utf-8"?>
+<p:sld xmlns:a="http://schemas.openxmlformats.org/drawingml/2006/main" xmlns:r="http://schemas.openxmlformats.org/officeDocument/2006/relationships" xmlns:p="http://schemas.openxmlformats.org/presentationml/2006/main">
+  <p:cSld>
+    <p:spTree>
+      <p:nvGrpSpPr>
+        <p:cNvPr id="1" name=""/>
+        <p:cNvGrpSpPr/>
+        <p:nvPr/>
+      </p:nvGrpSpPr>
+      <p:grpSpPr>
+        <a:xfrm>
+          <a:off x="0" y="0"/>
+          <a:ext cx="0" cy="0"/>
+          <a:chOff x="0" y="0"/>
+          <a:chExt cx="0" cy="0"/>
+        </a:xfrm>
+      </p:grpSpPr>
+      <p:sp>
+        <p:nvSpPr>
+          <p:cNvPr id="2" name="Content Placeholder 1"/>
+          <p:cNvSpPr>
+            <a:spLocks noGrp="1"/>
+          </p:cNvSpPr>
+          <p:nvPr>
+            <p:ph idx="1"/>
+          </p:nvPr>
+        </p:nvSpPr>
+        <p:spPr>
+          <a:xfrm>
+            <a:off x="313245" y="1038224"/>
+            <a:ext cx="11338560" cy="5280659"/>
+          </a:xfrm>
+        </p:spPr>
+        <p:txBody>
+          <a:bodyPr/>
+          <a:lstStyle/>
+          <a:p>
+            <a:r>
+              <a:rPr lang="zh-CN" altLang="en-US" sz="2800" b="1">
+                <a:latin typeface="+mn-ea"/>
+                <a:sym typeface="+mn-ea"/>
+              </a:rPr>
+              <a:t>初始化</a:t>
+            </a:r>
+            <a:r>
+              <a:rPr lang="zh-CN" altLang="en-US" sz="2800" b="1">
+                <a:latin typeface="+mn-ea"/>
+              </a:rPr>
+              <a:t>：</a:t>
+            </a:r>
+            <a:endParaRPr lang="zh-CN" altLang="en-US" sz="2800" b="1">
+              <a:latin typeface="+mn-ea"/>
+            </a:endParaRPr>
+          </a:p>
+          <a:p>
+            <a:pPr lvl="1" algn="l">
+              <a:buSzTx/>
+            </a:pPr>
+            <a:r>
+              <a:rPr lang="zh-CN" altLang="en-US" sz="2400">
+                <a:latin typeface="+mn-ea"/>
+                <a:sym typeface="+mn-ea"/>
+              </a:rPr>
+              <a:t>为全局变量</a:t>
+            </a:r>
+            <a:r>
+              <a:rPr lang="zh-CN" altLang="en-US" sz="2400" b="1">
+                <a:solidFill>
+                  <a:srgbClr val="00B0F0"/>
+                </a:solidFill>
+                <a:latin typeface="+mn-ea"/>
+                <a:sym typeface="+mn-ea"/>
+              </a:rPr>
+              <a:t>TSymbolTable </a:t>
+            </a:r>
+            <a:r>
+              <a:rPr lang="zh-CN" altLang="en-US" sz="2400" b="1">
+                <a:solidFill>
+                  <a:srgbClr val="00B050"/>
+                </a:solidFill>
+                <a:latin typeface="+mn-ea"/>
+                <a:sym typeface="+mn-ea"/>
+              </a:rPr>
+              <a:t>SymbolTables</a:t>
+            </a:r>
+            <a:r>
+              <a:rPr lang="zh-CN" altLang="en-US" sz="2400">
+                <a:latin typeface="+mn-ea"/>
+                <a:sym typeface="+mn-ea"/>
+              </a:rPr>
+              <a:t>[</a:t>
+            </a:r>
+            <a:r>
+              <a:rPr lang="zh-CN" altLang="en-US" sz="2400" b="1">
+                <a:solidFill>
+                  <a:srgbClr val="7030A0"/>
+                </a:solidFill>
+                <a:latin typeface="+mn-ea"/>
+                <a:sym typeface="+mn-ea"/>
+              </a:rPr>
+              <a:t>EShLangCount</a:t>
+            </a:r>
+            <a:r>
+              <a:rPr lang="zh-CN" altLang="en-US" sz="2400">
+                <a:latin typeface="+mn-ea"/>
+                <a:sym typeface="+mn-ea"/>
+              </a:rPr>
+              <a:t>]</a:t>
+            </a:r>
+            <a:r>
+              <a:rPr lang="zh-CN" altLang="en-US" sz="2400">
+                <a:latin typeface="+mn-ea"/>
+                <a:sym typeface="+mn-ea"/>
+              </a:rPr>
+              <a:t>建立</a:t>
+            </a:r>
+            <a:r>
+              <a:rPr lang="en-US" altLang="zh-CN" sz="2400">
+                <a:latin typeface="+mn-ea"/>
+                <a:sym typeface="+mn-ea"/>
+              </a:rPr>
+              <a:t>builtin</a:t>
+            </a:r>
+            <a:r>
+              <a:rPr lang="zh-CN" altLang="en-US" sz="2400">
+                <a:latin typeface="+mn-ea"/>
+                <a:sym typeface="+mn-ea"/>
+              </a:rPr>
+              <a:t>符号表，</a:t>
+            </a:r>
+            <a:endParaRPr lang="zh-CN" altLang="en-US" sz="2400">
+              <a:latin typeface="+mn-ea"/>
+              <a:sym typeface="+mn-ea"/>
+            </a:endParaRPr>
+          </a:p>
+          <a:p>
+            <a:pPr lvl="2" algn="l">
+              <a:buSzTx/>
+            </a:pPr>
+            <a:r>
+              <a:rPr lang="zh-CN" altLang="en-US" sz="2000">
+                <a:latin typeface="+mn-ea"/>
+                <a:sym typeface="+mn-ea"/>
+              </a:rPr>
+              <a:t>由函数</a:t>
+            </a:r>
+            <a:r>
+              <a:rPr lang="zh-CN" altLang="en-US" sz="2000" b="1">
+                <a:solidFill>
+                  <a:schemeClr val="accent1"/>
+                </a:solidFill>
+                <a:latin typeface="+mn-ea"/>
+                <a:sym typeface="+mn-ea"/>
+              </a:rPr>
+              <a:t>GenerateBuiltInSymbolTable</a:t>
+            </a:r>
+            <a:r>
+              <a:rPr lang="en-US" altLang="zh-CN" sz="2000">
+                <a:latin typeface="+mn-ea"/>
+                <a:sym typeface="+mn-ea"/>
+              </a:rPr>
+              <a:t>()</a:t>
+            </a:r>
+            <a:r>
+              <a:rPr lang="zh-CN" altLang="en-US" sz="2000">
+                <a:latin typeface="+mn-ea"/>
+                <a:sym typeface="+mn-ea"/>
+              </a:rPr>
+              <a:t>完成，</a:t>
+            </a:r>
+            <a:endParaRPr lang="zh-CN" altLang="en-US" sz="2000">
+              <a:latin typeface="+mn-ea"/>
+              <a:sym typeface="+mn-ea"/>
+            </a:endParaRPr>
+          </a:p>
+          <a:p>
+            <a:pPr lvl="2" algn="l">
+              <a:buSzTx/>
+            </a:pPr>
+            <a:r>
+              <a:rPr lang="zh-CN" altLang="en-US" sz="2000">
+                <a:latin typeface="+mn-ea"/>
+                <a:sym typeface="+mn-ea"/>
+              </a:rPr>
+              <a:t>实际工作由</a:t>
+            </a:r>
+            <a:r>
+              <a:rPr lang="zh-CN" altLang="en-US" sz="2000" b="1">
+                <a:solidFill>
+                  <a:schemeClr val="accent1"/>
+                </a:solidFill>
+                <a:latin typeface="+mn-ea"/>
+                <a:sym typeface="+mn-ea"/>
+              </a:rPr>
+              <a:t>InitializeSymbolTable</a:t>
+            </a:r>
+            <a:r>
+              <a:rPr lang="en-US" altLang="zh-CN" sz="2000">
+                <a:latin typeface="+mn-ea"/>
+                <a:sym typeface="+mn-ea"/>
+              </a:rPr>
+              <a:t>()</a:t>
+            </a:r>
+            <a:r>
+              <a:rPr lang="zh-CN" altLang="en-US" sz="2000">
+                <a:latin typeface="+mn-ea"/>
+                <a:sym typeface="+mn-ea"/>
+              </a:rPr>
+              <a:t>完成</a:t>
+            </a:r>
+            <a:endParaRPr lang="zh-CN" altLang="en-US" sz="2000">
+              <a:latin typeface="+mn-ea"/>
+              <a:sym typeface="+mn-ea"/>
+            </a:endParaRPr>
+          </a:p>
+          <a:p>
+            <a:pPr lvl="2" algn="l">
+              <a:buSzTx/>
+            </a:pPr>
+            <a:r>
+              <a:rPr lang="zh-CN" altLang="en-US" sz="2000">
+                <a:latin typeface="+mn-ea"/>
+                <a:sym typeface="+mn-ea"/>
+              </a:rPr>
+              <a:t>定义在\glslang\MachineIndependent\ShaderLang.cpp文件中</a:t>
+            </a:r>
+            <a:endParaRPr lang="zh-CN" altLang="en-US" sz="2000">
+              <a:latin typeface="+mn-ea"/>
+              <a:sym typeface="+mn-ea"/>
+            </a:endParaRPr>
+          </a:p>
+          <a:p>
+            <a:pPr lvl="2" algn="l">
+              <a:buSzTx/>
+            </a:pPr>
+            <a:r>
+              <a:rPr lang="zh-CN" altLang="en-US" sz="2000">
+                <a:latin typeface="+mn-ea"/>
+                <a:sym typeface="+mn-ea"/>
+              </a:rPr>
+              <a:t>先在</a:t>
+            </a:r>
+            <a:r>
+              <a:rPr lang="zh-CN" altLang="en-US" sz="2000">
+                <a:solidFill>
+                  <a:schemeClr val="bg1"/>
+                </a:solidFill>
+                <a:latin typeface="+mn-ea"/>
+                <a:sym typeface="+mn-ea"/>
+              </a:rPr>
+              <a:t>GenerateBuiltInSymbolTable</a:t>
+            </a:r>
+            <a:r>
+              <a:rPr lang="en-US" altLang="zh-CN" sz="2000">
+                <a:solidFill>
+                  <a:schemeClr val="bg1"/>
+                </a:solidFill>
+                <a:latin typeface="+mn-ea"/>
+                <a:sym typeface="+mn-ea"/>
+              </a:rPr>
+              <a:t>()</a:t>
+            </a:r>
+            <a:r>
+              <a:rPr lang="zh-CN" altLang="en-US" sz="2000">
+                <a:latin typeface="+mn-ea"/>
+                <a:sym typeface="+mn-ea"/>
+              </a:rPr>
+              <a:t>建立builtIn符号的字符串集合 TBuiltIns </a:t>
+            </a:r>
+            <a:r>
+              <a:rPr lang="zh-CN" altLang="en-US" sz="2000" b="1">
+                <a:solidFill>
+                  <a:srgbClr val="00B050"/>
+                </a:solidFill>
+                <a:latin typeface="+mn-ea"/>
+                <a:sym typeface="+mn-ea"/>
+              </a:rPr>
+              <a:t>builtIns</a:t>
+            </a:r>
+            <a:r>
+              <a:rPr lang="zh-CN" altLang="en-US" sz="2000">
+                <a:latin typeface="+mn-ea"/>
+                <a:sym typeface="+mn-ea"/>
+              </a:rPr>
+              <a:t>;然后在InitializeSymbolTable</a:t>
+            </a:r>
+            <a:r>
+              <a:rPr lang="en-US" altLang="zh-CN" sz="2000">
+                <a:latin typeface="+mn-ea"/>
+                <a:sym typeface="+mn-ea"/>
+              </a:rPr>
+              <a:t>()</a:t>
+            </a:r>
+            <a:r>
+              <a:rPr lang="zh-CN" altLang="en-US" sz="2000">
+                <a:latin typeface="+mn-ea"/>
+                <a:sym typeface="+mn-ea"/>
+              </a:rPr>
+              <a:t>中直接调用</a:t>
+            </a:r>
+            <a:r>
+              <a:rPr lang="en-US" altLang="zh-CN" sz="2000">
+                <a:latin typeface="+mn-ea"/>
+                <a:sym typeface="+mn-ea"/>
+              </a:rPr>
+              <a:t>PaParseStrings()</a:t>
+            </a:r>
+            <a:r>
+              <a:rPr lang="zh-CN" altLang="en-US" sz="2000">
+                <a:latin typeface="+mn-ea"/>
+                <a:sym typeface="+mn-ea"/>
+              </a:rPr>
+              <a:t>编译出符号表</a:t>
+            </a:r>
+            <a:endParaRPr lang="zh-CN" altLang="en-US" sz="2000">
+              <a:latin typeface="+mn-ea"/>
+            </a:endParaRPr>
+          </a:p>
+          <a:p>
+            <a:pPr lvl="2" algn="l">
+              <a:buSzTx/>
+            </a:pPr>
+            <a:r>
+              <a:rPr lang="zh-CN" altLang="en-US" sz="2000" b="1">
+                <a:solidFill>
+                  <a:schemeClr val="bg1"/>
+                </a:solidFill>
+                <a:latin typeface="+mn-ea"/>
+                <a:sym typeface="+mn-ea"/>
+              </a:rPr>
+              <a:t>GenerateBuiltInSymbolTable</a:t>
+            </a:r>
+            <a:r>
+              <a:rPr lang="en-US" altLang="zh-CN" sz="2000">
+                <a:latin typeface="+mn-ea"/>
+                <a:sym typeface="+mn-ea"/>
+              </a:rPr>
+              <a:t>()</a:t>
+            </a:r>
+            <a:endParaRPr lang="zh-CN" altLang="en-US" sz="2000">
+              <a:latin typeface="+mn-ea"/>
+              <a:sym typeface="+mn-ea"/>
+            </a:endParaRPr>
+          </a:p>
+          <a:p>
+            <a:pPr lvl="3" algn="l">
+              <a:buSzTx/>
+            </a:pPr>
+            <a:r>
+              <a:rPr lang="zh-CN" altLang="en-US" dirty="0">
+                <a:latin typeface="+mn-ea"/>
+              </a:rPr>
+              <a:t>该函数在两个地方被调用，一个是在整体初始化中，另一个是在每次编译一个</a:t>
+            </a:r>
+            <a:r>
+              <a:rPr lang="en-US" altLang="zh-CN" dirty="0">
+                <a:latin typeface="+mn-ea"/>
+              </a:rPr>
+              <a:t>shader</a:t>
+            </a:r>
+            <a:r>
+              <a:rPr lang="zh-CN" altLang="en-US" dirty="0">
+                <a:latin typeface="+mn-ea"/>
+              </a:rPr>
+              <a:t>前</a:t>
+            </a:r>
+            <a:endParaRPr lang="zh-CN" altLang="en-US" dirty="0">
+              <a:latin typeface="+mn-ea"/>
+            </a:endParaRPr>
+          </a:p>
+          <a:p>
+            <a:pPr lvl="2" algn="l">
+              <a:buSzTx/>
+            </a:pPr>
+            <a:r>
+              <a:rPr lang="zh-CN" altLang="en-US" sz="2000" b="1">
+                <a:latin typeface="+mn-ea"/>
+                <a:sym typeface="+mn-ea"/>
+              </a:rPr>
+              <a:t>InitializeSymbolTable</a:t>
+            </a:r>
+            <a:r>
+              <a:rPr lang="en-US" altLang="zh-CN" sz="1800">
+                <a:latin typeface="+mn-ea"/>
+                <a:sym typeface="+mn-ea"/>
+              </a:rPr>
+              <a:t>()</a:t>
+            </a:r>
+            <a:endParaRPr lang="en-US" altLang="zh-CN" sz="1800">
+              <a:latin typeface="+mn-ea"/>
+              <a:sym typeface="+mn-ea"/>
+            </a:endParaRPr>
+          </a:p>
+          <a:p>
+            <a:pPr lvl="3" algn="l">
+              <a:buSzTx/>
+            </a:pPr>
+            <a:r>
+              <a:rPr lang="zh-CN" altLang="en-US" dirty="0">
+                <a:latin typeface="+mn-ea"/>
+                <a:sym typeface="+mn-ea"/>
+              </a:rPr>
+              <a:t>该函数先编译</a:t>
+            </a:r>
+            <a:r>
+              <a:rPr lang="en-US" altLang="zh-CN" dirty="0">
+                <a:latin typeface="+mn-ea"/>
+                <a:sym typeface="+mn-ea"/>
+              </a:rPr>
+              <a:t>built-in</a:t>
+            </a:r>
+            <a:r>
+              <a:rPr lang="zh-CN" altLang="en-US" dirty="0">
+                <a:latin typeface="+mn-ea"/>
+                <a:sym typeface="+mn-ea"/>
+              </a:rPr>
+              <a:t>的字符串，然后调用</a:t>
+            </a:r>
+            <a:r>
+              <a:rPr lang="zh-CN" altLang="en-US" b="1" dirty="0">
+                <a:solidFill>
+                  <a:schemeClr val="accent1"/>
+                </a:solidFill>
+                <a:latin typeface="+mn-ea"/>
+                <a:sym typeface="+mn-ea"/>
+              </a:rPr>
+              <a:t>IdentifyBuiltIns</a:t>
+            </a:r>
+            <a:r>
+              <a:rPr lang="en-US" altLang="zh-CN" dirty="0">
+                <a:latin typeface="+mn-ea"/>
+                <a:sym typeface="+mn-ea"/>
+              </a:rPr>
+              <a:t>()</a:t>
+            </a:r>
+            <a:r>
+              <a:rPr lang="zh-CN" altLang="en-US" dirty="0">
+                <a:latin typeface="+mn-ea"/>
+                <a:sym typeface="+mn-ea"/>
+              </a:rPr>
+              <a:t>将部分函数名替换成操作符枚举值。比如将</a:t>
+            </a:r>
+            <a:r>
+              <a:rPr lang="en-US" altLang="zh-CN" dirty="0">
+                <a:latin typeface="+mn-ea"/>
+                <a:sym typeface="+mn-ea"/>
+              </a:rPr>
+              <a:t>'mod'</a:t>
+            </a:r>
+            <a:r>
+              <a:rPr lang="zh-CN" altLang="en-US" dirty="0">
+                <a:latin typeface="+mn-ea"/>
+                <a:sym typeface="+mn-ea"/>
+              </a:rPr>
+              <a:t>替换为</a:t>
+            </a:r>
+            <a:r>
+              <a:rPr lang="en-US" altLang="zh-CN" dirty="0">
+                <a:latin typeface="+mn-ea"/>
+                <a:sym typeface="+mn-ea"/>
+              </a:rPr>
+              <a:t>EOpMod</a:t>
+            </a:r>
+            <a:endParaRPr lang="en-US" altLang="zh-CN" dirty="0">
+              <a:latin typeface="+mn-ea"/>
+              <a:sym typeface="+mn-ea"/>
+            </a:endParaRPr>
+          </a:p>
+        </p:txBody>
+      </p:sp>
+      <p:sp>
+        <p:nvSpPr>
+          <p:cNvPr id="3" name="Title 2"/>
+          <p:cNvSpPr>
+            <a:spLocks noGrp="1"/>
+          </p:cNvSpPr>
+          <p:nvPr>
+            <p:ph type="title"/>
+          </p:nvPr>
+        </p:nvSpPr>
+        <p:spPr/>
+        <p:txBody>
+          <a:bodyPr/>
+          <a:lstStyle/>
+          <a:p>
+            <a:r>
+              <a:rPr lang="en-US" altLang="zh-CN" dirty="0" err="1"/>
+              <a:t>glslang</a:t>
+            </a:r>
+            <a:r>
+              <a:rPr lang="en-US" altLang="zh-CN" dirty="0"/>
+              <a:t> </a:t>
+            </a:r>
+            <a:endParaRPr lang="en-US" dirty="0"/>
+          </a:p>
+        </p:txBody>
+      </p:sp>
+      <p:sp>
+        <p:nvSpPr>
+          <p:cNvPr id="4" name="Text Placeholder 3"/>
+          <p:cNvSpPr>
+            <a:spLocks noGrp="1"/>
+          </p:cNvSpPr>
+          <p:nvPr>
+            <p:ph type="body" sz="quarter" idx="10"/>
+          </p:nvPr>
+        </p:nvSpPr>
+        <p:spPr/>
+        <p:txBody>
+          <a:bodyPr/>
+          <a:lstStyle/>
+          <a:p>
+            <a:r>
+              <a:rPr lang="zh-CN" altLang="en-US" dirty="0"/>
+              <a:t>符号表</a:t>
             </a:r>
             <a:endParaRPr lang="zh-CN" altLang="en-US" dirty="0"/>
           </a:p>
@@ -3306,7 +5297,7 @@
                 <a:latin typeface="+mn-ea"/>
                 <a:sym typeface="+mn-ea"/>
               </a:rPr>
-              <a:t>\glslang\Public\ShaderLang.h 和 </a:t>
+              <a:t>\glslang\Public\ShaderLang.h</a:t>
             </a:r>
             <a:endParaRPr lang="zh-CN" altLang="en-US" sz="2000">
               <a:latin typeface="+mn-ea"/>
@@ -3369,6 +5360,54 @@
                 <a:latin typeface="+mn-ea"/>
               </a:rPr>
               <a:t>context</a:t>
+            </a:r>
+            <a:endParaRPr lang="en-US" altLang="zh-CN" sz="2000" dirty="0">
+              <a:latin typeface="+mn-ea"/>
+            </a:endParaRPr>
+          </a:p>
+          <a:p>
+            <a:pPr lvl="2"/>
+            <a:r>
+              <a:rPr lang="zh-CN" altLang="en-US" sz="2000" dirty="0">
+                <a:latin typeface="+mn-ea"/>
+              </a:rPr>
+              <a:t>\glslang\MachineIndependent\SymbolTable.h</a:t>
+            </a:r>
+            <a:endParaRPr lang="zh-CN" altLang="en-US" sz="2000" dirty="0">
+              <a:latin typeface="+mn-ea"/>
+            </a:endParaRPr>
+          </a:p>
+          <a:p>
+            <a:pPr lvl="2"/>
+            <a:r>
+              <a:rPr lang="zh-CN" altLang="en-US" sz="2000" dirty="0">
+                <a:latin typeface="+mn-ea"/>
+              </a:rPr>
+              <a:t>\glslang\MachineIndependent\SymbolTable.cpp：符号表相关</a:t>
+            </a:r>
+            <a:endParaRPr lang="zh-CN" altLang="en-US" sz="2000" dirty="0">
+              <a:latin typeface="+mn-ea"/>
+            </a:endParaRPr>
+          </a:p>
+          <a:p>
+            <a:pPr lvl="2"/>
+            <a:r>
+              <a:rPr lang="zh-CN" altLang="en-US" sz="2000" dirty="0">
+                <a:latin typeface="+mn-ea"/>
+              </a:rPr>
+              <a:t>\glslang\MachineIndependent\Initialize.cpp：</a:t>
+            </a:r>
+            <a:r>
+              <a:rPr lang="en-US" altLang="zh-CN" sz="2000" dirty="0">
+                <a:latin typeface="+mn-ea"/>
+              </a:rPr>
+              <a:t>built-in</a:t>
+            </a:r>
+            <a:r>
+              <a:rPr lang="zh-CN" altLang="en-US" sz="2000" dirty="0">
+                <a:latin typeface="+mn-ea"/>
+              </a:rPr>
+              <a:t>初始化相关</a:t>
             </a:r>
             <a:endParaRPr lang="zh-CN" altLang="en-US" sz="2000" dirty="0">
               <a:latin typeface="+mn-ea"/>
@@ -3478,15 +5517,15 @@
           <a:lstStyle/>
           <a:p>
             <a:r>
-              <a:rPr lang="en-US" altLang="zh-CN" sz="2800" b="1">
-                <a:latin typeface="+mn-ea"/>
-                <a:sym typeface="+mn-ea"/>
-              </a:rPr>
-              <a:t>context</a:t>
-            </a:r>
-            <a:r>
               <a:rPr lang="zh-CN" altLang="en-US" sz="2800" b="1">
                 <a:latin typeface="+mn-ea"/>
+                <a:sym typeface="+mn-ea"/>
+              </a:rPr>
+              <a:t>接口</a:t>
+            </a:r>
+            <a:r>
+              <a:rPr lang="zh-CN" altLang="en-US" sz="2800" b="1">
+                <a:latin typeface="+mn-ea"/>
               </a:rPr>
               <a:t>：</a:t>
             </a:r>
@@ -3497,12 +5536,236 @@
           <a:p>
             <a:pPr lvl="1"/>
             <a:r>
-              <a:rPr lang="zh-CN" altLang="en-US" sz="2400" b="1">
-                <a:latin typeface="+mn-ea"/>
-              </a:rPr>
-              <a:t>数据结构</a:t>
-            </a:r>
-            <a:endParaRPr lang="zh-CN" altLang="en-US" sz="2400" b="1">
+              <a:rPr lang="zh-CN" altLang="en-US" sz="2400">
+                <a:latin typeface="+mn-ea"/>
+              </a:rPr>
+              <a:t>编译器对驱动接口定义在文件\glslang\MachineIndependent\ShaderLang.cpp中</a:t>
+            </a:r>
+            <a:endParaRPr lang="zh-CN" altLang="en-US" sz="2400">
+              <a:latin typeface="+mn-ea"/>
+            </a:endParaRPr>
+          </a:p>
+          <a:p>
+            <a:pPr lvl="2"/>
+            <a:r>
+              <a:rPr lang="zh-CN" altLang="en-US" sz="2000" b="1">
+                <a:solidFill>
+                  <a:schemeClr val="accent1"/>
+                </a:solidFill>
+                <a:latin typeface="+mn-ea"/>
+              </a:rPr>
+              <a:t>ShInitialize</a:t>
+            </a:r>
+            <a:r>
+              <a:rPr lang="en-US" altLang="zh-CN" sz="2000">
+                <a:latin typeface="+mn-ea"/>
+              </a:rPr>
+              <a:t>(): </a:t>
+            </a:r>
+            <a:r>
+              <a:rPr lang="zh-CN" altLang="en-US" sz="2000">
+                <a:latin typeface="+mn-ea"/>
+              </a:rPr>
+              <a:t>初始化编译器，建立</a:t>
+            </a:r>
+            <a:r>
+              <a:rPr lang="en-US" altLang="zh-CN" sz="2000">
+                <a:latin typeface="+mn-ea"/>
+              </a:rPr>
+              <a:t>built-in</a:t>
+            </a:r>
+            <a:r>
+              <a:rPr lang="zh-CN" altLang="en-US" sz="2000">
+                <a:latin typeface="+mn-ea"/>
+              </a:rPr>
+              <a:t>符号表等</a:t>
+            </a:r>
+            <a:endParaRPr lang="zh-CN" altLang="en-US" sz="2000">
+              <a:latin typeface="+mn-ea"/>
+            </a:endParaRPr>
+          </a:p>
+          <a:p>
+            <a:pPr lvl="3"/>
+            <a:r>
+              <a:rPr lang="zh-CN" altLang="en-US">
+                <a:latin typeface="+mn-ea"/>
+              </a:rPr>
+              <a:t>输出：全局变量符号表</a:t>
+            </a:r>
+            <a:r>
+              <a:rPr lang="zh-CN" altLang="en-US" b="1">
+                <a:solidFill>
+                  <a:srgbClr val="00B050"/>
+                </a:solidFill>
+                <a:latin typeface="+mn-ea"/>
+              </a:rPr>
+              <a:t>SymbolTables</a:t>
+            </a:r>
+            <a:endParaRPr lang="zh-CN" altLang="en-US">
+              <a:latin typeface="+mn-ea"/>
+            </a:endParaRPr>
+          </a:p>
+          <a:p>
+            <a:pPr lvl="2"/>
+            <a:r>
+              <a:rPr lang="en-US" altLang="zh-CN" sz="2000" b="1">
+                <a:solidFill>
+                  <a:schemeClr val="accent1"/>
+                </a:solidFill>
+                <a:latin typeface="+mn-ea"/>
+              </a:rPr>
+              <a:t>ShCompile</a:t>
+            </a:r>
+            <a:r>
+              <a:rPr lang="en-US" altLang="zh-CN" sz="2000">
+                <a:latin typeface="+mn-ea"/>
+              </a:rPr>
+              <a:t>(): </a:t>
+            </a:r>
+            <a:r>
+              <a:rPr lang="zh-CN" altLang="en-US" sz="2000">
+                <a:latin typeface="+mn-ea"/>
+              </a:rPr>
+              <a:t>编译</a:t>
+            </a:r>
+            <a:r>
+              <a:rPr lang="en-US" altLang="zh-CN" sz="2000">
+                <a:latin typeface="+mn-ea"/>
+              </a:rPr>
+              <a:t>shader</a:t>
+            </a:r>
+            <a:r>
+              <a:rPr lang="zh-CN" altLang="en-US" sz="2000">
+                <a:latin typeface="+mn-ea"/>
+              </a:rPr>
+              <a:t>程序字符串，到</a:t>
+            </a:r>
+            <a:r>
+              <a:rPr lang="zh-CN" altLang="en-US" sz="2000">
+                <a:latin typeface="+mn-ea"/>
+              </a:rPr>
+              <a:t>二进制</a:t>
+            </a:r>
+            <a:endParaRPr lang="zh-CN" altLang="en-US" sz="2000">
+              <a:latin typeface="+mn-ea"/>
+            </a:endParaRPr>
+          </a:p>
+          <a:p>
+            <a:pPr lvl="3" algn="l">
+              <a:buSzTx/>
+            </a:pPr>
+            <a:r>
+              <a:rPr lang="zh-CN" altLang="en-US" sz="1800">
+                <a:latin typeface="+mn-ea"/>
+              </a:rPr>
+              <a:t>输入：char* const shaderStrings[]：输入源程序</a:t>
+            </a:r>
+            <a:r>
+              <a:rPr lang="zh-CN" altLang="en-US" sz="1800">
+                <a:latin typeface="+mn-ea"/>
+              </a:rPr>
+              <a:t>字符串</a:t>
+            </a:r>
+            <a:endParaRPr lang="zh-CN" altLang="en-US" sz="1800">
+              <a:latin typeface="+mn-ea"/>
+            </a:endParaRPr>
+          </a:p>
+          <a:p>
+            <a:pPr lvl="3" algn="l">
+              <a:buSzTx/>
+            </a:pPr>
+            <a:r>
+              <a:rPr lang="zh-CN" altLang="en-US" sz="1800">
+                <a:latin typeface="+mn-ea"/>
+              </a:rPr>
+              <a:t>生成的编译结果：语法树在</a:t>
+            </a:r>
+            <a:r>
+              <a:rPr lang="zh-CN" altLang="en-US" sz="1800" b="1">
+                <a:solidFill>
+                  <a:srgbClr val="00B050"/>
+                </a:solidFill>
+                <a:latin typeface="+mn-ea"/>
+              </a:rPr>
+              <a:t>parseContext</a:t>
+            </a:r>
+            <a:r>
+              <a:rPr lang="zh-CN" altLang="en-US" sz="1800">
+                <a:latin typeface="+mn-ea"/>
+              </a:rPr>
+              <a:t>.treeRoot，符号表在</a:t>
+            </a:r>
+            <a:r>
+              <a:rPr lang="zh-CN" altLang="en-US" sz="1800" b="1">
+                <a:solidFill>
+                  <a:srgbClr val="00B050"/>
+                </a:solidFill>
+                <a:latin typeface="+mn-ea"/>
+              </a:rPr>
+              <a:t>parseContext</a:t>
+            </a:r>
+            <a:r>
+              <a:rPr lang="zh-CN" altLang="en-US" sz="1800">
+                <a:latin typeface="+mn-ea"/>
+              </a:rPr>
+              <a:t>.symbolTable</a:t>
+            </a:r>
+            <a:endParaRPr lang="zh-CN" altLang="en-US" sz="1800">
+              <a:latin typeface="+mn-ea"/>
+            </a:endParaRPr>
+          </a:p>
+          <a:p>
+            <a:pPr lvl="3" algn="l">
+              <a:buSzTx/>
+            </a:pPr>
+            <a:r>
+              <a:rPr lang="zh-CN" altLang="en-US">
+                <a:latin typeface="+mn-ea"/>
+              </a:rPr>
+              <a:t>编译语法树在PaParseStrings</a:t>
+            </a:r>
+            <a:r>
+              <a:rPr lang="en-US" altLang="zh-CN">
+                <a:latin typeface="+mn-ea"/>
+              </a:rPr>
+              <a:t>()</a:t>
+            </a:r>
+            <a:r>
+              <a:rPr lang="zh-CN" altLang="en-US">
+                <a:latin typeface="+mn-ea"/>
+              </a:rPr>
+              <a:t>函数</a:t>
+            </a:r>
+            <a:endParaRPr lang="zh-CN" altLang="en-US">
+              <a:latin typeface="+mn-ea"/>
+            </a:endParaRPr>
+          </a:p>
+          <a:p>
+            <a:pPr lvl="3" algn="l">
+              <a:buSzTx/>
+            </a:pPr>
+            <a:r>
+              <a:rPr lang="zh-CN" altLang="en-US">
+                <a:latin typeface="+mn-ea"/>
+              </a:rPr>
+              <a:t>生成二进制在compiler-&gt;</a:t>
+            </a:r>
+            <a:r>
+              <a:rPr lang="zh-CN" altLang="en-US" b="1">
+                <a:solidFill>
+                  <a:schemeClr val="accent1"/>
+                </a:solidFill>
+                <a:latin typeface="+mn-ea"/>
+              </a:rPr>
+              <a:t>compile</a:t>
+            </a:r>
+            <a:r>
+              <a:rPr lang="zh-CN" altLang="en-US">
+                <a:latin typeface="+mn-ea"/>
+              </a:rPr>
+              <a:t>(parseContext.treeRoot)函数</a:t>
+            </a:r>
+            <a:endParaRPr lang="zh-CN" altLang="en-US">
               <a:latin typeface="+mn-ea"/>
             </a:endParaRPr>
           </a:p>
@@ -3511,33 +5774,23 @@
               <a:buSzTx/>
             </a:pPr>
             <a:r>
+              <a:rPr lang="en-US" altLang="zh-CN" sz="2000" b="1">
+                <a:solidFill>
+                  <a:schemeClr val="accent1"/>
+                </a:solidFill>
+                <a:latin typeface="+mn-ea"/>
+                <a:sym typeface="+mn-ea"/>
+              </a:rPr>
+              <a:t>ShLink</a:t>
+            </a:r>
+            <a:r>
               <a:rPr lang="en-US" altLang="zh-CN" sz="2000">
                 <a:latin typeface="+mn-ea"/>
-              </a:rPr>
-              <a:t>shader compile</a:t>
-            </a:r>
-            <a:r>
-              <a:rPr lang="zh-CN" altLang="en-US" sz="2000">
-                <a:latin typeface="+mn-ea"/>
-              </a:rPr>
-              <a:t>的全部内容包含在</a:t>
-            </a:r>
-            <a:r>
-              <a:rPr lang="zh-CN" altLang="en-US" sz="2000" b="1">
-                <a:solidFill>
-                  <a:srgbClr val="00B0F0"/>
-                </a:solidFill>
-                <a:latin typeface="+mn-ea"/>
-              </a:rPr>
-              <a:t>TParseContext</a:t>
-            </a:r>
-            <a:r>
-              <a:rPr lang="zh-CN" altLang="en-US" sz="2000">
-                <a:latin typeface="+mn-ea"/>
-              </a:rPr>
-              <a:t>结构体中，定义在\glslang\MachineIndependent\ParseHelper.h文件中。包含如下成员：</a:t>
-            </a:r>
-            <a:endParaRPr lang="zh-CN" altLang="en-US" sz="2000">
+                <a:sym typeface="+mn-ea"/>
+              </a:rPr>
+              <a:t>(): 链接</a:t>
+            </a:r>
+            <a:endParaRPr lang="en-US" altLang="zh-CN" sz="2000">
               <a:latin typeface="+mn-ea"/>
             </a:endParaRPr>
           </a:p>
@@ -3545,85 +5798,14 @@
             <a:pPr lvl="3" algn="l">
               <a:buSzTx/>
             </a:pPr>
-            <a:r>
-              <a:rPr lang="zh-CN" altLang="en-US">
-                <a:latin typeface="+mn-ea"/>
-              </a:rPr>
-              <a:t>TIntermNode* </a:t>
-            </a:r>
-            <a:r>
-              <a:rPr lang="zh-CN" altLang="en-US" b="1">
-                <a:solidFill>
-                  <a:srgbClr val="00B050"/>
-                </a:solidFill>
-                <a:latin typeface="+mn-ea"/>
-              </a:rPr>
-              <a:t>treeRoot</a:t>
-            </a:r>
-            <a:r>
-              <a:rPr lang="zh-CN" altLang="en-US">
-                <a:latin typeface="+mn-ea"/>
-              </a:rPr>
-              <a:t>：最终生成的语法树的根节点</a:t>
-            </a:r>
             <a:endParaRPr lang="zh-CN" altLang="en-US">
               <a:latin typeface="+mn-ea"/>
             </a:endParaRPr>
           </a:p>
           <a:p>
-            <a:pPr lvl="3" algn="l">
+            <a:pPr lvl="2" algn="l">
               <a:buSzTx/>
             </a:pPr>
-            <a:r>
-              <a:rPr lang="zh-CN" altLang="en-US">
-                <a:latin typeface="+mn-ea"/>
-              </a:rPr>
-              <a:t>TSymbolTable&amp; </a:t>
-            </a:r>
-            <a:r>
-              <a:rPr lang="zh-CN" altLang="en-US" b="1">
-                <a:solidFill>
-                  <a:srgbClr val="00B050"/>
-                </a:solidFill>
-                <a:latin typeface="+mn-ea"/>
-              </a:rPr>
-              <a:t>symbolTable</a:t>
-            </a:r>
-            <a:r>
-              <a:rPr lang="zh-CN" altLang="en-US">
-                <a:latin typeface="+mn-ea"/>
-              </a:rPr>
-              <a:t>：符号表</a:t>
-            </a:r>
-            <a:endParaRPr lang="zh-CN" altLang="en-US">
-              <a:latin typeface="+mn-ea"/>
-            </a:endParaRPr>
-          </a:p>
-          <a:p>
-            <a:pPr lvl="3" algn="l">
-              <a:buSzTx/>
-            </a:pPr>
-            <a:r>
-              <a:rPr lang="zh-CN" altLang="en-US">
-                <a:latin typeface="+mn-ea"/>
-              </a:rPr>
-              <a:t>TIntermediate&amp; </a:t>
-            </a:r>
-            <a:r>
-              <a:rPr lang="zh-CN" altLang="en-US" b="1">
-                <a:solidFill>
-                  <a:srgbClr val="00B050"/>
-                </a:solidFill>
-                <a:latin typeface="+mn-ea"/>
-              </a:rPr>
-              <a:t>intermediate</a:t>
-            </a:r>
-            <a:r>
-              <a:rPr lang="zh-CN" altLang="en-US">
-                <a:latin typeface="+mn-ea"/>
-              </a:rPr>
-              <a:t>：用于生成语法树的工具函数</a:t>
-            </a:r>
             <a:endParaRPr lang="zh-CN" altLang="en-US">
               <a:latin typeface="+mn-ea"/>
             </a:endParaRPr>
@@ -3673,10 +5855,10 @@
           <a:lstStyle/>
           <a:p>
             <a:r>
-              <a:rPr altLang="zh-CN" dirty="0"/>
-              <a:t>context</a:t>
-            </a:r>
-            <a:endParaRPr altLang="zh-CN" dirty="0"/>
+              <a:rPr lang="zh-CN" altLang="en-US" dirty="0"/>
+              <a:t>接口</a:t>
+            </a:r>
+            <a:endParaRPr lang="zh-CN" altLang="en-US" dirty="0"/>
           </a:p>
         </p:txBody>
       </p:sp>
@@ -3726,16 +5908,17 @@
           <a:lstStyle/>
           <a:p>
             <a:r>
+              <a:rPr lang="en-US" altLang="zh-CN" sz="2800" b="1">
+                <a:latin typeface="+mn-ea"/>
+                <a:sym typeface="+mn-ea"/>
+              </a:rPr>
+              <a:t>context</a:t>
+            </a:r>
+            <a:r>
               <a:rPr lang="zh-CN" altLang="en-US" sz="2800" b="1">
                 <a:latin typeface="+mn-ea"/>
               </a:rPr>
-              <a:t>节点基本</a:t>
-            </a:r>
-            <a:r>
-              <a:rPr lang="zh-CN" altLang="en-US" sz="2800" b="1">
-                <a:latin typeface="+mn-ea"/>
-              </a:rPr>
-              <a:t>类型：</a:t>
+              <a:t>：</a:t>
             </a:r>
             <a:endParaRPr lang="zh-CN" altLang="en-US" sz="2800" b="1">
               <a:latin typeface="+mn-ea"/>
@@ -3744,240 +5927,176 @@
           <a:p>
             <a:pPr lvl="1"/>
             <a:r>
-              <a:rPr lang="zh-CN" altLang="en-US" sz="2400">
-                <a:latin typeface="+mn-ea"/>
-              </a:rPr>
-              <a:t>定义代码中任何包含类型的语法符号</a:t>
-            </a:r>
-            <a:endParaRPr lang="en-US" altLang="zh-CN" sz="2400" dirty="0">
-              <a:latin typeface="+mn-ea"/>
-            </a:endParaRPr>
-          </a:p>
-          <a:p>
-            <a:pPr lvl="1"/>
-            <a:r>
-              <a:rPr lang="zh-CN" altLang="en-US" sz="2400" dirty="0">
-                <a:latin typeface="+mn-ea"/>
-              </a:rPr>
-              <a:t>在文件</a:t>
-            </a:r>
-            <a:r>
-              <a:rPr lang="en-US" altLang="zh-CN" sz="2400" dirty="0">
-                <a:latin typeface="+mn-ea"/>
-              </a:rPr>
-              <a:t>/glslang/Include/Types.h</a:t>
-            </a:r>
-            <a:r>
-              <a:rPr lang="zh-CN" altLang="en-US" sz="2400" dirty="0">
-                <a:latin typeface="+mn-ea"/>
-              </a:rPr>
-              <a:t>中的</a:t>
-            </a:r>
-            <a:r>
-              <a:rPr lang="en-US" altLang="zh-CN" sz="2400" b="1" dirty="0">
+              <a:rPr lang="zh-CN" altLang="en-US" sz="2400" b="1">
+                <a:latin typeface="+mn-ea"/>
+              </a:rPr>
+              <a:t>数据结构</a:t>
+            </a:r>
+            <a:endParaRPr lang="zh-CN" altLang="en-US" sz="2400" b="1">
+              <a:latin typeface="+mn-ea"/>
+            </a:endParaRPr>
+          </a:p>
+          <a:p>
+            <a:pPr lvl="2" algn="l">
+              <a:buSzTx/>
+            </a:pPr>
+            <a:r>
+              <a:rPr lang="en-US" altLang="zh-CN" sz="2000">
+                <a:latin typeface="+mn-ea"/>
+              </a:rPr>
+              <a:t>shader compile</a:t>
+            </a:r>
+            <a:r>
+              <a:rPr lang="zh-CN" altLang="en-US" sz="2000">
+                <a:latin typeface="+mn-ea"/>
+              </a:rPr>
+              <a:t>的全部内容包含在</a:t>
+            </a:r>
+            <a:r>
+              <a:rPr lang="zh-CN" altLang="en-US" sz="2000" b="1">
                 <a:solidFill>
                   <a:srgbClr val="00B0F0"/>
                 </a:solidFill>
                 <a:latin typeface="+mn-ea"/>
               </a:rPr>
-              <a:t>TType</a:t>
-            </a:r>
-            <a:r>
-              <a:rPr lang="zh-CN" altLang="en-US" sz="2400" dirty="0">
-                <a:latin typeface="+mn-ea"/>
-              </a:rPr>
-              <a:t>类</a:t>
-            </a:r>
-            <a:r>
-              <a:rPr lang="zh-CN" altLang="en-US" sz="2400" dirty="0">
-                <a:latin typeface="+mn-ea"/>
-              </a:rPr>
-              <a:t>定义</a:t>
-            </a:r>
-            <a:endParaRPr lang="zh-CN" altLang="en-US" sz="2400" dirty="0">
-              <a:latin typeface="+mn-ea"/>
-            </a:endParaRPr>
-          </a:p>
-          <a:p>
-            <a:pPr lvl="1"/>
-            <a:r>
-              <a:rPr lang="zh-CN" altLang="en-US" sz="2400" dirty="0">
-                <a:latin typeface="+mn-ea"/>
-              </a:rPr>
-              <a:t>其中：</a:t>
-            </a:r>
-            <a:endParaRPr lang="zh-CN" altLang="en-US" sz="2400" dirty="0">
-              <a:latin typeface="+mn-ea"/>
-            </a:endParaRPr>
-          </a:p>
-          <a:p>
-            <a:pPr lvl="2"/>
-            <a:r>
-              <a:rPr lang="en-US" altLang="zh-CN" sz="2000" b="1" dirty="0">
-                <a:solidFill>
-                  <a:srgbClr val="00B0F0"/>
-                </a:solidFill>
-                <a:latin typeface="+mn-ea"/>
-              </a:rPr>
-              <a:t>TBasicType </a:t>
-            </a:r>
-            <a:r>
-              <a:rPr lang="en-US" altLang="zh-CN" sz="2000" dirty="0">
-                <a:latin typeface="+mn-ea"/>
-              </a:rPr>
-              <a:t>type</a:t>
-            </a:r>
-            <a:r>
-              <a:rPr lang="zh-CN" altLang="en-US" sz="2000" dirty="0">
-                <a:latin typeface="+mn-ea"/>
-              </a:rPr>
-              <a:t>；定义了基本类型的枚举值，包括整型浮点，采样等</a:t>
-            </a:r>
-            <a:endParaRPr lang="zh-CN" altLang="en-US" sz="2000" dirty="0">
-              <a:latin typeface="+mn-ea"/>
-            </a:endParaRPr>
-          </a:p>
-          <a:p>
-            <a:pPr lvl="2"/>
-            <a:r>
-              <a:rPr lang="en-US" altLang="zh-CN" sz="2000" b="1" dirty="0">
-                <a:solidFill>
-                  <a:srgbClr val="00B0F0"/>
-                </a:solidFill>
-                <a:latin typeface="+mn-ea"/>
-              </a:rPr>
-              <a:t>TQualifiler </a:t>
-            </a:r>
-            <a:r>
-              <a:rPr lang="en-US" altLang="zh-CN" sz="2000" dirty="0">
-                <a:latin typeface="+mn-ea"/>
-              </a:rPr>
-              <a:t>qualifier</a:t>
-            </a:r>
-            <a:r>
-              <a:rPr lang="zh-CN" altLang="en-US" sz="2000" dirty="0">
-                <a:latin typeface="+mn-ea"/>
-              </a:rPr>
-              <a:t>；定义了限定符的枚举值，包括</a:t>
-            </a:r>
-            <a:r>
-              <a:rPr lang="en-US" altLang="zh-CN" sz="2000" dirty="0">
-                <a:latin typeface="+mn-ea"/>
-              </a:rPr>
-              <a:t>global in out</a:t>
-            </a:r>
-            <a:r>
-              <a:rPr lang="zh-CN" altLang="en-US" sz="2000" dirty="0">
-                <a:latin typeface="+mn-ea"/>
-              </a:rPr>
-              <a:t>等</a:t>
-            </a:r>
-            <a:endParaRPr lang="zh-CN" altLang="en-US" sz="2000" dirty="0">
-              <a:latin typeface="+mn-ea"/>
-            </a:endParaRPr>
-          </a:p>
-          <a:p>
-            <a:pPr lvl="2"/>
-            <a:r>
-              <a:rPr lang="zh-CN" altLang="en-US" sz="2000" dirty="0">
-                <a:latin typeface="+mn-ea"/>
-              </a:rPr>
-              <a:t>如果该类型为结构体类型，定义在</a:t>
-            </a:r>
-            <a:r>
-              <a:rPr lang="en-US" altLang="zh-CN" sz="2000" b="1" dirty="0">
-                <a:solidFill>
-                  <a:srgbClr val="00B0F0"/>
-                </a:solidFill>
-                <a:latin typeface="+mn-ea"/>
-              </a:rPr>
-              <a:t>TTypeList*</a:t>
-            </a:r>
-            <a:r>
-              <a:rPr lang="en-US" altLang="zh-CN" sz="2000" dirty="0">
-                <a:latin typeface="+mn-ea"/>
-              </a:rPr>
-              <a:t> structure;</a:t>
-            </a:r>
-            <a:r>
-              <a:rPr lang="zh-CN" altLang="en-US" sz="2000" dirty="0">
-                <a:latin typeface="+mn-ea"/>
-              </a:rPr>
-              <a:t>中</a:t>
-            </a:r>
-            <a:endParaRPr lang="zh-CN" altLang="en-US" sz="2000" dirty="0">
-              <a:latin typeface="+mn-ea"/>
-            </a:endParaRPr>
-          </a:p>
-          <a:p>
-            <a:pPr lvl="3"/>
-            <a:r>
-              <a:rPr lang="zh-CN" altLang="en-US" dirty="0">
-                <a:latin typeface="+mn-ea"/>
-              </a:rPr>
-              <a:t>该类型是一个</a:t>
-            </a:r>
-            <a:r>
-              <a:rPr lang="en-US" altLang="zh-CN" dirty="0">
-                <a:latin typeface="+mn-ea"/>
-              </a:rPr>
-              <a:t>TTypeLine</a:t>
-            </a:r>
-            <a:r>
-              <a:rPr lang="zh-CN" altLang="en-US" dirty="0">
-                <a:latin typeface="+mn-ea"/>
-              </a:rPr>
-              <a:t>的向量。</a:t>
-            </a:r>
-            <a:r>
-              <a:rPr lang="en-US" altLang="zh-CN" dirty="0">
-                <a:latin typeface="+mn-ea"/>
-              </a:rPr>
-              <a:t>TTypeLine</a:t>
-            </a:r>
-            <a:r>
-              <a:rPr lang="zh-CN" altLang="en-US" dirty="0">
-                <a:latin typeface="+mn-ea"/>
-              </a:rPr>
-              <a:t>是包含</a:t>
-            </a:r>
-            <a:r>
-              <a:rPr lang="en-US" altLang="zh-CN" dirty="0">
-                <a:latin typeface="+mn-ea"/>
-              </a:rPr>
-              <a:t>TType</a:t>
-            </a:r>
-            <a:r>
-              <a:rPr lang="zh-CN" altLang="en-US" dirty="0">
-                <a:latin typeface="+mn-ea"/>
-              </a:rPr>
-              <a:t>和</a:t>
-            </a:r>
-            <a:r>
-              <a:rPr lang="en-US" altLang="zh-CN" dirty="0">
-                <a:latin typeface="+mn-ea"/>
-              </a:rPr>
-              <a:t>line</a:t>
-            </a:r>
-            <a:r>
-              <a:rPr lang="zh-CN" altLang="en-US" dirty="0">
-                <a:latin typeface="+mn-ea"/>
-              </a:rPr>
-              <a:t>的结构体</a:t>
-            </a:r>
-            <a:endParaRPr lang="zh-CN" altLang="en-US" dirty="0">
-              <a:latin typeface="+mn-ea"/>
-            </a:endParaRPr>
-          </a:p>
-          <a:p>
-            <a:pPr lvl="2"/>
-            <a:endParaRPr lang="en-US" altLang="zh-CN" dirty="0">
-              <a:latin typeface="+mn-ea"/>
-            </a:endParaRPr>
-          </a:p>
-          <a:p>
-            <a:pPr lvl="1"/>
-            <a:endParaRPr lang="zh-CN" altLang="en-US" dirty="0">
+              <a:t>TParseContext</a:t>
+            </a:r>
+            <a:r>
+              <a:rPr lang="zh-CN" altLang="en-US" sz="2000">
+                <a:latin typeface="+mn-ea"/>
+              </a:rPr>
+              <a:t>结构体中，定义在\glslang\MachineIndependent\ParseHelper.h文件中。包含如下成员：</a:t>
+            </a:r>
+            <a:endParaRPr lang="zh-CN" altLang="en-US" sz="2000">
+              <a:latin typeface="+mn-ea"/>
+            </a:endParaRPr>
+          </a:p>
+          <a:p>
+            <a:pPr lvl="3" algn="l">
+              <a:buSzTx/>
+            </a:pPr>
+            <a:r>
+              <a:rPr lang="zh-CN" altLang="en-US">
+                <a:latin typeface="+mn-ea"/>
+              </a:rPr>
+              <a:t>TIntermNode* </a:t>
+            </a:r>
+            <a:r>
+              <a:rPr lang="zh-CN" altLang="en-US" b="1">
+                <a:solidFill>
+                  <a:srgbClr val="00B050"/>
+                </a:solidFill>
+                <a:latin typeface="+mn-ea"/>
+              </a:rPr>
+              <a:t>treeRoot</a:t>
+            </a:r>
+            <a:r>
+              <a:rPr lang="zh-CN" altLang="en-US">
+                <a:latin typeface="+mn-ea"/>
+              </a:rPr>
+              <a:t>：最终生成的语法树的根节点</a:t>
+            </a:r>
+            <a:endParaRPr lang="zh-CN" altLang="en-US">
+              <a:latin typeface="+mn-ea"/>
+            </a:endParaRPr>
+          </a:p>
+          <a:p>
+            <a:pPr lvl="3" algn="l">
+              <a:buSzTx/>
+            </a:pPr>
+            <a:r>
+              <a:rPr lang="zh-CN" altLang="en-US">
+                <a:latin typeface="+mn-ea"/>
+              </a:rPr>
+              <a:t>TSymbolTable&amp; </a:t>
+            </a:r>
+            <a:r>
+              <a:rPr lang="zh-CN" altLang="en-US" b="1">
+                <a:solidFill>
+                  <a:srgbClr val="00B050"/>
+                </a:solidFill>
+                <a:latin typeface="+mn-ea"/>
+              </a:rPr>
+              <a:t>symbolTable</a:t>
+            </a:r>
+            <a:r>
+              <a:rPr lang="zh-CN" altLang="en-US">
+                <a:latin typeface="+mn-ea"/>
+              </a:rPr>
+              <a:t>：符号表，该符号表在每次编译</a:t>
+            </a:r>
+            <a:r>
+              <a:rPr lang="en-US" altLang="zh-CN">
+                <a:latin typeface="+mn-ea"/>
+              </a:rPr>
+              <a:t>shader</a:t>
+            </a:r>
+            <a:r>
+              <a:rPr lang="zh-CN" altLang="en-US">
+                <a:latin typeface="+mn-ea"/>
+              </a:rPr>
+              <a:t>的时候，保存当前</a:t>
+            </a:r>
+            <a:r>
+              <a:rPr lang="en-US" altLang="zh-CN">
+                <a:latin typeface="+mn-ea"/>
+              </a:rPr>
+              <a:t>shader</a:t>
+            </a:r>
+            <a:r>
+              <a:rPr lang="zh-CN" altLang="en-US">
+                <a:latin typeface="+mn-ea"/>
+              </a:rPr>
+              <a:t>的符号表，包括</a:t>
+            </a:r>
+            <a:r>
+              <a:rPr lang="en-US" altLang="zh-CN">
+                <a:latin typeface="+mn-ea"/>
+              </a:rPr>
+              <a:t>builtIn,resource,</a:t>
+            </a:r>
+            <a:r>
+              <a:rPr lang="zh-CN" altLang="en-US">
+                <a:latin typeface="+mn-ea"/>
+              </a:rPr>
+              <a:t>和用户程序中出现的</a:t>
+            </a:r>
+            <a:r>
+              <a:rPr lang="zh-CN" altLang="en-US">
+                <a:latin typeface="+mn-ea"/>
+              </a:rPr>
+              <a:t>符号</a:t>
+            </a:r>
+            <a:endParaRPr lang="zh-CN" altLang="en-US">
+              <a:latin typeface="+mn-ea"/>
+            </a:endParaRPr>
+          </a:p>
+          <a:p>
+            <a:pPr lvl="3" algn="l">
+              <a:buSzTx/>
+            </a:pPr>
+            <a:r>
+              <a:rPr lang="zh-CN" altLang="en-US">
+                <a:latin typeface="+mn-ea"/>
+              </a:rPr>
+              <a:t>TIntermediate&amp; </a:t>
+            </a:r>
+            <a:r>
+              <a:rPr lang="zh-CN" altLang="en-US" b="1">
+                <a:solidFill>
+                  <a:srgbClr val="00B050"/>
+                </a:solidFill>
+                <a:latin typeface="+mn-ea"/>
+              </a:rPr>
+              <a:t>intermediate</a:t>
+            </a:r>
+            <a:r>
+              <a:rPr lang="zh-CN" altLang="en-US">
+                <a:latin typeface="+mn-ea"/>
+              </a:rPr>
+              <a:t>：用于生成语法树的工具函数</a:t>
+            </a:r>
+            <a:endParaRPr lang="zh-CN" altLang="en-US">
               <a:latin typeface="+mn-ea"/>
             </a:endParaRPr>
           </a:p>
@@ -4026,37 +6145,13 @@
           <a:lstStyle/>
           <a:p>
             <a:r>
-              <a:rPr lang="zh-CN" altLang="en-US" dirty="0"/>
-              <a:t>代码</a:t>
-            </a:r>
-            <a:endParaRPr lang="en-US" dirty="0"/>
+              <a:rPr altLang="zh-CN" dirty="0"/>
+              <a:t>context</a:t>
+            </a:r>
+            <a:endParaRPr altLang="zh-CN" dirty="0"/>
           </a:p>
         </p:txBody>
       </p:sp>
-      <p:pic>
-        <p:nvPicPr>
-          <p:cNvPr id="5" name="图片 4"/>
-          <p:cNvPicPr>
-            <a:picLocks noChangeAspect="1"/>
-          </p:cNvPicPr>
-          <p:nvPr/>
-        </p:nvPicPr>
-        <p:blipFill>
-          <a:blip r:embed="rId1"/>
-          <a:stretch>
-            <a:fillRect/>
-          </a:stretch>
-        </p:blipFill>
-        <p:spPr>
-          <a:xfrm>
-            <a:off x="936625" y="4116705"/>
-            <a:ext cx="6067425" cy="3962400"/>
-          </a:xfrm>
-          <a:prstGeom prst="rect">
-            <a:avLst/>
-          </a:prstGeom>
-        </p:spPr>
-      </p:pic>
     </p:spTree>
   </p:cSld>
   <p:clrMapOvr>
@@ -4094,8 +6189,8 @@
         </p:nvSpPr>
         <p:spPr>
           <a:xfrm>
-            <a:off x="305435" y="1038225"/>
-            <a:ext cx="11346180" cy="5280660"/>
+            <a:off x="313245" y="1038224"/>
+            <a:ext cx="11338560" cy="5280659"/>
           </a:xfrm>
         </p:spPr>
         <p:txBody>
@@ -4106,25 +6201,13 @@
               <a:rPr lang="zh-CN" altLang="en-US" sz="2800" b="1">
                 <a:latin typeface="+mn-ea"/>
               </a:rPr>
-              <a:t>节点</a:t>
+              <a:t>节点基本</a:t>
             </a:r>
             <a:r>
               <a:rPr lang="zh-CN" altLang="en-US" sz="2800" b="1">
                 <a:latin typeface="+mn-ea"/>
               </a:rPr>
-              <a:t>类型</a:t>
-            </a:r>
-            <a:r>
-              <a:rPr lang="en-US" altLang="zh-CN" sz="2800" b="1">
-                <a:latin typeface="+mn-ea"/>
-              </a:rPr>
-              <a:t>1</a:t>
-            </a:r>
-            <a:r>
-              <a:rPr lang="zh-CN" altLang="en-US" sz="2800" b="1">
-                <a:latin typeface="+mn-ea"/>
-              </a:rPr>
-              <a:t>：</a:t>
+              <a:t>类型：</a:t>
             </a:r>
             <a:endParaRPr lang="zh-CN" altLang="en-US" sz="2800" b="1">
               <a:latin typeface="+mn-ea"/>
@@ -4136,491 +6219,238 @@
               <a:rPr lang="zh-CN" altLang="en-US" sz="2400">
                 <a:latin typeface="+mn-ea"/>
               </a:rPr>
-              <a:t>语法树相关结构定义在\glslang\Include\intermediate.h中</a:t>
-            </a:r>
-            <a:endParaRPr lang="zh-CN" altLang="en-US" sz="2400">
+              <a:t>定义代码中任何包含类型的语法符号</a:t>
+            </a:r>
+            <a:endParaRPr lang="en-US" altLang="zh-CN" sz="2400" dirty="0">
               <a:latin typeface="+mn-ea"/>
             </a:endParaRPr>
           </a:p>
           <a:p>
             <a:pPr lvl="1"/>
             <a:r>
-              <a:rPr lang="zh-CN" altLang="en-US" sz="2400">
-                <a:latin typeface="+mn-ea"/>
-              </a:rPr>
-              <a:t>节点的基本类型为</a:t>
-            </a:r>
-            <a:r>
-              <a:rPr lang="zh-CN" altLang="en-US" sz="2400" b="1">
+              <a:rPr lang="zh-CN" altLang="en-US" sz="2400" dirty="0">
+                <a:latin typeface="+mn-ea"/>
+              </a:rPr>
+              <a:t>在文件</a:t>
+            </a:r>
+            <a:r>
+              <a:rPr lang="en-US" altLang="zh-CN" sz="2400" dirty="0">
+                <a:latin typeface="+mn-ea"/>
+              </a:rPr>
+              <a:t>/glslang/Include/Types.h</a:t>
+            </a:r>
+            <a:r>
+              <a:rPr lang="zh-CN" altLang="en-US" sz="2400" dirty="0">
+                <a:latin typeface="+mn-ea"/>
+              </a:rPr>
+              <a:t>中的</a:t>
+            </a:r>
+            <a:r>
+              <a:rPr lang="en-US" altLang="zh-CN" sz="2400" b="1" dirty="0">
                 <a:solidFill>
                   <a:srgbClr val="00B0F0"/>
                 </a:solidFill>
                 <a:latin typeface="+mn-ea"/>
               </a:rPr>
-              <a:t>TIntermNode</a:t>
-            </a:r>
-            <a:r>
-              <a:rPr lang="en-US" altLang="zh-CN" sz="2400" dirty="0">
-                <a:latin typeface="+mn-ea"/>
-              </a:rPr>
-              <a:t>，</a:t>
+              <a:t>TType</a:t>
             </a:r>
             <a:r>
               <a:rPr lang="zh-CN" altLang="en-US" sz="2400" dirty="0">
                 <a:latin typeface="+mn-ea"/>
               </a:rPr>
-              <a:t>只包括一个成员：行号 TSourceLoc </a:t>
-            </a:r>
-            <a:r>
-              <a:rPr lang="zh-CN" altLang="en-US" sz="2400" b="1" dirty="0">
-                <a:solidFill>
-                  <a:srgbClr val="00B050"/>
-                </a:solidFill>
+              <a:t>类</a:t>
+            </a:r>
+            <a:r>
+              <a:rPr lang="zh-CN" altLang="en-US" sz="2400" dirty="0">
+                <a:latin typeface="+mn-ea"/>
+              </a:rPr>
+              <a:t>定义</a:t>
+            </a:r>
+            <a:endParaRPr lang="zh-CN" altLang="en-US" sz="2400" dirty="0">
+              <a:latin typeface="+mn-ea"/>
+            </a:endParaRPr>
+          </a:p>
+          <a:p>
+            <a:pPr lvl="1"/>
+            <a:r>
+              <a:rPr lang="zh-CN" altLang="en-US" sz="2400" dirty="0">
+                <a:latin typeface="+mn-ea"/>
+              </a:rPr>
+              <a:t>其中：</a:t>
+            </a:r>
+            <a:endParaRPr lang="zh-CN" altLang="en-US" sz="2400" dirty="0">
+              <a:latin typeface="+mn-ea"/>
+            </a:endParaRPr>
+          </a:p>
+          <a:p>
+            <a:pPr lvl="2"/>
+            <a:r>
+              <a:rPr lang="en-US" altLang="zh-CN" sz="2000" b="1" dirty="0">
+                <a:solidFill>
+                  <a:srgbClr val="00B0F0"/>
+                </a:solidFill>
+                <a:latin typeface="+mn-ea"/>
+              </a:rPr>
+              <a:t>TBasicType </a:t>
+            </a:r>
+            <a:r>
+              <a:rPr lang="en-US" altLang="zh-CN" sz="2000" dirty="0">
+                <a:latin typeface="+mn-ea"/>
+              </a:rPr>
+              <a:t>type</a:t>
+            </a:r>
+            <a:r>
+              <a:rPr lang="zh-CN" altLang="en-US" sz="2000" dirty="0">
+                <a:latin typeface="+mn-ea"/>
+              </a:rPr>
+              <a:t>；定义了基本类型的枚举值，包括整型浮点，采样等</a:t>
+            </a:r>
+            <a:endParaRPr lang="zh-CN" altLang="en-US" sz="2000" dirty="0">
+              <a:latin typeface="+mn-ea"/>
+            </a:endParaRPr>
+          </a:p>
+          <a:p>
+            <a:pPr lvl="2"/>
+            <a:r>
+              <a:rPr lang="en-US" altLang="zh-CN" sz="2000" b="1" dirty="0">
+                <a:solidFill>
+                  <a:srgbClr val="00B0F0"/>
+                </a:solidFill>
+                <a:latin typeface="+mn-ea"/>
+              </a:rPr>
+              <a:t>TQualifiler </a:t>
+            </a:r>
+            <a:r>
+              <a:rPr lang="en-US" altLang="zh-CN" sz="2000" dirty="0">
+                <a:latin typeface="+mn-ea"/>
+              </a:rPr>
+              <a:t>qualifier</a:t>
+            </a:r>
+            <a:r>
+              <a:rPr lang="zh-CN" altLang="en-US" sz="2000" dirty="0">
+                <a:latin typeface="+mn-ea"/>
+              </a:rPr>
+              <a:t>；定义了限定符的枚举值，包括</a:t>
+            </a:r>
+            <a:r>
+              <a:rPr lang="en-US" altLang="zh-CN" sz="2000" dirty="0">
+                <a:latin typeface="+mn-ea"/>
+              </a:rPr>
+              <a:t>global in out</a:t>
+            </a:r>
+            <a:r>
+              <a:rPr lang="zh-CN" altLang="en-US" sz="2000" dirty="0">
+                <a:latin typeface="+mn-ea"/>
+              </a:rPr>
+              <a:t>等</a:t>
+            </a:r>
+            <a:endParaRPr lang="zh-CN" altLang="en-US" sz="2000" dirty="0">
+              <a:latin typeface="+mn-ea"/>
+            </a:endParaRPr>
+          </a:p>
+          <a:p>
+            <a:pPr lvl="2"/>
+            <a:r>
+              <a:rPr lang="zh-CN" altLang="en-US" sz="2000" dirty="0">
+                <a:latin typeface="+mn-ea"/>
+              </a:rPr>
+              <a:t>如果该类型为结构体类型，定义在</a:t>
+            </a:r>
+            <a:r>
+              <a:rPr lang="en-US" altLang="zh-CN" sz="2000" b="1" dirty="0">
+                <a:solidFill>
+                  <a:srgbClr val="00B0F0"/>
+                </a:solidFill>
+                <a:latin typeface="+mn-ea"/>
+              </a:rPr>
+              <a:t>TTypeList*</a:t>
+            </a:r>
+            <a:r>
+              <a:rPr lang="en-US" altLang="zh-CN" sz="2000" dirty="0">
+                <a:latin typeface="+mn-ea"/>
+              </a:rPr>
+              <a:t> structure;</a:t>
+            </a:r>
+            <a:r>
+              <a:rPr lang="zh-CN" altLang="en-US" sz="2000" dirty="0">
+                <a:latin typeface="+mn-ea"/>
+              </a:rPr>
+              <a:t>中</a:t>
+            </a:r>
+            <a:endParaRPr lang="zh-CN" altLang="en-US" sz="2000" dirty="0">
+              <a:latin typeface="+mn-ea"/>
+            </a:endParaRPr>
+          </a:p>
+          <a:p>
+            <a:pPr lvl="3"/>
+            <a:r>
+              <a:rPr lang="zh-CN" altLang="en-US" dirty="0">
+                <a:latin typeface="+mn-ea"/>
+              </a:rPr>
+              <a:t>该类型是一个</a:t>
+            </a:r>
+            <a:r>
+              <a:rPr lang="en-US" altLang="zh-CN" dirty="0">
+                <a:latin typeface="+mn-ea"/>
+              </a:rPr>
+              <a:t>TTypeLine</a:t>
+            </a:r>
+            <a:r>
+              <a:rPr lang="zh-CN" altLang="en-US" dirty="0">
+                <a:latin typeface="+mn-ea"/>
+              </a:rPr>
+              <a:t>的向量。</a:t>
+            </a:r>
+            <a:r>
+              <a:rPr lang="en-US" altLang="zh-CN" dirty="0">
+                <a:latin typeface="+mn-ea"/>
+              </a:rPr>
+              <a:t>TTypeLine</a:t>
+            </a:r>
+            <a:r>
+              <a:rPr lang="zh-CN" altLang="en-US" dirty="0">
+                <a:latin typeface="+mn-ea"/>
+              </a:rPr>
+              <a:t>是包含</a:t>
+            </a:r>
+            <a:r>
+              <a:rPr lang="en-US" altLang="zh-CN" dirty="0">
+                <a:latin typeface="+mn-ea"/>
+              </a:rPr>
+              <a:t>TType</a:t>
+            </a:r>
+            <a:r>
+              <a:rPr lang="zh-CN" altLang="en-US" dirty="0">
+                <a:latin typeface="+mn-ea"/>
+              </a:rPr>
+              <a:t>和</a:t>
+            </a:r>
+            <a:r>
+              <a:rPr lang="en-US" altLang="zh-CN" dirty="0">
                 <a:latin typeface="+mn-ea"/>
               </a:rPr>
               <a:t>line</a:t>
             </a:r>
             <a:r>
-              <a:rPr lang="zh-CN" altLang="en-US" sz="2400" dirty="0">
-                <a:latin typeface="+mn-ea"/>
-              </a:rPr>
-              <a:t>；</a:t>
-            </a:r>
-            <a:endParaRPr lang="zh-CN" altLang="en-US" sz="2400" dirty="0">
+              <a:rPr lang="zh-CN" altLang="en-US" dirty="0">
+                <a:latin typeface="+mn-ea"/>
+              </a:rPr>
+              <a:t>的结构体</a:t>
+            </a:r>
+            <a:endParaRPr lang="zh-CN" altLang="en-US" dirty="0">
+              <a:latin typeface="+mn-ea"/>
+            </a:endParaRPr>
+          </a:p>
+          <a:p>
+            <a:pPr lvl="2"/>
+            <a:endParaRPr lang="en-US" altLang="zh-CN" dirty="0">
               <a:latin typeface="+mn-ea"/>
             </a:endParaRPr>
           </a:p>
           <a:p>
             <a:pPr lvl="1"/>
-            <a:r>
-              <a:rPr lang="zh-CN" altLang="en-US" sz="2400" dirty="0">
-                <a:latin typeface="+mn-ea"/>
-              </a:rPr>
-              <a:t>其他节点类型均派生自该类。包括：</a:t>
-            </a:r>
-            <a:endParaRPr lang="zh-CN" altLang="en-US" sz="2400" dirty="0">
-              <a:latin typeface="+mn-ea"/>
-            </a:endParaRPr>
-          </a:p>
-          <a:p>
-            <a:pPr lvl="2"/>
-            <a:r>
-              <a:rPr lang="zh-CN" altLang="en-US" sz="2000" b="1">
-                <a:solidFill>
-                  <a:srgbClr val="00B0F0"/>
-                </a:solidFill>
-                <a:latin typeface="+mn-ea"/>
-              </a:rPr>
-              <a:t>TIntermTyped</a:t>
-            </a:r>
-            <a:r>
-              <a:rPr lang="zh-CN" altLang="en-US" sz="2000">
-                <a:latin typeface="+mn-ea"/>
-              </a:rPr>
-              <a:t>：包含类型的节点。包含一个成员：TType </a:t>
-            </a:r>
-            <a:r>
-              <a:rPr lang="zh-CN" altLang="en-US" sz="2000" b="1">
-                <a:solidFill>
-                  <a:srgbClr val="00B050"/>
-                </a:solidFill>
-                <a:latin typeface="+mn-ea"/>
-              </a:rPr>
-              <a:t>type</a:t>
-            </a:r>
-            <a:r>
-              <a:rPr lang="zh-CN" altLang="en-US" sz="2000">
-                <a:latin typeface="+mn-ea"/>
-              </a:rPr>
-              <a:t>;</a:t>
-            </a:r>
-            <a:endParaRPr lang="zh-CN" altLang="en-US" sz="2000">
-              <a:latin typeface="+mn-ea"/>
-            </a:endParaRPr>
-          </a:p>
-          <a:p>
-            <a:pPr lvl="3"/>
-            <a:r>
-              <a:rPr lang="zh-CN" altLang="en-US" b="1">
-                <a:solidFill>
-                  <a:srgbClr val="00B0F0"/>
-                </a:solidFill>
-                <a:latin typeface="+mn-ea"/>
-              </a:rPr>
-              <a:t>TIntermSymbol</a:t>
-            </a:r>
-            <a:r>
-              <a:rPr lang="zh-CN" altLang="en-US">
-                <a:latin typeface="+mn-ea"/>
-              </a:rPr>
-              <a:t>：symbols 节点。包含两个成员：</a:t>
-            </a:r>
-            <a:r>
-              <a:rPr lang="en-US" altLang="zh-CN" b="1">
-                <a:solidFill>
-                  <a:srgbClr val="00B050"/>
-                </a:solidFill>
-                <a:latin typeface="+mn-ea"/>
-              </a:rPr>
-              <a:t>id </a:t>
-            </a:r>
-            <a:r>
-              <a:rPr lang="zh-CN" altLang="en-US">
-                <a:latin typeface="+mn-ea"/>
-              </a:rPr>
-              <a:t>和符号名 </a:t>
-            </a:r>
-            <a:r>
-              <a:rPr lang="zh-CN" altLang="en-US" b="1">
-                <a:solidFill>
-                  <a:srgbClr val="00B050"/>
-                </a:solidFill>
-                <a:latin typeface="+mn-ea"/>
-              </a:rPr>
-              <a:t>symbol</a:t>
-            </a:r>
-            <a:endParaRPr lang="zh-CN" altLang="en-US">
-              <a:latin typeface="+mn-ea"/>
-            </a:endParaRPr>
-          </a:p>
-          <a:p>
-            <a:pPr lvl="3"/>
-            <a:r>
-              <a:rPr lang="zh-CN" altLang="en-US" b="1">
-                <a:solidFill>
-                  <a:srgbClr val="00B0F0"/>
-                </a:solidFill>
-                <a:latin typeface="+mn-ea"/>
-              </a:rPr>
-              <a:t>TIntermConstantUnion</a:t>
-            </a:r>
-            <a:r>
-              <a:rPr lang="zh-CN" altLang="en-US">
-                <a:latin typeface="+mn-ea"/>
-              </a:rPr>
-              <a:t>：</a:t>
-            </a:r>
-            <a:r>
-              <a:rPr lang="zh-CN" altLang="en-US">
-                <a:latin typeface="+mn-ea"/>
-                <a:sym typeface="+mn-ea"/>
-              </a:rPr>
-              <a:t>constants 节点。</a:t>
-            </a:r>
-            <a:endParaRPr lang="zh-CN" altLang="en-US">
-              <a:latin typeface="+mn-ea"/>
-              <a:sym typeface="+mn-ea"/>
-            </a:endParaRPr>
-          </a:p>
-          <a:p>
-            <a:pPr lvl="3"/>
-            <a:r>
-              <a:rPr lang="zh-CN" altLang="en-US" b="1">
-                <a:solidFill>
-                  <a:srgbClr val="00B0F0"/>
-                </a:solidFill>
-                <a:latin typeface="+mn-ea"/>
-              </a:rPr>
-              <a:t>TIntermOperator</a:t>
-            </a:r>
-            <a:r>
-              <a:rPr lang="zh-CN" altLang="en-US">
-                <a:latin typeface="+mn-ea"/>
-                <a:sym typeface="+mn-ea"/>
-              </a:rPr>
-              <a:t>：操作符的节点。</a:t>
-            </a:r>
-            <a:r>
-              <a:rPr lang="zh-CN" altLang="en-US">
-                <a:latin typeface="+mn-ea"/>
-                <a:sym typeface="+mn-ea"/>
-              </a:rPr>
-              <a:t>包含一个成员：操作符类型的枚举值 </a:t>
-            </a:r>
-            <a:r>
-              <a:rPr lang="zh-CN" altLang="en-US" b="1">
-                <a:solidFill>
-                  <a:srgbClr val="00B0F0"/>
-                </a:solidFill>
-                <a:latin typeface="+mn-ea"/>
-                <a:sym typeface="+mn-ea"/>
-              </a:rPr>
-              <a:t>TOperator </a:t>
-            </a:r>
-            <a:r>
-              <a:rPr lang="zh-CN" altLang="en-US" b="1">
-                <a:solidFill>
-                  <a:srgbClr val="00B050"/>
-                </a:solidFill>
-                <a:latin typeface="+mn-ea"/>
-                <a:sym typeface="+mn-ea"/>
-              </a:rPr>
-              <a:t>op</a:t>
-            </a:r>
-            <a:r>
-              <a:rPr lang="zh-CN" altLang="en-US">
-                <a:latin typeface="+mn-ea"/>
-                <a:sym typeface="+mn-ea"/>
-              </a:rPr>
-              <a:t>;</a:t>
-            </a:r>
-            <a:endParaRPr lang="zh-CN" altLang="en-US">
-              <a:latin typeface="+mn-ea"/>
-              <a:sym typeface="+mn-ea"/>
-            </a:endParaRPr>
-          </a:p>
-          <a:p>
-            <a:pPr lvl="4"/>
-            <a:r>
-              <a:rPr lang="zh-CN" altLang="en-US" sz="1800" b="1">
-                <a:solidFill>
-                  <a:srgbClr val="00B0F0"/>
-                </a:solidFill>
-                <a:latin typeface="+mn-ea"/>
-                <a:sym typeface="+mn-ea"/>
-              </a:rPr>
-              <a:t>TIntermBinary</a:t>
-            </a:r>
-            <a:r>
-              <a:rPr lang="zh-CN" altLang="en-US" sz="1800">
-                <a:latin typeface="+mn-ea"/>
-                <a:sym typeface="+mn-ea"/>
-              </a:rPr>
-              <a:t>：二元操作符节点。包含两个成员：左右操作数 TIntermTyped* </a:t>
-            </a:r>
-            <a:r>
-              <a:rPr lang="zh-CN" altLang="en-US" sz="1800" b="1">
-                <a:solidFill>
-                  <a:srgbClr val="00B050"/>
-                </a:solidFill>
-                <a:latin typeface="+mn-ea"/>
-                <a:sym typeface="+mn-ea"/>
-              </a:rPr>
-              <a:t>left</a:t>
-            </a:r>
-            <a:r>
-              <a:rPr lang="en-US" altLang="zh-CN" sz="1800">
-                <a:latin typeface="+mn-ea"/>
-                <a:sym typeface="+mn-ea"/>
-              </a:rPr>
-              <a:t>/</a:t>
-            </a:r>
-            <a:r>
-              <a:rPr lang="en-US" altLang="zh-CN" sz="1800" b="1">
-                <a:solidFill>
-                  <a:srgbClr val="00B050"/>
-                </a:solidFill>
-                <a:latin typeface="+mn-ea"/>
-                <a:sym typeface="+mn-ea"/>
-              </a:rPr>
-              <a:t>right</a:t>
-            </a:r>
-            <a:r>
-              <a:rPr lang="zh-CN" altLang="en-US" sz="1800">
-                <a:latin typeface="+mn-ea"/>
-                <a:sym typeface="+mn-ea"/>
-              </a:rPr>
-              <a:t>;</a:t>
-            </a:r>
-            <a:endParaRPr lang="zh-CN" altLang="en-US" sz="1800">
-              <a:latin typeface="+mn-ea"/>
-              <a:sym typeface="+mn-ea"/>
-            </a:endParaRPr>
-          </a:p>
-          <a:p>
-            <a:pPr lvl="4"/>
-            <a:r>
-              <a:rPr lang="zh-CN" altLang="en-US" sz="1800" b="1">
-                <a:solidFill>
-                  <a:srgbClr val="00B0F0"/>
-                </a:solidFill>
-                <a:latin typeface="+mn-ea"/>
-                <a:sym typeface="+mn-ea"/>
-              </a:rPr>
-              <a:t>TIntermUnary</a:t>
-            </a:r>
-            <a:r>
-              <a:rPr lang="zh-CN" altLang="en-US" sz="1800">
-                <a:latin typeface="+mn-ea"/>
-                <a:sym typeface="+mn-ea"/>
-              </a:rPr>
-              <a:t>：一元操作符节点。包含一个成员：操作数 TIntermTyped* </a:t>
-            </a:r>
-            <a:r>
-              <a:rPr lang="zh-CN" altLang="en-US" sz="1800" b="1">
-                <a:solidFill>
-                  <a:srgbClr val="00B050"/>
-                </a:solidFill>
-                <a:latin typeface="+mn-ea"/>
-                <a:sym typeface="+mn-ea"/>
-              </a:rPr>
-              <a:t>operand</a:t>
-            </a:r>
-            <a:r>
-              <a:rPr lang="zh-CN" altLang="en-US" sz="1800">
-                <a:latin typeface="+mn-ea"/>
-                <a:sym typeface="+mn-ea"/>
-              </a:rPr>
-              <a:t>;</a:t>
-            </a:r>
-            <a:endParaRPr lang="zh-CN" altLang="en-US" sz="1800">
-              <a:latin typeface="+mn-ea"/>
-              <a:sym typeface="+mn-ea"/>
-            </a:endParaRPr>
-          </a:p>
-          <a:p>
-            <a:pPr lvl="4"/>
-            <a:r>
-              <a:rPr lang="zh-CN" altLang="en-US" sz="1800" b="1">
-                <a:solidFill>
-                  <a:srgbClr val="00B0F0"/>
-                </a:solidFill>
-                <a:latin typeface="+mn-ea"/>
-                <a:sym typeface="+mn-ea"/>
-              </a:rPr>
-              <a:t>TIntermAggregate</a:t>
-            </a:r>
-            <a:r>
-              <a:rPr lang="zh-CN" altLang="en-US" sz="1800">
-                <a:latin typeface="+mn-ea"/>
-                <a:sym typeface="+mn-ea"/>
-              </a:rPr>
-              <a:t>：包含多个操作数的节点。见后</a:t>
-            </a:r>
-            <a:endParaRPr lang="zh-CN" altLang="en-US" sz="1800">
-              <a:latin typeface="+mn-ea"/>
-              <a:sym typeface="+mn-ea"/>
-            </a:endParaRPr>
-          </a:p>
-          <a:p>
-            <a:pPr lvl="3"/>
-            <a:r>
-              <a:rPr lang="zh-CN" altLang="en-US" b="1">
-                <a:solidFill>
-                  <a:srgbClr val="00B0F0"/>
-                </a:solidFill>
-                <a:latin typeface="+mn-ea"/>
-              </a:rPr>
-              <a:t>TIntermSelection</a:t>
-            </a:r>
-            <a:r>
-              <a:rPr lang="zh-CN" altLang="en-US">
-                <a:latin typeface="+mn-ea"/>
-                <a:sym typeface="+mn-ea"/>
-              </a:rPr>
-              <a:t>：</a:t>
-            </a:r>
-            <a:r>
-              <a:rPr lang="en-US" altLang="zh-CN">
-                <a:latin typeface="+mn-ea"/>
-                <a:sym typeface="+mn-ea"/>
-              </a:rPr>
-              <a:t>if</a:t>
-            </a:r>
-            <a:r>
-              <a:rPr lang="zh-CN" altLang="en-US">
-                <a:latin typeface="+mn-ea"/>
-                <a:sym typeface="+mn-ea"/>
-              </a:rPr>
-              <a:t>测试</a:t>
-            </a:r>
-            <a:r>
-              <a:rPr lang="en-US" altLang="zh-CN">
-                <a:latin typeface="+mn-ea"/>
-                <a:sym typeface="+mn-ea"/>
-              </a:rPr>
-              <a:t>,</a:t>
-            </a:r>
-            <a:r>
-              <a:rPr lang="zh-CN" altLang="en-US">
-                <a:latin typeface="+mn-ea"/>
-                <a:sym typeface="+mn-ea"/>
-              </a:rPr>
-              <a:t>目前不支持</a:t>
-            </a:r>
-            <a:r>
-              <a:rPr lang="en-US" altLang="zh-CN">
-                <a:latin typeface="+mn-ea"/>
-                <a:sym typeface="+mn-ea"/>
-              </a:rPr>
-              <a:t>switch</a:t>
-            </a:r>
-            <a:r>
-              <a:rPr lang="zh-CN" altLang="en-US">
-                <a:latin typeface="+mn-ea"/>
-                <a:sym typeface="+mn-ea"/>
-              </a:rPr>
-              <a:t>。见后</a:t>
-            </a:r>
-            <a:r>
-              <a:rPr lang="en-US" altLang="zh-CN" dirty="0">
-                <a:latin typeface="+mn-ea"/>
-              </a:rPr>
-              <a:t>;</a:t>
-            </a:r>
-            <a:endParaRPr lang="en-US" altLang="zh-CN" dirty="0">
-              <a:latin typeface="+mn-ea"/>
-            </a:endParaRPr>
-          </a:p>
-          <a:p>
-            <a:pPr lvl="2"/>
-            <a:r>
-              <a:rPr lang="zh-CN" altLang="en-US" sz="2000" b="1">
-                <a:solidFill>
-                  <a:srgbClr val="00B0F0"/>
-                </a:solidFill>
-                <a:latin typeface="+mn-ea"/>
-                <a:sym typeface="+mn-ea"/>
-              </a:rPr>
-              <a:t>TIntermLoop</a:t>
-            </a:r>
-            <a:r>
-              <a:rPr lang="zh-CN" altLang="en-US" sz="2000">
-                <a:latin typeface="+mn-ea"/>
-                <a:sym typeface="+mn-ea"/>
-              </a:rPr>
-              <a:t>：</a:t>
-            </a:r>
-            <a:r>
-              <a:rPr lang="en-US" altLang="zh-CN" sz="2000">
-                <a:latin typeface="+mn-ea"/>
-                <a:sym typeface="+mn-ea"/>
-              </a:rPr>
-              <a:t>while</a:t>
-            </a:r>
-            <a:r>
-              <a:rPr lang="zh-CN" altLang="en-US" sz="2000">
-                <a:latin typeface="+mn-ea"/>
-                <a:sym typeface="+mn-ea"/>
-              </a:rPr>
-              <a:t>循环的节点。见后</a:t>
-            </a:r>
-            <a:endParaRPr lang="zh-CN" altLang="en-US" sz="2000">
-              <a:latin typeface="+mn-ea"/>
-            </a:endParaRPr>
-          </a:p>
-          <a:p>
-            <a:pPr lvl="2"/>
-            <a:r>
-              <a:rPr lang="zh-CN" altLang="en-US" sz="2000" b="1">
-                <a:solidFill>
-                  <a:srgbClr val="00B0F0"/>
-                </a:solidFill>
-                <a:latin typeface="+mn-ea"/>
-                <a:sym typeface="+mn-ea"/>
-              </a:rPr>
-              <a:t>TIntermBranch</a:t>
-            </a:r>
-            <a:r>
-              <a:rPr lang="zh-CN" altLang="en-US" sz="2000">
-                <a:latin typeface="+mn-ea"/>
-                <a:sym typeface="+mn-ea"/>
-              </a:rPr>
-              <a:t>：break, continue, return的节点。见后</a:t>
-            </a:r>
-            <a:endParaRPr lang="zh-CN" altLang="en-US" sz="2000">
-              <a:latin typeface="+mn-ea"/>
-              <a:sym typeface="+mn-ea"/>
+            <a:endParaRPr lang="zh-CN" altLang="en-US" dirty="0">
+              <a:latin typeface="+mn-ea"/>
             </a:endParaRPr>
           </a:p>
         </p:txBody>
@@ -4675,6 +6505,30 @@
           </a:p>
         </p:txBody>
       </p:sp>
+      <p:pic>
+        <p:nvPicPr>
+          <p:cNvPr id="5" name="图片 4"/>
+          <p:cNvPicPr>
+            <a:picLocks noChangeAspect="1"/>
+          </p:cNvPicPr>
+          <p:nvPr/>
+        </p:nvPicPr>
+        <p:blipFill>
+          <a:blip r:embed="rId1"/>
+          <a:stretch>
+            <a:fillRect/>
+          </a:stretch>
+        </p:blipFill>
+        <p:spPr>
+          <a:xfrm>
+            <a:off x="936625" y="4116705"/>
+            <a:ext cx="6067425" cy="3962400"/>
+          </a:xfrm>
+          <a:prstGeom prst="rect">
+            <a:avLst/>
+          </a:prstGeom>
+        </p:spPr>
+      </p:pic>
     </p:spTree>
   </p:cSld>
   <p:clrMapOvr>
@@ -4712,8 +6566,8 @@
         </p:nvSpPr>
         <p:spPr>
           <a:xfrm>
-            <a:off x="313245" y="1038224"/>
-            <a:ext cx="11338560" cy="5280659"/>
+            <a:off x="305435" y="1038225"/>
+            <a:ext cx="11346180" cy="5280660"/>
           </a:xfrm>
         </p:spPr>
         <p:txBody>
@@ -4723,7 +6577,6 @@
             <a:r>
               <a:rPr lang="zh-CN" altLang="en-US" sz="2800" b="1">
                 <a:latin typeface="+mn-ea"/>
-                <a:sym typeface="+mn-ea"/>
               </a:rPr>
               <a:t>节点</a:t>
             </a:r>
@@ -4737,7 +6590,7 @@
               <a:rPr lang="en-US" altLang="zh-CN" sz="2800" b="1">
                 <a:latin typeface="+mn-ea"/>
               </a:rPr>
-              <a:t>2</a:t>
+              <a:t>1</a:t>
             </a:r>
             <a:r>
               <a:rPr lang="zh-CN" altLang="en-US" sz="2800" b="1">
@@ -4750,38 +6603,183 @@
             </a:endParaRPr>
           </a:p>
           <a:p>
+            <a:pPr lvl="1"/>
+            <a:r>
+              <a:rPr lang="zh-CN" altLang="en-US" sz="2400">
+                <a:latin typeface="+mn-ea"/>
+              </a:rPr>
+              <a:t>语法树相关结构定义在\glslang\Include\intermediate.h中</a:t>
+            </a:r>
+            <a:endParaRPr lang="zh-CN" altLang="en-US" sz="2400">
+              <a:latin typeface="+mn-ea"/>
+            </a:endParaRPr>
+          </a:p>
+          <a:p>
+            <a:pPr lvl="1"/>
+            <a:r>
+              <a:rPr lang="zh-CN" altLang="en-US" sz="2400">
+                <a:latin typeface="+mn-ea"/>
+              </a:rPr>
+              <a:t>节点的基本类型为</a:t>
+            </a:r>
+            <a:r>
+              <a:rPr lang="zh-CN" altLang="en-US" sz="2400" b="1">
+                <a:solidFill>
+                  <a:srgbClr val="00B0F0"/>
+                </a:solidFill>
+                <a:latin typeface="+mn-ea"/>
+              </a:rPr>
+              <a:t>TIntermNode</a:t>
+            </a:r>
+            <a:r>
+              <a:rPr lang="en-US" altLang="zh-CN" sz="2400" dirty="0">
+                <a:latin typeface="+mn-ea"/>
+              </a:rPr>
+              <a:t>，</a:t>
+            </a:r>
+            <a:r>
+              <a:rPr lang="zh-CN" altLang="en-US" sz="2400" dirty="0">
+                <a:latin typeface="+mn-ea"/>
+              </a:rPr>
+              <a:t>只包括一个成员：行号 TSourceLoc </a:t>
+            </a:r>
+            <a:r>
+              <a:rPr lang="zh-CN" altLang="en-US" sz="2400" b="1" dirty="0">
+                <a:solidFill>
+                  <a:srgbClr val="00B050"/>
+                </a:solidFill>
+                <a:latin typeface="+mn-ea"/>
+              </a:rPr>
+              <a:t>line</a:t>
+            </a:r>
+            <a:r>
+              <a:rPr lang="zh-CN" altLang="en-US" sz="2400" dirty="0">
+                <a:latin typeface="+mn-ea"/>
+              </a:rPr>
+              <a:t>；</a:t>
+            </a:r>
+            <a:endParaRPr lang="zh-CN" altLang="en-US" sz="2400" dirty="0">
+              <a:latin typeface="+mn-ea"/>
+            </a:endParaRPr>
+          </a:p>
+          <a:p>
+            <a:pPr lvl="1"/>
+            <a:r>
+              <a:rPr lang="zh-CN" altLang="en-US" sz="2400" dirty="0">
+                <a:latin typeface="+mn-ea"/>
+              </a:rPr>
+              <a:t>其他节点类型均派生自该类。包括：</a:t>
+            </a:r>
+            <a:endParaRPr lang="zh-CN" altLang="en-US" sz="2400" dirty="0">
+              <a:latin typeface="+mn-ea"/>
+            </a:endParaRPr>
+          </a:p>
+          <a:p>
             <a:pPr lvl="2"/>
             <a:r>
-              <a:rPr lang="zh-CN" altLang="en-US" sz="1995" b="1">
+              <a:rPr lang="zh-CN" altLang="en-US" sz="2000" b="1">
                 <a:solidFill>
                   <a:srgbClr val="00B0F0"/>
                 </a:solidFill>
                 <a:latin typeface="+mn-ea"/>
               </a:rPr>
-              <a:t>TIntermSequence</a:t>
-            </a:r>
-            <a:r>
-              <a:rPr lang="zh-CN" altLang="en-US" sz="1995">
-                <a:latin typeface="+mn-ea"/>
-                <a:sym typeface="+mn-ea"/>
+              <a:t>TIntermTyped</a:t>
+            </a:r>
+            <a:r>
+              <a:rPr lang="zh-CN" altLang="en-US" sz="2000">
+                <a:latin typeface="+mn-ea"/>
+              </a:rPr>
+              <a:t>：包含类型的节点。包含一个成员：TType </a:t>
+            </a:r>
+            <a:r>
+              <a:rPr lang="zh-CN" altLang="en-US" sz="2000" b="1">
+                <a:solidFill>
+                  <a:srgbClr val="00B050"/>
+                </a:solidFill>
+                <a:latin typeface="+mn-ea"/>
+              </a:rPr>
+              <a:t>type</a:t>
+            </a:r>
+            <a:r>
+              <a:rPr lang="zh-CN" altLang="en-US" sz="2000">
+                <a:latin typeface="+mn-ea"/>
+              </a:rPr>
+              <a:t>;</a:t>
+            </a:r>
+            <a:endParaRPr lang="zh-CN" altLang="en-US" sz="2000">
+              <a:latin typeface="+mn-ea"/>
+            </a:endParaRPr>
+          </a:p>
+          <a:p>
+            <a:pPr lvl="3"/>
+            <a:r>
+              <a:rPr lang="zh-CN" altLang="en-US" b="1">
+                <a:solidFill>
+                  <a:srgbClr val="00B0F0"/>
+                </a:solidFill>
+                <a:latin typeface="+mn-ea"/>
+              </a:rPr>
+              <a:t>TIntermSymbol</a:t>
+            </a:r>
+            <a:r>
+              <a:rPr lang="zh-CN" altLang="en-US">
+                <a:latin typeface="+mn-ea"/>
+              </a:rPr>
+              <a:t>：symbols 节点。包含两个成员：</a:t>
+            </a:r>
+            <a:r>
+              <a:rPr lang="en-US" altLang="zh-CN" b="1">
+                <a:solidFill>
+                  <a:srgbClr val="00B050"/>
+                </a:solidFill>
+                <a:latin typeface="+mn-ea"/>
+              </a:rPr>
+              <a:t>id </a:t>
+            </a:r>
+            <a:r>
+              <a:rPr lang="zh-CN" altLang="en-US">
+                <a:latin typeface="+mn-ea"/>
+              </a:rPr>
+              <a:t>和符号名 </a:t>
+            </a:r>
+            <a:r>
+              <a:rPr lang="zh-CN" altLang="en-US" b="1">
+                <a:solidFill>
+                  <a:srgbClr val="00B050"/>
+                </a:solidFill>
+                <a:latin typeface="+mn-ea"/>
+              </a:rPr>
+              <a:t>symbol</a:t>
+            </a:r>
+            <a:endParaRPr lang="zh-CN" altLang="en-US">
+              <a:latin typeface="+mn-ea"/>
+            </a:endParaRPr>
+          </a:p>
+          <a:p>
+            <a:pPr lvl="3"/>
+            <a:r>
+              <a:rPr lang="zh-CN" altLang="en-US" b="1">
+                <a:solidFill>
+                  <a:srgbClr val="00B0F0"/>
+                </a:solidFill>
+                <a:latin typeface="+mn-ea"/>
+              </a:rPr>
+              <a:t>TIntermConstantUnion</a:t>
+            </a:r>
+            <a:r>
+              <a:rPr lang="zh-CN" altLang="en-US">
+                <a:latin typeface="+mn-ea"/>
               </a:rPr>
               <a:t>：</a:t>
             </a:r>
             <a:r>
-              <a:rPr lang="zh-CN" altLang="en-US" sz="1995">
-                <a:latin typeface="+mn-ea"/>
-                <a:sym typeface="+mn-ea"/>
-              </a:rPr>
-              <a:t>包含多个操作数的节点。</a:t>
-            </a:r>
-            <a:r>
-              <a:rPr lang="zh-CN" altLang="en-US" sz="1995">
-                <a:latin typeface="+mn-ea"/>
-                <a:sym typeface="+mn-ea"/>
-              </a:rPr>
-              <a:t>包含如下成员：</a:t>
-            </a:r>
-            <a:endParaRPr lang="zh-CN" altLang="en-US" sz="1995">
+              <a:rPr lang="zh-CN" altLang="en-US">
+                <a:latin typeface="+mn-ea"/>
+                <a:sym typeface="+mn-ea"/>
+              </a:rPr>
+              <a:t>constants 节点。</a:t>
+            </a:r>
+            <a:endParaRPr lang="zh-CN" altLang="en-US">
               <a:latin typeface="+mn-ea"/>
               <a:sym typeface="+mn-ea"/>
             </a:endParaRPr>
@@ -4789,527 +6787,312 @@
           <a:p>
             <a:pPr lvl="3"/>
             <a:r>
+              <a:rPr lang="zh-CN" altLang="en-US" b="1">
+                <a:solidFill>
+                  <a:srgbClr val="00B0F0"/>
+                </a:solidFill>
+                <a:latin typeface="+mn-ea"/>
+              </a:rPr>
+              <a:t>TIntermOperator</a:t>
+            </a:r>
+            <a:r>
               <a:rPr lang="zh-CN" altLang="en-US">
                 <a:latin typeface="+mn-ea"/>
                 <a:sym typeface="+mn-ea"/>
               </a:rPr>
-              <a:t>TQualifierList </a:t>
+              <a:t>：操作符的节点。</a:t>
+            </a:r>
+            <a:r>
+              <a:rPr lang="zh-CN" altLang="en-US">
+                <a:latin typeface="+mn-ea"/>
+                <a:sym typeface="+mn-ea"/>
+              </a:rPr>
+              <a:t>包含一个成员：操作符类型的枚举值 </a:t>
             </a:r>
             <a:r>
               <a:rPr lang="zh-CN" altLang="en-US" b="1">
                 <a:solidFill>
+                  <a:srgbClr val="00B0F0"/>
+                </a:solidFill>
+                <a:latin typeface="+mn-ea"/>
+                <a:sym typeface="+mn-ea"/>
+              </a:rPr>
+              <a:t>TOperator </a:t>
+            </a:r>
+            <a:r>
+              <a:rPr lang="zh-CN" altLang="en-US" b="1">
+                <a:solidFill>
                   <a:srgbClr val="00B050"/>
                 </a:solidFill>
                 <a:latin typeface="+mn-ea"/>
                 <a:sym typeface="+mn-ea"/>
               </a:rPr>
-              <a:t>qualifier</a:t>
+              <a:t>op</a:t>
             </a:r>
             <a:r>
               <a:rPr lang="zh-CN" altLang="en-US">
                 <a:latin typeface="+mn-ea"/>
                 <a:sym typeface="+mn-ea"/>
               </a:rPr>
-              <a:t>：所有</a:t>
+              <a:t>;</a:t>
+            </a:r>
+            <a:endParaRPr lang="zh-CN" altLang="en-US">
+              <a:latin typeface="+mn-ea"/>
+              <a:sym typeface="+mn-ea"/>
+            </a:endParaRPr>
+          </a:p>
+          <a:p>
+            <a:pPr lvl="4"/>
+            <a:r>
+              <a:rPr lang="zh-CN" altLang="en-US" sz="1800" b="1">
+                <a:solidFill>
+                  <a:srgbClr val="00B0F0"/>
+                </a:solidFill>
+                <a:latin typeface="+mn-ea"/>
+                <a:sym typeface="+mn-ea"/>
+              </a:rPr>
+              <a:t>TIntermBinary</a:t>
+            </a:r>
+            <a:r>
+              <a:rPr lang="zh-CN" altLang="en-US" sz="1800">
+                <a:latin typeface="+mn-ea"/>
+                <a:sym typeface="+mn-ea"/>
+              </a:rPr>
+              <a:t>：二元操作符节点。包含两个成员：左右操作数 TIntermTyped* </a:t>
+            </a:r>
+            <a:r>
+              <a:rPr lang="zh-CN" altLang="en-US" sz="1800" b="1">
+                <a:solidFill>
+                  <a:srgbClr val="00B050"/>
+                </a:solidFill>
+                <a:latin typeface="+mn-ea"/>
+                <a:sym typeface="+mn-ea"/>
+              </a:rPr>
+              <a:t>left</a:t>
+            </a:r>
+            <a:r>
+              <a:rPr lang="en-US" altLang="zh-CN" sz="1800">
+                <a:latin typeface="+mn-ea"/>
+                <a:sym typeface="+mn-ea"/>
+              </a:rPr>
+              <a:t>/</a:t>
+            </a:r>
+            <a:r>
+              <a:rPr lang="en-US" altLang="zh-CN" sz="1800" b="1">
+                <a:solidFill>
+                  <a:srgbClr val="00B050"/>
+                </a:solidFill>
+                <a:latin typeface="+mn-ea"/>
+                <a:sym typeface="+mn-ea"/>
+              </a:rPr>
+              <a:t>right</a:t>
+            </a:r>
+            <a:r>
+              <a:rPr lang="zh-CN" altLang="en-US" sz="1800">
+                <a:latin typeface="+mn-ea"/>
+                <a:sym typeface="+mn-ea"/>
+              </a:rPr>
+              <a:t>;</a:t>
+            </a:r>
+            <a:endParaRPr lang="zh-CN" altLang="en-US" sz="1800">
+              <a:latin typeface="+mn-ea"/>
+              <a:sym typeface="+mn-ea"/>
+            </a:endParaRPr>
+          </a:p>
+          <a:p>
+            <a:pPr lvl="4"/>
+            <a:r>
+              <a:rPr lang="zh-CN" altLang="en-US" sz="1800" b="1">
+                <a:solidFill>
+                  <a:srgbClr val="00B0F0"/>
+                </a:solidFill>
+                <a:latin typeface="+mn-ea"/>
+                <a:sym typeface="+mn-ea"/>
+              </a:rPr>
+              <a:t>TIntermUnary</a:t>
+            </a:r>
+            <a:r>
+              <a:rPr lang="zh-CN" altLang="en-US" sz="1800">
+                <a:latin typeface="+mn-ea"/>
+                <a:sym typeface="+mn-ea"/>
+              </a:rPr>
+              <a:t>：一元操作符节点。包含一个成员：操作数 TIntermTyped* </a:t>
+            </a:r>
+            <a:r>
+              <a:rPr lang="zh-CN" altLang="en-US" sz="1800" b="1">
+                <a:solidFill>
+                  <a:srgbClr val="00B050"/>
+                </a:solidFill>
+                <a:latin typeface="+mn-ea"/>
+                <a:sym typeface="+mn-ea"/>
+              </a:rPr>
+              <a:t>operand</a:t>
+            </a:r>
+            <a:r>
+              <a:rPr lang="zh-CN" altLang="en-US" sz="1800">
+                <a:latin typeface="+mn-ea"/>
+                <a:sym typeface="+mn-ea"/>
+              </a:rPr>
+              <a:t>;</a:t>
+            </a:r>
+            <a:endParaRPr lang="zh-CN" altLang="en-US" sz="1800">
+              <a:latin typeface="+mn-ea"/>
+              <a:sym typeface="+mn-ea"/>
+            </a:endParaRPr>
+          </a:p>
+          <a:p>
+            <a:pPr lvl="4"/>
+            <a:r>
+              <a:rPr lang="zh-CN" altLang="en-US" sz="1800" b="1">
+                <a:solidFill>
+                  <a:srgbClr val="00B0F0"/>
+                </a:solidFill>
+                <a:latin typeface="+mn-ea"/>
+                <a:sym typeface="+mn-ea"/>
+              </a:rPr>
+              <a:t>TIntermAggregate</a:t>
+            </a:r>
+            <a:r>
+              <a:rPr lang="zh-CN" altLang="en-US" sz="1800">
+                <a:latin typeface="+mn-ea"/>
+                <a:sym typeface="+mn-ea"/>
+              </a:rPr>
+              <a:t>：包含多个操作数的节点。见后</a:t>
+            </a:r>
+            <a:endParaRPr lang="zh-CN" altLang="en-US" sz="1800">
+              <a:latin typeface="+mn-ea"/>
+              <a:sym typeface="+mn-ea"/>
+            </a:endParaRPr>
+          </a:p>
+          <a:p>
+            <a:pPr lvl="3"/>
+            <a:r>
+              <a:rPr lang="zh-CN" altLang="en-US" b="1">
+                <a:solidFill>
+                  <a:srgbClr val="00B0F0"/>
+                </a:solidFill>
+                <a:latin typeface="+mn-ea"/>
+              </a:rPr>
+              <a:t>TIntermSelection</a:t>
             </a:r>
             <a:r>
               <a:rPr lang="zh-CN" altLang="en-US">
                 <a:latin typeface="+mn-ea"/>
                 <a:sym typeface="+mn-ea"/>
               </a:rPr>
-              <a:t>操作数子节点，即</a:t>
+              <a:t>：</a:t>
+            </a:r>
+            <a:r>
+              <a:rPr lang="en-US" altLang="zh-CN">
+                <a:latin typeface="+mn-ea"/>
+                <a:sym typeface="+mn-ea"/>
+              </a:rPr>
+              <a:t>if</a:t>
             </a:r>
             <a:r>
               <a:rPr lang="zh-CN" altLang="en-US">
                 <a:latin typeface="+mn-ea"/>
                 <a:sym typeface="+mn-ea"/>
               </a:rPr>
-              <a:t>TVector&lt;TIntermNode*&gt;</a:t>
-            </a:r>
-            <a:endParaRPr lang="zh-CN" altLang="en-US">
+              <a:t>测试</a:t>
+            </a:r>
+            <a:r>
+              <a:rPr lang="en-US" altLang="zh-CN">
+                <a:latin typeface="+mn-ea"/>
+                <a:sym typeface="+mn-ea"/>
+              </a:rPr>
+              <a:t>,</a:t>
+            </a:r>
+            <a:r>
+              <a:rPr lang="zh-CN" altLang="en-US">
+                <a:latin typeface="+mn-ea"/>
+                <a:sym typeface="+mn-ea"/>
+              </a:rPr>
+              <a:t>目前不支持</a:t>
+            </a:r>
+            <a:r>
+              <a:rPr lang="en-US" altLang="zh-CN">
+                <a:latin typeface="+mn-ea"/>
+                <a:sym typeface="+mn-ea"/>
+              </a:rPr>
+              <a:t>switch</a:t>
+            </a:r>
+            <a:r>
+              <a:rPr lang="zh-CN" altLang="en-US">
+                <a:latin typeface="+mn-ea"/>
+                <a:sym typeface="+mn-ea"/>
+              </a:rPr>
+              <a:t>。见后</a:t>
+            </a:r>
+            <a:r>
+              <a:rPr lang="en-US" altLang="zh-CN" dirty="0">
+                <a:latin typeface="+mn-ea"/>
+              </a:rPr>
+              <a:t>;</a:t>
+            </a:r>
+            <a:endParaRPr lang="en-US" altLang="zh-CN" dirty="0">
+              <a:latin typeface="+mn-ea"/>
+            </a:endParaRPr>
+          </a:p>
+          <a:p>
+            <a:pPr lvl="2"/>
+            <a:r>
+              <a:rPr lang="zh-CN" altLang="en-US" sz="2000" b="1">
+                <a:solidFill>
+                  <a:srgbClr val="00B0F0"/>
+                </a:solidFill>
+                <a:latin typeface="+mn-ea"/>
+                <a:sym typeface="+mn-ea"/>
+              </a:rPr>
+              <a:t>TIntermLoop</a:t>
+            </a:r>
+            <a:r>
+              <a:rPr lang="zh-CN" altLang="en-US" sz="2000">
+                <a:latin typeface="+mn-ea"/>
+                <a:sym typeface="+mn-ea"/>
+              </a:rPr>
+              <a:t>：</a:t>
+            </a:r>
+            <a:r>
+              <a:rPr lang="en-US" altLang="zh-CN" sz="2000">
+                <a:latin typeface="+mn-ea"/>
+                <a:sym typeface="+mn-ea"/>
+              </a:rPr>
+              <a:t>while</a:t>
+            </a:r>
+            <a:r>
+              <a:rPr lang="zh-CN" altLang="en-US" sz="2000">
+                <a:latin typeface="+mn-ea"/>
+                <a:sym typeface="+mn-ea"/>
+              </a:rPr>
+              <a:t>循环的节点。见后</a:t>
+            </a:r>
+            <a:endParaRPr lang="zh-CN" altLang="en-US" sz="2000">
+              <a:latin typeface="+mn-ea"/>
+            </a:endParaRPr>
+          </a:p>
+          <a:p>
+            <a:pPr lvl="2"/>
+            <a:r>
+              <a:rPr lang="zh-CN" altLang="en-US" sz="2000" b="1">
+                <a:solidFill>
+                  <a:srgbClr val="00B0F0"/>
+                </a:solidFill>
+                <a:latin typeface="+mn-ea"/>
+                <a:sym typeface="+mn-ea"/>
+              </a:rPr>
+              <a:t>TIntermBranch</a:t>
+            </a:r>
+            <a:r>
+              <a:rPr lang="zh-CN" altLang="en-US" sz="2000">
+                <a:latin typeface="+mn-ea"/>
+                <a:sym typeface="+mn-ea"/>
+              </a:rPr>
+              <a:t>：break, continue, return的节点。见后</a:t>
+            </a:r>
+            <a:endParaRPr lang="zh-CN" altLang="en-US" sz="2000">
               <a:latin typeface="+mn-ea"/>
               <a:sym typeface="+mn-ea"/>
-            </a:endParaRPr>
-          </a:p>
-          <a:p>
-            <a:pPr lvl="3"/>
-            <a:r>
-              <a:rPr lang="zh-CN" altLang="en-US">
-                <a:latin typeface="+mn-ea"/>
-                <a:sym typeface="+mn-ea"/>
-              </a:rPr>
-              <a:t>TQualifierList </a:t>
-            </a:r>
-            <a:r>
-              <a:rPr lang="zh-CN" altLang="en-US" b="1">
-                <a:solidFill>
-                  <a:srgbClr val="00B050"/>
-                </a:solidFill>
-                <a:latin typeface="+mn-ea"/>
-                <a:sym typeface="+mn-ea"/>
-              </a:rPr>
-              <a:t>qualifier</a:t>
-            </a:r>
-            <a:r>
-              <a:rPr lang="zh-CN" altLang="en-US">
-                <a:latin typeface="+mn-ea"/>
-                <a:sym typeface="+mn-ea"/>
-              </a:rPr>
-              <a:t>：所有限定符的集合，即TVector&lt;int&gt;</a:t>
-            </a:r>
-            <a:endParaRPr lang="zh-CN" altLang="en-US">
-              <a:latin typeface="+mn-ea"/>
-              <a:sym typeface="+mn-ea"/>
-            </a:endParaRPr>
-          </a:p>
-          <a:p>
-            <a:pPr lvl="3"/>
-            <a:r>
-              <a:rPr lang="zh-CN" altLang="en-US">
-                <a:latin typeface="+mn-ea"/>
-                <a:sym typeface="+mn-ea"/>
-              </a:rPr>
-              <a:t>TString </a:t>
-            </a:r>
-            <a:r>
-              <a:rPr lang="zh-CN" altLang="en-US" b="1">
-                <a:solidFill>
-                  <a:srgbClr val="00B050"/>
-                </a:solidFill>
-                <a:latin typeface="+mn-ea"/>
-                <a:sym typeface="+mn-ea"/>
-              </a:rPr>
-              <a:t>name</a:t>
-            </a:r>
-            <a:r>
-              <a:rPr lang="zh-CN" altLang="en-US">
-                <a:latin typeface="+mn-ea"/>
-                <a:sym typeface="+mn-ea"/>
-              </a:rPr>
-              <a:t>：</a:t>
-            </a:r>
-            <a:endParaRPr lang="zh-CN" altLang="en-US">
-              <a:latin typeface="+mn-ea"/>
-              <a:sym typeface="+mn-ea"/>
-            </a:endParaRPr>
-          </a:p>
-          <a:p>
-            <a:pPr lvl="2"/>
-            <a:r>
-              <a:rPr lang="zh-CN" altLang="en-US" sz="2000" b="1">
-                <a:solidFill>
-                  <a:srgbClr val="00B0F0"/>
-                </a:solidFill>
-                <a:latin typeface="+mn-ea"/>
-                <a:sym typeface="+mn-ea"/>
-              </a:rPr>
-              <a:t>TIntermLoop</a:t>
-            </a:r>
-            <a:r>
-              <a:rPr lang="zh-CN" altLang="en-US" sz="2000">
-                <a:latin typeface="+mn-ea"/>
-                <a:sym typeface="+mn-ea"/>
-              </a:rPr>
-              <a:t>：</a:t>
-            </a:r>
-            <a:r>
-              <a:rPr lang="en-US" altLang="zh-CN" sz="2000">
-                <a:latin typeface="+mn-ea"/>
-                <a:sym typeface="+mn-ea"/>
-              </a:rPr>
-              <a:t>while</a:t>
-            </a:r>
-            <a:r>
-              <a:rPr lang="zh-CN" altLang="en-US" sz="2000">
-                <a:latin typeface="+mn-ea"/>
-                <a:sym typeface="+mn-ea"/>
-              </a:rPr>
-              <a:t>循环的节点。包含如下成员：</a:t>
-            </a:r>
-            <a:endParaRPr lang="zh-CN" altLang="en-US" sz="2000">
-              <a:latin typeface="+mn-ea"/>
-              <a:sym typeface="+mn-ea"/>
-            </a:endParaRPr>
-          </a:p>
-          <a:p>
-            <a:pPr lvl="3"/>
-            <a:r>
-              <a:rPr lang="zh-CN" altLang="en-US" sz="1800">
-                <a:latin typeface="+mn-ea"/>
-                <a:sym typeface="+mn-ea"/>
-              </a:rPr>
-              <a:t>TIntermNode* </a:t>
-            </a:r>
-            <a:r>
-              <a:rPr lang="zh-CN" altLang="en-US" sz="1800" b="1">
-                <a:solidFill>
-                  <a:srgbClr val="00B050"/>
-                </a:solidFill>
-                <a:latin typeface="+mn-ea"/>
-                <a:sym typeface="+mn-ea"/>
-              </a:rPr>
-              <a:t>body</a:t>
-            </a:r>
-            <a:r>
-              <a:rPr lang="zh-CN" altLang="en-US" sz="1800">
-                <a:latin typeface="+mn-ea"/>
-                <a:sym typeface="+mn-ea"/>
-              </a:rPr>
-              <a:t>：循环体的操作</a:t>
-            </a:r>
-            <a:endParaRPr lang="zh-CN" altLang="en-US" sz="1800">
-              <a:latin typeface="+mn-ea"/>
-              <a:sym typeface="+mn-ea"/>
-            </a:endParaRPr>
-          </a:p>
-          <a:p>
-            <a:pPr lvl="3"/>
-            <a:r>
-              <a:rPr lang="zh-CN" altLang="en-US" sz="1800">
-                <a:latin typeface="+mn-ea"/>
-                <a:sym typeface="+mn-ea"/>
-              </a:rPr>
-              <a:t>TIntermTyped* </a:t>
-            </a:r>
-            <a:r>
-              <a:rPr lang="zh-CN" altLang="en-US" sz="1800" b="1">
-                <a:solidFill>
-                  <a:srgbClr val="00B050"/>
-                </a:solidFill>
-                <a:latin typeface="+mn-ea"/>
-                <a:sym typeface="+mn-ea"/>
-              </a:rPr>
-              <a:t>test</a:t>
-            </a:r>
-            <a:r>
-              <a:rPr lang="zh-CN" altLang="en-US" sz="1800">
-                <a:latin typeface="+mn-ea"/>
-                <a:sym typeface="+mn-ea"/>
-              </a:rPr>
-              <a:t>：退出条件</a:t>
-            </a:r>
-            <a:endParaRPr lang="zh-CN" altLang="en-US" sz="1800">
-              <a:latin typeface="+mn-ea"/>
-              <a:sym typeface="+mn-ea"/>
-            </a:endParaRPr>
-          </a:p>
-          <a:p>
-            <a:pPr lvl="3"/>
-            <a:r>
-              <a:rPr lang="zh-CN" altLang="en-US">
-                <a:latin typeface="+mn-ea"/>
-                <a:sym typeface="+mn-ea"/>
-              </a:rPr>
-              <a:t>TIntermTyped* </a:t>
-            </a:r>
-            <a:r>
-              <a:rPr lang="zh-CN" altLang="en-US" b="1">
-                <a:solidFill>
-                  <a:srgbClr val="00B050"/>
-                </a:solidFill>
-                <a:latin typeface="+mn-ea"/>
-                <a:sym typeface="+mn-ea"/>
-              </a:rPr>
-              <a:t>terminal</a:t>
-            </a:r>
-            <a:r>
-              <a:rPr lang="zh-CN" altLang="en-US">
-                <a:latin typeface="+mn-ea"/>
-                <a:sym typeface="+mn-ea"/>
-              </a:rPr>
-              <a:t>：退出后跳转到的代码段</a:t>
-            </a:r>
-            <a:endParaRPr lang="zh-CN" altLang="en-US">
-              <a:latin typeface="+mn-ea"/>
-              <a:sym typeface="+mn-ea"/>
-            </a:endParaRPr>
-          </a:p>
-          <a:p>
-            <a:pPr lvl="2"/>
-            <a:r>
-              <a:rPr lang="zh-CN" altLang="en-US" sz="2000" b="1">
-                <a:solidFill>
-                  <a:srgbClr val="00B0F0"/>
-                </a:solidFill>
-                <a:latin typeface="+mn-ea"/>
-                <a:sym typeface="+mn-ea"/>
-              </a:rPr>
-              <a:t>TIntermBranch</a:t>
-            </a:r>
-            <a:r>
-              <a:rPr lang="zh-CN" altLang="en-US" sz="2000">
-                <a:latin typeface="+mn-ea"/>
-                <a:sym typeface="+mn-ea"/>
-              </a:rPr>
-              <a:t>：break, continue, return的节点。包含如下成员：</a:t>
-            </a:r>
-            <a:endParaRPr lang="zh-CN" altLang="en-US" sz="2000">
-              <a:latin typeface="+mn-ea"/>
-              <a:sym typeface="+mn-ea"/>
-            </a:endParaRPr>
-          </a:p>
-          <a:p>
-            <a:pPr lvl="3" algn="l">
-              <a:buSzTx/>
-            </a:pPr>
-            <a:r>
-              <a:rPr lang="zh-CN" altLang="en-US" sz="1800">
-                <a:latin typeface="+mn-ea"/>
-                <a:sym typeface="+mn-ea"/>
-              </a:rPr>
-              <a:t>TOperator </a:t>
-            </a:r>
-            <a:r>
-              <a:rPr lang="zh-CN" altLang="en-US" sz="1800" b="1">
-                <a:solidFill>
-                  <a:srgbClr val="00B050"/>
-                </a:solidFill>
-                <a:latin typeface="+mn-ea"/>
-                <a:sym typeface="+mn-ea"/>
-              </a:rPr>
-              <a:t>flowOp</a:t>
-            </a:r>
-            <a:r>
-              <a:rPr lang="zh-CN" altLang="en-US" sz="1800">
-                <a:latin typeface="+mn-ea"/>
-                <a:sym typeface="+mn-ea"/>
-              </a:rPr>
-              <a:t>：操作符类型的枚举值</a:t>
-            </a:r>
-            <a:endParaRPr lang="zh-CN" altLang="en-US" sz="1800">
-              <a:latin typeface="+mn-ea"/>
-              <a:sym typeface="+mn-ea"/>
-            </a:endParaRPr>
-          </a:p>
-          <a:p>
-            <a:pPr lvl="3" algn="l">
-              <a:buSzTx/>
-            </a:pPr>
-            <a:r>
-              <a:rPr lang="zh-CN" altLang="en-US" sz="1800">
-                <a:latin typeface="+mn-ea"/>
-                <a:sym typeface="+mn-ea"/>
-              </a:rPr>
-              <a:t>TIntermTyped* </a:t>
-            </a:r>
-            <a:r>
-              <a:rPr lang="zh-CN" altLang="en-US" sz="1800" b="1">
-                <a:solidFill>
-                  <a:srgbClr val="00B050"/>
-                </a:solidFill>
-                <a:latin typeface="+mn-ea"/>
-                <a:sym typeface="+mn-ea"/>
-              </a:rPr>
-              <a:t>expression</a:t>
-            </a:r>
-            <a:r>
-              <a:rPr lang="zh-CN" altLang="en-US" sz="1800">
-                <a:latin typeface="+mn-ea"/>
-                <a:sym typeface="+mn-ea"/>
-              </a:rPr>
-              <a:t>：跳转到的代码段</a:t>
-            </a:r>
-            <a:endParaRPr lang="zh-CN" altLang="en-US" sz="2000">
-              <a:latin typeface="+mn-ea"/>
-              <a:sym typeface="+mn-ea"/>
-            </a:endParaRPr>
-          </a:p>
-          <a:p>
-            <a:pPr lvl="2"/>
-            <a:r>
-              <a:rPr lang="zh-CN" altLang="en-US" sz="2000" b="1">
-                <a:solidFill>
-                  <a:srgbClr val="00B0F0"/>
-                </a:solidFill>
-                <a:latin typeface="+mn-ea"/>
-                <a:sym typeface="+mn-ea"/>
-              </a:rPr>
-              <a:t>TIntermTyped</a:t>
-            </a:r>
-            <a:r>
-              <a:rPr lang="en-US" altLang="zh-CN" sz="2000" b="1">
-                <a:solidFill>
-                  <a:srgbClr val="00B0F0"/>
-                </a:solidFill>
-                <a:latin typeface="+mn-ea"/>
-                <a:sym typeface="+mn-ea"/>
-              </a:rPr>
-              <a:t>::</a:t>
-            </a:r>
-            <a:r>
-              <a:rPr lang="zh-CN" altLang="en-US" sz="2000" b="1">
-                <a:solidFill>
-                  <a:srgbClr val="00B0F0"/>
-                </a:solidFill>
-                <a:latin typeface="+mn-ea"/>
-                <a:sym typeface="+mn-ea"/>
-              </a:rPr>
-              <a:t>TIntermSelection</a:t>
-            </a:r>
-            <a:r>
-              <a:rPr lang="zh-CN" altLang="en-US" sz="2000">
-                <a:latin typeface="+mn-ea"/>
-                <a:sym typeface="+mn-ea"/>
-              </a:rPr>
-              <a:t>：</a:t>
-            </a:r>
-            <a:r>
-              <a:rPr lang="en-US" altLang="zh-CN" sz="2000">
-                <a:latin typeface="+mn-ea"/>
-                <a:sym typeface="+mn-ea"/>
-              </a:rPr>
-              <a:t>if</a:t>
-            </a:r>
-            <a:r>
-              <a:rPr lang="zh-CN" altLang="en-US" sz="2000">
-                <a:latin typeface="+mn-ea"/>
-                <a:sym typeface="+mn-ea"/>
-              </a:rPr>
-              <a:t>测试。包含三个成员：</a:t>
-            </a:r>
-            <a:endParaRPr lang="zh-CN" altLang="en-US" sz="2000">
-              <a:latin typeface="+mn-ea"/>
-              <a:sym typeface="+mn-ea"/>
-            </a:endParaRPr>
-          </a:p>
-          <a:p>
-            <a:pPr lvl="3"/>
-            <a:r>
-              <a:rPr lang="zh-CN" altLang="en-US">
-                <a:latin typeface="+mn-ea"/>
-                <a:sym typeface="+mn-ea"/>
-              </a:rPr>
-              <a:t>TIntermTyped* </a:t>
-            </a:r>
-            <a:r>
-              <a:rPr lang="zh-CN" altLang="en-US" b="1">
-                <a:solidFill>
-                  <a:srgbClr val="00B050"/>
-                </a:solidFill>
-                <a:latin typeface="+mn-ea"/>
-                <a:sym typeface="+mn-ea"/>
-              </a:rPr>
-              <a:t>condition</a:t>
-            </a:r>
-            <a:r>
-              <a:rPr lang="zh-CN" altLang="en-US">
-                <a:latin typeface="+mn-ea"/>
-                <a:sym typeface="+mn-ea"/>
-              </a:rPr>
-              <a:t>;</a:t>
-            </a:r>
-            <a:r>
-              <a:rPr lang="en-US" altLang="zh-CN" dirty="0">
-                <a:latin typeface="+mn-ea"/>
-                <a:sym typeface="+mn-ea"/>
-              </a:rPr>
-              <a:t> </a:t>
-            </a:r>
-            <a:r>
-              <a:rPr lang="zh-CN" altLang="en-US">
-                <a:latin typeface="+mn-ea"/>
-                <a:sym typeface="+mn-ea"/>
-              </a:rPr>
-              <a:t>判断条件</a:t>
-            </a:r>
-            <a:endParaRPr lang="en-US" altLang="zh-CN" dirty="0">
-              <a:latin typeface="+mn-ea"/>
-              <a:sym typeface="+mn-ea"/>
-            </a:endParaRPr>
-          </a:p>
-          <a:p>
-            <a:pPr lvl="3"/>
-            <a:r>
-              <a:rPr lang="en-US" altLang="zh-CN" dirty="0">
-                <a:latin typeface="+mn-ea"/>
-                <a:sym typeface="+mn-ea"/>
-              </a:rPr>
-              <a:t>TIntermNode* </a:t>
-            </a:r>
-            <a:r>
-              <a:rPr lang="en-US" altLang="zh-CN" b="1" dirty="0">
-                <a:solidFill>
-                  <a:srgbClr val="00B050"/>
-                </a:solidFill>
-                <a:latin typeface="+mn-ea"/>
-                <a:sym typeface="+mn-ea"/>
-              </a:rPr>
-              <a:t>trueBlock</a:t>
-            </a:r>
-            <a:r>
-              <a:rPr lang="en-US" altLang="zh-CN" dirty="0">
-                <a:latin typeface="+mn-ea"/>
-                <a:sym typeface="+mn-ea"/>
-              </a:rPr>
-              <a:t>; </a:t>
-            </a:r>
-            <a:r>
-              <a:rPr lang="zh-CN" altLang="en-US">
-                <a:latin typeface="+mn-ea"/>
-                <a:sym typeface="+mn-ea"/>
-              </a:rPr>
-              <a:t>为真的操作</a:t>
-            </a:r>
-            <a:endParaRPr lang="en-US" altLang="zh-CN" dirty="0">
-              <a:latin typeface="+mn-ea"/>
-              <a:sym typeface="+mn-ea"/>
-            </a:endParaRPr>
-          </a:p>
-          <a:p>
-            <a:pPr lvl="3"/>
-            <a:r>
-              <a:rPr lang="en-US" altLang="zh-CN" dirty="0">
-                <a:latin typeface="+mn-ea"/>
-                <a:sym typeface="+mn-ea"/>
-              </a:rPr>
-              <a:t>TIntermNode* </a:t>
-            </a:r>
-            <a:r>
-              <a:rPr lang="en-US" altLang="zh-CN" b="1" dirty="0">
-                <a:solidFill>
-                  <a:srgbClr val="00B050"/>
-                </a:solidFill>
-                <a:latin typeface="+mn-ea"/>
-                <a:sym typeface="+mn-ea"/>
-              </a:rPr>
-              <a:t>falseBlock</a:t>
-            </a:r>
-            <a:r>
-              <a:rPr lang="en-US" altLang="zh-CN" dirty="0">
-                <a:latin typeface="+mn-ea"/>
-                <a:sym typeface="+mn-ea"/>
-              </a:rPr>
-              <a:t>;</a:t>
-            </a:r>
-            <a:r>
-              <a:rPr lang="zh-CN" altLang="en-US">
-                <a:latin typeface="+mn-ea"/>
-                <a:sym typeface="+mn-ea"/>
-              </a:rPr>
-              <a:t>为假的操作</a:t>
-            </a:r>
-            <a:endParaRPr lang="en-US" altLang="zh-CN" dirty="0">
-              <a:latin typeface="+mn-ea"/>
-            </a:endParaRPr>
-          </a:p>
-          <a:p>
-            <a:pPr lvl="2"/>
-            <a:endParaRPr lang="zh-CN" altLang="en-US" sz="2000">
-              <a:latin typeface="+mn-ea"/>
-              <a:sym typeface="+mn-ea"/>
-            </a:endParaRPr>
-          </a:p>
-          <a:p>
-            <a:pPr lvl="2"/>
-            <a:endParaRPr lang="zh-CN" altLang="en-US" sz="2000">
-              <a:latin typeface="+mn-ea"/>
-              <a:sym typeface="+mn-ea"/>
-            </a:endParaRPr>
-          </a:p>
-          <a:p>
-            <a:pPr lvl="3"/>
-            <a:endParaRPr lang="zh-CN" altLang="en-US" sz="2000" dirty="0">
-              <a:latin typeface="+mn-ea"/>
             </a:endParaRPr>
           </a:p>
         </p:txBody>
@@ -5419,9 +7202,14 @@
             <a:r>
               <a:rPr lang="zh-CN" altLang="en-US" sz="2800" b="1">
                 <a:latin typeface="+mn-ea"/>
-                <a:sym typeface="+mn-ea"/>
-              </a:rPr>
-              <a:t>相关函数</a:t>
+              </a:rPr>
+              <a:t>类型</a:t>
+            </a:r>
+            <a:r>
+              <a:rPr lang="en-US" altLang="zh-CN" sz="2800" b="1">
+                <a:latin typeface="+mn-ea"/>
+              </a:rPr>
+              <a:t>2</a:t>
             </a:r>
             <a:r>
               <a:rPr lang="zh-CN" altLang="en-US" sz="2800" b="1">
@@ -5434,195 +7222,565 @@
             </a:endParaRPr>
           </a:p>
           <a:p>
-            <a:pPr lvl="1" algn="l">
+            <a:pPr lvl="2"/>
+            <a:r>
+              <a:rPr lang="zh-CN" altLang="en-US" sz="1995" b="1">
+                <a:solidFill>
+                  <a:srgbClr val="00B0F0"/>
+                </a:solidFill>
+                <a:latin typeface="+mn-ea"/>
+              </a:rPr>
+              <a:t>TIntermSequence</a:t>
+            </a:r>
+            <a:r>
+              <a:rPr lang="zh-CN" altLang="en-US" sz="1995">
+                <a:latin typeface="+mn-ea"/>
+                <a:sym typeface="+mn-ea"/>
+              </a:rPr>
+              <a:t>：</a:t>
+            </a:r>
+            <a:r>
+              <a:rPr lang="zh-CN" altLang="en-US" sz="1995">
+                <a:latin typeface="+mn-ea"/>
+                <a:sym typeface="+mn-ea"/>
+              </a:rPr>
+              <a:t>包含多个操作数的节点。</a:t>
+            </a:r>
+            <a:r>
+              <a:rPr lang="zh-CN" altLang="en-US" sz="1995">
+                <a:latin typeface="+mn-ea"/>
+                <a:sym typeface="+mn-ea"/>
+              </a:rPr>
+              <a:t>包含如下成员：</a:t>
+            </a:r>
+            <a:endParaRPr lang="zh-CN" altLang="en-US" sz="1995">
+              <a:latin typeface="+mn-ea"/>
+              <a:sym typeface="+mn-ea"/>
+            </a:endParaRPr>
+          </a:p>
+          <a:p>
+            <a:pPr lvl="3"/>
+            <a:r>
+              <a:rPr lang="zh-CN" altLang="en-US">
+                <a:latin typeface="+mn-ea"/>
+                <a:sym typeface="+mn-ea"/>
+              </a:rPr>
+              <a:t>TQualifierList </a:t>
+            </a:r>
+            <a:r>
+              <a:rPr lang="zh-CN" altLang="en-US" b="1">
+                <a:solidFill>
+                  <a:srgbClr val="00B050"/>
+                </a:solidFill>
+                <a:latin typeface="+mn-ea"/>
+                <a:sym typeface="+mn-ea"/>
+              </a:rPr>
+              <a:t>qualifier</a:t>
+            </a:r>
+            <a:r>
+              <a:rPr lang="zh-CN" altLang="en-US">
+                <a:latin typeface="+mn-ea"/>
+                <a:sym typeface="+mn-ea"/>
+              </a:rPr>
+              <a:t>：所有</a:t>
+            </a:r>
+            <a:r>
+              <a:rPr lang="zh-CN" altLang="en-US">
+                <a:latin typeface="+mn-ea"/>
+                <a:sym typeface="+mn-ea"/>
+              </a:rPr>
+              <a:t>操作数子节点，即</a:t>
+            </a:r>
+            <a:r>
+              <a:rPr lang="zh-CN" altLang="en-US">
+                <a:latin typeface="+mn-ea"/>
+                <a:sym typeface="+mn-ea"/>
+              </a:rPr>
+              <a:t>TVector&lt;TIntermNode*&gt;</a:t>
+            </a:r>
+            <a:endParaRPr lang="zh-CN" altLang="en-US">
+              <a:latin typeface="+mn-ea"/>
+              <a:sym typeface="+mn-ea"/>
+            </a:endParaRPr>
+          </a:p>
+          <a:p>
+            <a:pPr lvl="3"/>
+            <a:r>
+              <a:rPr lang="zh-CN" altLang="en-US">
+                <a:latin typeface="+mn-ea"/>
+                <a:sym typeface="+mn-ea"/>
+              </a:rPr>
+              <a:t>TQualifierList </a:t>
+            </a:r>
+            <a:r>
+              <a:rPr lang="zh-CN" altLang="en-US" b="1">
+                <a:solidFill>
+                  <a:srgbClr val="00B050"/>
+                </a:solidFill>
+                <a:latin typeface="+mn-ea"/>
+                <a:sym typeface="+mn-ea"/>
+              </a:rPr>
+              <a:t>qualifier</a:t>
+            </a:r>
+            <a:r>
+              <a:rPr lang="zh-CN" altLang="en-US">
+                <a:latin typeface="+mn-ea"/>
+                <a:sym typeface="+mn-ea"/>
+              </a:rPr>
+              <a:t>：所有限定符的集合，即TVector&lt;int&gt;</a:t>
+            </a:r>
+            <a:endParaRPr lang="zh-CN" altLang="en-US">
+              <a:latin typeface="+mn-ea"/>
+              <a:sym typeface="+mn-ea"/>
+            </a:endParaRPr>
+          </a:p>
+          <a:p>
+            <a:pPr lvl="3"/>
+            <a:r>
+              <a:rPr lang="zh-CN" altLang="en-US">
+                <a:latin typeface="+mn-ea"/>
+                <a:sym typeface="+mn-ea"/>
+              </a:rPr>
+              <a:t>TString </a:t>
+            </a:r>
+            <a:r>
+              <a:rPr lang="zh-CN" altLang="en-US" b="1">
+                <a:solidFill>
+                  <a:srgbClr val="00B050"/>
+                </a:solidFill>
+                <a:latin typeface="+mn-ea"/>
+                <a:sym typeface="+mn-ea"/>
+              </a:rPr>
+              <a:t>name</a:t>
+            </a:r>
+            <a:r>
+              <a:rPr lang="zh-CN" altLang="en-US">
+                <a:latin typeface="+mn-ea"/>
+                <a:sym typeface="+mn-ea"/>
+              </a:rPr>
+              <a:t>：</a:t>
+            </a:r>
+            <a:endParaRPr lang="zh-CN" altLang="en-US">
+              <a:latin typeface="+mn-ea"/>
+              <a:sym typeface="+mn-ea"/>
+            </a:endParaRPr>
+          </a:p>
+          <a:p>
+            <a:pPr lvl="2"/>
+            <a:r>
+              <a:rPr lang="zh-CN" altLang="en-US" sz="2000" b="1">
+                <a:solidFill>
+                  <a:srgbClr val="00B0F0"/>
+                </a:solidFill>
+                <a:latin typeface="+mn-ea"/>
+                <a:sym typeface="+mn-ea"/>
+              </a:rPr>
+              <a:t>TIntermLoop</a:t>
+            </a:r>
+            <a:r>
+              <a:rPr lang="zh-CN" altLang="en-US" sz="2000">
+                <a:latin typeface="+mn-ea"/>
+                <a:sym typeface="+mn-ea"/>
+              </a:rPr>
+              <a:t>：</a:t>
+            </a:r>
+            <a:r>
+              <a:rPr lang="en-US" altLang="zh-CN" sz="2000">
+                <a:latin typeface="+mn-ea"/>
+                <a:sym typeface="+mn-ea"/>
+              </a:rPr>
+              <a:t>while</a:t>
+            </a:r>
+            <a:r>
+              <a:rPr lang="zh-CN" altLang="en-US" sz="2000">
+                <a:latin typeface="+mn-ea"/>
+                <a:sym typeface="+mn-ea"/>
+              </a:rPr>
+              <a:t>循环的节点。包含如下成员：</a:t>
+            </a:r>
+            <a:endParaRPr lang="zh-CN" altLang="en-US" sz="2000">
+              <a:latin typeface="+mn-ea"/>
+              <a:sym typeface="+mn-ea"/>
+            </a:endParaRPr>
+          </a:p>
+          <a:p>
+            <a:pPr lvl="3"/>
+            <a:r>
+              <a:rPr lang="zh-CN" altLang="en-US" sz="1800">
+                <a:latin typeface="+mn-ea"/>
+                <a:sym typeface="+mn-ea"/>
+              </a:rPr>
+              <a:t>TIntermNode* </a:t>
+            </a:r>
+            <a:r>
+              <a:rPr lang="zh-CN" altLang="en-US" sz="1800" b="1">
+                <a:solidFill>
+                  <a:srgbClr val="00B050"/>
+                </a:solidFill>
+                <a:latin typeface="+mn-ea"/>
+                <a:sym typeface="+mn-ea"/>
+              </a:rPr>
+              <a:t>body</a:t>
+            </a:r>
+            <a:r>
+              <a:rPr lang="zh-CN" altLang="en-US" sz="1800">
+                <a:latin typeface="+mn-ea"/>
+                <a:sym typeface="+mn-ea"/>
+              </a:rPr>
+              <a:t>：循环体的操作</a:t>
+            </a:r>
+            <a:endParaRPr lang="zh-CN" altLang="en-US" sz="1800">
+              <a:latin typeface="+mn-ea"/>
+              <a:sym typeface="+mn-ea"/>
+            </a:endParaRPr>
+          </a:p>
+          <a:p>
+            <a:pPr lvl="3"/>
+            <a:r>
+              <a:rPr lang="zh-CN" altLang="en-US" sz="1800">
+                <a:latin typeface="+mn-ea"/>
+                <a:sym typeface="+mn-ea"/>
+              </a:rPr>
+              <a:t>TIntermTyped* </a:t>
+            </a:r>
+            <a:r>
+              <a:rPr lang="zh-CN" altLang="en-US" sz="1800" b="1">
+                <a:solidFill>
+                  <a:srgbClr val="00B050"/>
+                </a:solidFill>
+                <a:latin typeface="+mn-ea"/>
+                <a:sym typeface="+mn-ea"/>
+              </a:rPr>
+              <a:t>test</a:t>
+            </a:r>
+            <a:r>
+              <a:rPr lang="zh-CN" altLang="en-US" sz="1800">
+                <a:latin typeface="+mn-ea"/>
+                <a:sym typeface="+mn-ea"/>
+              </a:rPr>
+              <a:t>：退出条件</a:t>
+            </a:r>
+            <a:endParaRPr lang="zh-CN" altLang="en-US" sz="1800">
+              <a:latin typeface="+mn-ea"/>
+              <a:sym typeface="+mn-ea"/>
+            </a:endParaRPr>
+          </a:p>
+          <a:p>
+            <a:pPr lvl="3"/>
+            <a:r>
+              <a:rPr lang="zh-CN" altLang="en-US">
+                <a:latin typeface="+mn-ea"/>
+                <a:sym typeface="+mn-ea"/>
+              </a:rPr>
+              <a:t>TIntermTyped* </a:t>
+            </a:r>
+            <a:r>
+              <a:rPr lang="zh-CN" altLang="en-US" b="1">
+                <a:solidFill>
+                  <a:srgbClr val="00B050"/>
+                </a:solidFill>
+                <a:latin typeface="+mn-ea"/>
+                <a:sym typeface="+mn-ea"/>
+              </a:rPr>
+              <a:t>terminal</a:t>
+            </a:r>
+            <a:r>
+              <a:rPr lang="zh-CN" altLang="en-US">
+                <a:latin typeface="+mn-ea"/>
+                <a:sym typeface="+mn-ea"/>
+              </a:rPr>
+              <a:t>：退出后跳转到的代码段</a:t>
+            </a:r>
+            <a:endParaRPr lang="zh-CN" altLang="en-US">
+              <a:latin typeface="+mn-ea"/>
+              <a:sym typeface="+mn-ea"/>
+            </a:endParaRPr>
+          </a:p>
+          <a:p>
+            <a:pPr lvl="2"/>
+            <a:r>
+              <a:rPr lang="zh-CN" altLang="en-US" sz="2000" b="1">
+                <a:solidFill>
+                  <a:srgbClr val="00B0F0"/>
+                </a:solidFill>
+                <a:latin typeface="+mn-ea"/>
+                <a:sym typeface="+mn-ea"/>
+              </a:rPr>
+              <a:t>TIntermBranch</a:t>
+            </a:r>
+            <a:r>
+              <a:rPr lang="zh-CN" altLang="en-US" sz="2000">
+                <a:latin typeface="+mn-ea"/>
+                <a:sym typeface="+mn-ea"/>
+              </a:rPr>
+              <a:t>：break, continue, return的节点。包含如下成员：</a:t>
+            </a:r>
+            <a:endParaRPr lang="zh-CN" altLang="en-US" sz="2000">
+              <a:latin typeface="+mn-ea"/>
+              <a:sym typeface="+mn-ea"/>
+            </a:endParaRPr>
+          </a:p>
+          <a:p>
+            <a:pPr lvl="3" algn="l">
               <a:buSzTx/>
             </a:pPr>
             <a:r>
-              <a:rPr lang="zh-CN" altLang="en-US" sz="2400">
-                <a:latin typeface="+mn-ea"/>
-              </a:rPr>
-              <a:t>语法数相关的工具函数在</a:t>
-            </a:r>
-            <a:r>
-              <a:rPr lang="zh-CN" altLang="en-US" sz="2400" b="1">
-                <a:solidFill>
-                  <a:srgbClr val="00B0F0"/>
-                </a:solidFill>
-                <a:latin typeface="+mn-ea"/>
-              </a:rPr>
-              <a:t>TIntermediate</a:t>
-            </a:r>
-            <a:r>
-              <a:rPr lang="zh-CN" altLang="en-US" sz="2400">
-                <a:latin typeface="+mn-ea"/>
-              </a:rPr>
-              <a:t>类中，定义在\glslang\MachineIndependent\localintermediate.h 和 \glslang\MachineIndependent\Intermediate.cpp 文件中</a:t>
-            </a:r>
-            <a:endParaRPr lang="zh-CN" altLang="en-US" sz="2400">
-              <a:latin typeface="+mn-ea"/>
-            </a:endParaRPr>
-          </a:p>
-          <a:p>
-            <a:pPr lvl="2" algn="l">
+              <a:rPr lang="zh-CN" altLang="en-US" sz="1800">
+                <a:latin typeface="+mn-ea"/>
+                <a:sym typeface="+mn-ea"/>
+              </a:rPr>
+              <a:t>TOperator </a:t>
+            </a:r>
+            <a:r>
+              <a:rPr lang="zh-CN" altLang="en-US" sz="1800" b="1">
+                <a:solidFill>
+                  <a:srgbClr val="00B050"/>
+                </a:solidFill>
+                <a:latin typeface="+mn-ea"/>
+                <a:sym typeface="+mn-ea"/>
+              </a:rPr>
+              <a:t>flowOp</a:t>
+            </a:r>
+            <a:r>
+              <a:rPr lang="zh-CN" altLang="en-US" sz="1800">
+                <a:latin typeface="+mn-ea"/>
+                <a:sym typeface="+mn-ea"/>
+              </a:rPr>
+              <a:t>：操作符类型的枚举值</a:t>
+            </a:r>
+            <a:endParaRPr lang="zh-CN" altLang="en-US" sz="1800">
+              <a:latin typeface="+mn-ea"/>
+              <a:sym typeface="+mn-ea"/>
+            </a:endParaRPr>
+          </a:p>
+          <a:p>
+            <a:pPr lvl="3" algn="l">
               <a:buSzTx/>
             </a:pPr>
             <a:r>
+              <a:rPr lang="zh-CN" altLang="en-US" sz="1800">
+                <a:latin typeface="+mn-ea"/>
+                <a:sym typeface="+mn-ea"/>
+              </a:rPr>
+              <a:t>TIntermTyped* </a:t>
+            </a:r>
+            <a:r>
+              <a:rPr lang="zh-CN" altLang="en-US" sz="1800" b="1">
+                <a:solidFill>
+                  <a:srgbClr val="00B050"/>
+                </a:solidFill>
+                <a:latin typeface="+mn-ea"/>
+                <a:sym typeface="+mn-ea"/>
+              </a:rPr>
+              <a:t>expression</a:t>
+            </a:r>
+            <a:r>
+              <a:rPr lang="zh-CN" altLang="en-US" sz="1800">
+                <a:latin typeface="+mn-ea"/>
+                <a:sym typeface="+mn-ea"/>
+              </a:rPr>
+              <a:t>：跳转到的代码段</a:t>
+            </a:r>
+            <a:endParaRPr lang="zh-CN" altLang="en-US" sz="2000">
+              <a:latin typeface="+mn-ea"/>
+              <a:sym typeface="+mn-ea"/>
+            </a:endParaRPr>
+          </a:p>
+          <a:p>
+            <a:pPr lvl="2"/>
+            <a:r>
+              <a:rPr lang="zh-CN" altLang="en-US" sz="2000" b="1">
+                <a:solidFill>
+                  <a:srgbClr val="00B0F0"/>
+                </a:solidFill>
+                <a:latin typeface="+mn-ea"/>
+                <a:sym typeface="+mn-ea"/>
+              </a:rPr>
+              <a:t>TIntermTyped</a:t>
+            </a:r>
+            <a:r>
+              <a:rPr lang="en-US" altLang="zh-CN" sz="2000" b="1">
+                <a:solidFill>
+                  <a:srgbClr val="00B0F0"/>
+                </a:solidFill>
+                <a:latin typeface="+mn-ea"/>
+                <a:sym typeface="+mn-ea"/>
+              </a:rPr>
+              <a:t>::</a:t>
+            </a:r>
+            <a:r>
+              <a:rPr lang="zh-CN" altLang="en-US" sz="2000" b="1">
+                <a:solidFill>
+                  <a:srgbClr val="00B0F0"/>
+                </a:solidFill>
+                <a:latin typeface="+mn-ea"/>
+                <a:sym typeface="+mn-ea"/>
+              </a:rPr>
+              <a:t>TIntermSelection</a:t>
+            </a:r>
+            <a:r>
               <a:rPr lang="zh-CN" altLang="en-US" sz="2000">
                 <a:latin typeface="+mn-ea"/>
-              </a:rPr>
-              <a:t>包含一个用于输出的成员变量：TInfoSink&amp; </a:t>
-            </a:r>
-            <a:r>
-              <a:rPr lang="zh-CN" altLang="en-US" sz="2000" b="1">
+                <a:sym typeface="+mn-ea"/>
+              </a:rPr>
+              <a:t>：</a:t>
+            </a:r>
+            <a:r>
+              <a:rPr lang="en-US" altLang="zh-CN" sz="2000">
+                <a:latin typeface="+mn-ea"/>
+                <a:sym typeface="+mn-ea"/>
+              </a:rPr>
+              <a:t>if</a:t>
+            </a:r>
+            <a:r>
+              <a:rPr lang="zh-CN" altLang="en-US" sz="2000">
+                <a:latin typeface="+mn-ea"/>
+                <a:sym typeface="+mn-ea"/>
+              </a:rPr>
+              <a:t>测试。包含三个成员：</a:t>
+            </a:r>
+            <a:endParaRPr lang="zh-CN" altLang="en-US" sz="2000">
+              <a:latin typeface="+mn-ea"/>
+              <a:sym typeface="+mn-ea"/>
+            </a:endParaRPr>
+          </a:p>
+          <a:p>
+            <a:pPr lvl="3"/>
+            <a:r>
+              <a:rPr lang="zh-CN" altLang="en-US">
+                <a:latin typeface="+mn-ea"/>
+                <a:sym typeface="+mn-ea"/>
+              </a:rPr>
+              <a:t>TIntermTyped* </a:t>
+            </a:r>
+            <a:r>
+              <a:rPr lang="zh-CN" altLang="en-US" b="1">
                 <a:solidFill>
                   <a:srgbClr val="00B050"/>
                 </a:solidFill>
                 <a:latin typeface="+mn-ea"/>
-              </a:rPr>
-              <a:t>infoSink</a:t>
-            </a:r>
-            <a:r>
-              <a:rPr lang="zh-CN" altLang="en-US" sz="2000">
-                <a:latin typeface="+mn-ea"/>
+                <a:sym typeface="+mn-ea"/>
+              </a:rPr>
+              <a:t>condition</a:t>
+            </a:r>
+            <a:r>
+              <a:rPr lang="zh-CN" altLang="en-US">
+                <a:latin typeface="+mn-ea"/>
+                <a:sym typeface="+mn-ea"/>
               </a:rPr>
               <a:t>;</a:t>
             </a:r>
+            <a:r>
+              <a:rPr lang="en-US" altLang="zh-CN" dirty="0">
+                <a:latin typeface="+mn-ea"/>
+                <a:sym typeface="+mn-ea"/>
+              </a:rPr>
+              <a:t> </a:t>
+            </a:r>
+            <a:r>
+              <a:rPr lang="zh-CN" altLang="en-US">
+                <a:latin typeface="+mn-ea"/>
+                <a:sym typeface="+mn-ea"/>
+              </a:rPr>
+              <a:t>判断条件</a:t>
+            </a:r>
+            <a:endParaRPr lang="en-US" altLang="zh-CN" dirty="0">
+              <a:latin typeface="+mn-ea"/>
+              <a:sym typeface="+mn-ea"/>
+            </a:endParaRPr>
+          </a:p>
+          <a:p>
+            <a:pPr lvl="3"/>
+            <a:r>
+              <a:rPr lang="en-US" altLang="zh-CN" dirty="0">
+                <a:latin typeface="+mn-ea"/>
+                <a:sym typeface="+mn-ea"/>
+              </a:rPr>
+              <a:t>TIntermNode* </a:t>
+            </a:r>
+            <a:r>
+              <a:rPr lang="en-US" altLang="zh-CN" b="1" dirty="0">
+                <a:solidFill>
+                  <a:srgbClr val="00B050"/>
+                </a:solidFill>
+                <a:latin typeface="+mn-ea"/>
+                <a:sym typeface="+mn-ea"/>
+              </a:rPr>
+              <a:t>trueBlock</a:t>
+            </a:r>
+            <a:r>
+              <a:rPr lang="en-US" altLang="zh-CN" dirty="0">
+                <a:latin typeface="+mn-ea"/>
+                <a:sym typeface="+mn-ea"/>
+              </a:rPr>
+              <a:t>; </a:t>
+            </a:r>
+            <a:r>
+              <a:rPr lang="zh-CN" altLang="en-US">
+                <a:latin typeface="+mn-ea"/>
+                <a:sym typeface="+mn-ea"/>
+              </a:rPr>
+              <a:t>为真的操作</a:t>
+            </a:r>
+            <a:endParaRPr lang="en-US" altLang="zh-CN" dirty="0">
+              <a:latin typeface="+mn-ea"/>
+              <a:sym typeface="+mn-ea"/>
+            </a:endParaRPr>
+          </a:p>
+          <a:p>
+            <a:pPr lvl="3"/>
+            <a:r>
+              <a:rPr lang="en-US" altLang="zh-CN" dirty="0">
+                <a:latin typeface="+mn-ea"/>
+                <a:sym typeface="+mn-ea"/>
+              </a:rPr>
+              <a:t>TIntermNode* </a:t>
+            </a:r>
+            <a:r>
+              <a:rPr lang="en-US" altLang="zh-CN" b="1" dirty="0">
+                <a:solidFill>
+                  <a:srgbClr val="00B050"/>
+                </a:solidFill>
+                <a:latin typeface="+mn-ea"/>
+                <a:sym typeface="+mn-ea"/>
+              </a:rPr>
+              <a:t>falseBlock</a:t>
+            </a:r>
+            <a:r>
+              <a:rPr lang="en-US" altLang="zh-CN" dirty="0">
+                <a:latin typeface="+mn-ea"/>
+                <a:sym typeface="+mn-ea"/>
+              </a:rPr>
+              <a:t>;</a:t>
+            </a:r>
+            <a:r>
+              <a:rPr lang="zh-CN" altLang="en-US">
+                <a:latin typeface="+mn-ea"/>
+                <a:sym typeface="+mn-ea"/>
+              </a:rPr>
+              <a:t>为假的操作</a:t>
+            </a:r>
+            <a:endParaRPr lang="en-US" altLang="zh-CN" dirty="0">
+              <a:latin typeface="+mn-ea"/>
+            </a:endParaRPr>
+          </a:p>
+          <a:p>
+            <a:pPr lvl="2"/>
             <a:endParaRPr lang="zh-CN" altLang="en-US" sz="2000">
               <a:latin typeface="+mn-ea"/>
-            </a:endParaRPr>
-          </a:p>
-          <a:p>
-            <a:pPr lvl="2" algn="l">
-              <a:buSzTx/>
-            </a:pPr>
-            <a:r>
-              <a:rPr lang="zh-CN" altLang="en-US" sz="2000">
-                <a:latin typeface="+mn-ea"/>
-              </a:rPr>
-              <a:t>包含两类函数：一个是输出树函数</a:t>
-            </a:r>
-            <a:r>
-              <a:rPr lang="zh-CN" altLang="en-US" sz="2000" b="1">
-                <a:solidFill>
-                  <a:schemeClr val="accent1"/>
-                </a:solidFill>
-                <a:latin typeface="+mn-ea"/>
-              </a:rPr>
-              <a:t>outputTree</a:t>
-            </a:r>
-            <a:r>
-              <a:rPr lang="en-US" altLang="zh-CN" sz="2000" b="1">
-                <a:solidFill>
-                  <a:schemeClr val="accent1"/>
-                </a:solidFill>
-                <a:latin typeface="+mn-ea"/>
-              </a:rPr>
-              <a:t>()</a:t>
-            </a:r>
-            <a:r>
-              <a:rPr lang="en-US" altLang="zh-CN" sz="2000">
-                <a:latin typeface="+mn-ea"/>
-              </a:rPr>
-              <a:t>,</a:t>
-            </a:r>
-            <a:r>
-              <a:rPr lang="zh-CN" altLang="en-US" sz="2000">
-                <a:latin typeface="+mn-ea"/>
-              </a:rPr>
-              <a:t>作为遍历树的示例。</a:t>
-            </a:r>
+              <a:sym typeface="+mn-ea"/>
+            </a:endParaRPr>
+          </a:p>
+          <a:p>
+            <a:pPr lvl="2"/>
             <a:endParaRPr lang="zh-CN" altLang="en-US" sz="2000">
               <a:latin typeface="+mn-ea"/>
-            </a:endParaRPr>
-          </a:p>
-          <a:p>
-            <a:pPr lvl="2" algn="l">
-              <a:buSzTx/>
-            </a:pPr>
-            <a:r>
-              <a:rPr lang="zh-CN" altLang="en-US" sz="2000">
-                <a:latin typeface="+mn-ea"/>
-              </a:rPr>
-              <a:t>还有一类是新建各种节点如下函数：如</a:t>
-            </a:r>
-            <a:r>
-              <a:rPr lang="zh-CN" altLang="en-US" sz="2000" b="1">
-                <a:solidFill>
-                  <a:schemeClr val="accent1"/>
-                </a:solidFill>
-                <a:latin typeface="+mn-ea"/>
-              </a:rPr>
-              <a:t>addSymbol</a:t>
-            </a:r>
-            <a:r>
-              <a:rPr lang="en-US" altLang="zh-CN" sz="2000">
-                <a:latin typeface="+mn-ea"/>
-              </a:rPr>
-              <a:t>(),</a:t>
-            </a:r>
-            <a:r>
-              <a:rPr lang="en-US" altLang="zh-CN" sz="2000" b="1">
-                <a:solidFill>
-                  <a:schemeClr val="accent1"/>
-                </a:solidFill>
-                <a:latin typeface="+mn-ea"/>
-              </a:rPr>
-              <a:t>addBinaryMath</a:t>
-            </a:r>
-            <a:r>
-              <a:rPr lang="en-US" altLang="zh-CN" sz="2000">
-                <a:latin typeface="+mn-ea"/>
-              </a:rPr>
-              <a:t>(),</a:t>
-            </a:r>
-            <a:r>
-              <a:rPr lang="en-US" altLang="zh-CN" sz="2000" b="1">
-                <a:solidFill>
-                  <a:schemeClr val="accent1"/>
-                </a:solidFill>
-                <a:latin typeface="+mn-ea"/>
-              </a:rPr>
-              <a:t>growAggregate</a:t>
-            </a:r>
-            <a:r>
-              <a:rPr lang="en-US" altLang="zh-CN" sz="2000">
-                <a:latin typeface="+mn-ea"/>
-              </a:rPr>
-              <a:t>()</a:t>
-            </a:r>
-            <a:r>
-              <a:rPr lang="zh-CN" altLang="en-US" sz="2000">
-                <a:latin typeface="+mn-ea"/>
-              </a:rPr>
-              <a:t>等</a:t>
-            </a:r>
-            <a:endParaRPr lang="zh-CN" altLang="en-US" sz="2000">
-              <a:latin typeface="+mn-ea"/>
-            </a:endParaRPr>
-          </a:p>
-          <a:p>
-            <a:pPr lvl="2" algn="l">
-              <a:buSzTx/>
-            </a:pPr>
-            <a:r>
-              <a:rPr lang="zh-CN" altLang="en-US" dirty="0">
-                <a:latin typeface="+mn-ea"/>
-              </a:rPr>
-              <a:t>新建节点的函数会被用在</a:t>
-            </a:r>
-            <a:r>
-              <a:rPr lang="en-US" altLang="zh-CN" dirty="0">
-                <a:latin typeface="+mn-ea"/>
-              </a:rPr>
-              <a:t>.y</a:t>
-            </a:r>
-            <a:r>
-              <a:rPr lang="zh-CN" altLang="en-US" dirty="0">
-                <a:latin typeface="+mn-ea"/>
-              </a:rPr>
-              <a:t>文件中</a:t>
-            </a:r>
-            <a:endParaRPr lang="zh-CN" altLang="en-US" dirty="0">
+              <a:sym typeface="+mn-ea"/>
+            </a:endParaRPr>
+          </a:p>
+          <a:p>
+            <a:pPr lvl="3"/>
+            <a:endParaRPr lang="zh-CN" altLang="en-US" sz="2000" dirty="0">
               <a:latin typeface="+mn-ea"/>
             </a:endParaRPr>
           </a:p>
